--- a/Unit_Test/3) KOSMO_77기_개발 4팀_윤종호_Unit_Test_보고서.pptx
+++ b/Unit_Test/3) KOSMO_77기_개발 4팀_윤종호_Unit_Test_보고서.pptx
@@ -10,6 +10,8 @@
     <p:sldId id="258" r:id="rId5"/>
     <p:sldId id="259" r:id="rId6"/>
     <p:sldId id="260" r:id="rId7"/>
+    <p:sldId id="261" r:id="rId8"/>
+    <p:sldId id="262" r:id="rId9"/>
   </p:sldIdLst>
   <p:sldSz cx="9144000" cy="6858000"/>
   <p:notesSz cx="7559675" cy="10691812"/>
@@ -57,7 +59,7 @@
       </p:grpSpPr>
       <p:sp>
         <p:nvSpPr>
-          <p:cNvPr id="26" name="PlaceHolder 1"/>
+          <p:cNvPr id="23" name="PlaceHolder 1"/>
           <p:cNvSpPr>
             <a:spLocks noGrp="1"/>
           </p:cNvSpPr>
@@ -67,8 +69,8 @@
         </p:nvSpPr>
         <p:spPr>
           <a:xfrm>
-            <a:off x="685800" y="2130480"/>
-            <a:ext cx="7772040" cy="1469520"/>
+            <a:off x="685800" y="2194560"/>
+            <a:ext cx="7771680" cy="1341000"/>
           </a:xfrm>
           <a:prstGeom prst="rect">
             <a:avLst/>
@@ -79,18 +81,16 @@
             <a:spAutoFit/>
           </a:bodyPr>
           <a:p>
-            <a:endParaRPr b="0" lang="ko-KR" sz="1800" spc="-1" strike="noStrike">
-              <a:solidFill>
-                <a:srgbClr val="000000"/>
-              </a:solidFill>
-              <a:latin typeface="맑은 고딕"/>
+            <a:pPr algn="ctr"/>
+            <a:endParaRPr b="0" lang="en-US" sz="4400" spc="-1" strike="noStrike">
+              <a:latin typeface="굴림"/>
             </a:endParaRPr>
           </a:p>
         </p:txBody>
       </p:sp>
       <p:sp>
         <p:nvSpPr>
-          <p:cNvPr id="27" name="PlaceHolder 2"/>
+          <p:cNvPr id="24" name="PlaceHolder 2"/>
           <p:cNvSpPr>
             <a:spLocks noGrp="1"/>
           </p:cNvSpPr>
@@ -112,18 +112,15 @@
             <a:normAutofit/>
           </a:bodyPr>
           <a:p>
-            <a:endParaRPr b="0" lang="ko-KR" sz="3200" spc="-1" strike="noStrike">
-              <a:solidFill>
-                <a:srgbClr val="000000"/>
-              </a:solidFill>
-              <a:latin typeface="맑은 고딕"/>
+            <a:endParaRPr b="0" lang="en-US" sz="3200" spc="-1" strike="noStrike">
+              <a:latin typeface="굴림"/>
             </a:endParaRPr>
           </a:p>
         </p:txBody>
       </p:sp>
       <p:sp>
         <p:nvSpPr>
-          <p:cNvPr id="28" name="PlaceHolder 3"/>
+          <p:cNvPr id="25" name="PlaceHolder 3"/>
           <p:cNvSpPr>
             <a:spLocks noGrp="1"/>
           </p:cNvSpPr>
@@ -145,11 +142,8 @@
             <a:normAutofit/>
           </a:bodyPr>
           <a:p>
-            <a:endParaRPr b="0" lang="ko-KR" sz="3200" spc="-1" strike="noStrike">
-              <a:solidFill>
-                <a:srgbClr val="000000"/>
-              </a:solidFill>
-              <a:latin typeface="맑은 고딕"/>
+            <a:endParaRPr b="0" lang="en-US" sz="3200" spc="-1" strike="noStrike">
+              <a:latin typeface="굴림"/>
             </a:endParaRPr>
           </a:p>
         </p:txBody>
@@ -178,7 +172,7 @@
       </p:grpSpPr>
       <p:sp>
         <p:nvSpPr>
-          <p:cNvPr id="29" name="PlaceHolder 1"/>
+          <p:cNvPr id="26" name="PlaceHolder 1"/>
           <p:cNvSpPr>
             <a:spLocks noGrp="1"/>
           </p:cNvSpPr>
@@ -188,8 +182,8 @@
         </p:nvSpPr>
         <p:spPr>
           <a:xfrm>
-            <a:off x="685800" y="2130480"/>
-            <a:ext cx="7772040" cy="1469520"/>
+            <a:off x="685800" y="2194560"/>
+            <a:ext cx="7771680" cy="1341000"/>
           </a:xfrm>
           <a:prstGeom prst="rect">
             <a:avLst/>
@@ -200,18 +194,16 @@
             <a:spAutoFit/>
           </a:bodyPr>
           <a:p>
-            <a:endParaRPr b="0" lang="ko-KR" sz="1800" spc="-1" strike="noStrike">
-              <a:solidFill>
-                <a:srgbClr val="000000"/>
-              </a:solidFill>
-              <a:latin typeface="맑은 고딕"/>
+            <a:pPr algn="ctr"/>
+            <a:endParaRPr b="0" lang="en-US" sz="4400" spc="-1" strike="noStrike">
+              <a:latin typeface="굴림"/>
             </a:endParaRPr>
           </a:p>
         </p:txBody>
       </p:sp>
       <p:sp>
         <p:nvSpPr>
-          <p:cNvPr id="30" name="PlaceHolder 2"/>
+          <p:cNvPr id="27" name="PlaceHolder 2"/>
           <p:cNvSpPr>
             <a:spLocks noGrp="1"/>
           </p:cNvSpPr>
@@ -233,18 +225,15 @@
             <a:normAutofit/>
           </a:bodyPr>
           <a:p>
-            <a:endParaRPr b="0" lang="ko-KR" sz="3200" spc="-1" strike="noStrike">
-              <a:solidFill>
-                <a:srgbClr val="000000"/>
-              </a:solidFill>
-              <a:latin typeface="맑은 고딕"/>
+            <a:endParaRPr b="0" lang="en-US" sz="3200" spc="-1" strike="noStrike">
+              <a:latin typeface="굴림"/>
             </a:endParaRPr>
           </a:p>
         </p:txBody>
       </p:sp>
       <p:sp>
         <p:nvSpPr>
-          <p:cNvPr id="31" name="PlaceHolder 3"/>
+          <p:cNvPr id="28" name="PlaceHolder 3"/>
           <p:cNvSpPr>
             <a:spLocks noGrp="1"/>
           </p:cNvSpPr>
@@ -266,18 +255,15 @@
             <a:normAutofit/>
           </a:bodyPr>
           <a:p>
-            <a:endParaRPr b="0" lang="ko-KR" sz="3200" spc="-1" strike="noStrike">
-              <a:solidFill>
-                <a:srgbClr val="000000"/>
-              </a:solidFill>
-              <a:latin typeface="맑은 고딕"/>
+            <a:endParaRPr b="0" lang="en-US" sz="3200" spc="-1" strike="noStrike">
+              <a:latin typeface="굴림"/>
             </a:endParaRPr>
           </a:p>
         </p:txBody>
       </p:sp>
       <p:sp>
         <p:nvSpPr>
-          <p:cNvPr id="32" name="PlaceHolder 4"/>
+          <p:cNvPr id="29" name="PlaceHolder 4"/>
           <p:cNvSpPr>
             <a:spLocks noGrp="1"/>
           </p:cNvSpPr>
@@ -299,18 +285,15 @@
             <a:normAutofit/>
           </a:bodyPr>
           <a:p>
-            <a:endParaRPr b="0" lang="ko-KR" sz="3200" spc="-1" strike="noStrike">
-              <a:solidFill>
-                <a:srgbClr val="000000"/>
-              </a:solidFill>
-              <a:latin typeface="맑은 고딕"/>
+            <a:endParaRPr b="0" lang="en-US" sz="3200" spc="-1" strike="noStrike">
+              <a:latin typeface="굴림"/>
             </a:endParaRPr>
           </a:p>
         </p:txBody>
       </p:sp>
       <p:sp>
         <p:nvSpPr>
-          <p:cNvPr id="33" name="PlaceHolder 5"/>
+          <p:cNvPr id="30" name="PlaceHolder 5"/>
           <p:cNvSpPr>
             <a:spLocks noGrp="1"/>
           </p:cNvSpPr>
@@ -332,11 +315,8 @@
             <a:normAutofit/>
           </a:bodyPr>
           <a:p>
-            <a:endParaRPr b="0" lang="ko-KR" sz="3200" spc="-1" strike="noStrike">
-              <a:solidFill>
-                <a:srgbClr val="000000"/>
-              </a:solidFill>
-              <a:latin typeface="맑은 고딕"/>
+            <a:endParaRPr b="0" lang="en-US" sz="3200" spc="-1" strike="noStrike">
+              <a:latin typeface="굴림"/>
             </a:endParaRPr>
           </a:p>
         </p:txBody>
@@ -365,7 +345,7 @@
       </p:grpSpPr>
       <p:sp>
         <p:nvSpPr>
-          <p:cNvPr id="34" name="PlaceHolder 1"/>
+          <p:cNvPr id="31" name="PlaceHolder 1"/>
           <p:cNvSpPr>
             <a:spLocks noGrp="1"/>
           </p:cNvSpPr>
@@ -375,8 +355,8 @@
         </p:nvSpPr>
         <p:spPr>
           <a:xfrm>
-            <a:off x="685800" y="2130480"/>
-            <a:ext cx="7772040" cy="1469520"/>
+            <a:off x="685800" y="2194560"/>
+            <a:ext cx="7771680" cy="1341000"/>
           </a:xfrm>
           <a:prstGeom prst="rect">
             <a:avLst/>
@@ -387,18 +367,16 @@
             <a:spAutoFit/>
           </a:bodyPr>
           <a:p>
-            <a:endParaRPr b="0" lang="ko-KR" sz="1800" spc="-1" strike="noStrike">
-              <a:solidFill>
-                <a:srgbClr val="000000"/>
-              </a:solidFill>
-              <a:latin typeface="맑은 고딕"/>
+            <a:pPr algn="ctr"/>
+            <a:endParaRPr b="0" lang="en-US" sz="4400" spc="-1" strike="noStrike">
+              <a:latin typeface="굴림"/>
             </a:endParaRPr>
           </a:p>
         </p:txBody>
       </p:sp>
       <p:sp>
         <p:nvSpPr>
-          <p:cNvPr id="35" name="PlaceHolder 2"/>
+          <p:cNvPr id="32" name="PlaceHolder 2"/>
           <p:cNvSpPr>
             <a:spLocks noGrp="1"/>
           </p:cNvSpPr>
@@ -420,18 +398,15 @@
             <a:normAutofit/>
           </a:bodyPr>
           <a:p>
-            <a:endParaRPr b="0" lang="ko-KR" sz="3200" spc="-1" strike="noStrike">
-              <a:solidFill>
-                <a:srgbClr val="000000"/>
-              </a:solidFill>
-              <a:latin typeface="맑은 고딕"/>
+            <a:endParaRPr b="0" lang="en-US" sz="3200" spc="-1" strike="noStrike">
+              <a:latin typeface="굴림"/>
             </a:endParaRPr>
           </a:p>
         </p:txBody>
       </p:sp>
       <p:sp>
         <p:nvSpPr>
-          <p:cNvPr id="36" name="PlaceHolder 3"/>
+          <p:cNvPr id="33" name="PlaceHolder 3"/>
           <p:cNvSpPr>
             <a:spLocks noGrp="1"/>
           </p:cNvSpPr>
@@ -453,18 +428,15 @@
             <a:normAutofit/>
           </a:bodyPr>
           <a:p>
-            <a:endParaRPr b="0" lang="ko-KR" sz="3200" spc="-1" strike="noStrike">
-              <a:solidFill>
-                <a:srgbClr val="000000"/>
-              </a:solidFill>
-              <a:latin typeface="맑은 고딕"/>
+            <a:endParaRPr b="0" lang="en-US" sz="3200" spc="-1" strike="noStrike">
+              <a:latin typeface="굴림"/>
             </a:endParaRPr>
           </a:p>
         </p:txBody>
       </p:sp>
       <p:sp>
         <p:nvSpPr>
-          <p:cNvPr id="37" name="PlaceHolder 4"/>
+          <p:cNvPr id="34" name="PlaceHolder 4"/>
           <p:cNvSpPr>
             <a:spLocks noGrp="1"/>
           </p:cNvSpPr>
@@ -486,18 +458,15 @@
             <a:normAutofit/>
           </a:bodyPr>
           <a:p>
-            <a:endParaRPr b="0" lang="ko-KR" sz="3200" spc="-1" strike="noStrike">
-              <a:solidFill>
-                <a:srgbClr val="000000"/>
-              </a:solidFill>
-              <a:latin typeface="맑은 고딕"/>
+            <a:endParaRPr b="0" lang="en-US" sz="3200" spc="-1" strike="noStrike">
+              <a:latin typeface="굴림"/>
             </a:endParaRPr>
           </a:p>
         </p:txBody>
       </p:sp>
       <p:sp>
         <p:nvSpPr>
-          <p:cNvPr id="38" name="PlaceHolder 5"/>
+          <p:cNvPr id="35" name="PlaceHolder 5"/>
           <p:cNvSpPr>
             <a:spLocks noGrp="1"/>
           </p:cNvSpPr>
@@ -519,18 +488,15 @@
             <a:normAutofit/>
           </a:bodyPr>
           <a:p>
-            <a:endParaRPr b="0" lang="ko-KR" sz="3200" spc="-1" strike="noStrike">
-              <a:solidFill>
-                <a:srgbClr val="000000"/>
-              </a:solidFill>
-              <a:latin typeface="맑은 고딕"/>
+            <a:endParaRPr b="0" lang="en-US" sz="3200" spc="-1" strike="noStrike">
+              <a:latin typeface="굴림"/>
             </a:endParaRPr>
           </a:p>
         </p:txBody>
       </p:sp>
       <p:sp>
         <p:nvSpPr>
-          <p:cNvPr id="39" name="PlaceHolder 6"/>
+          <p:cNvPr id="36" name="PlaceHolder 6"/>
           <p:cNvSpPr>
             <a:spLocks noGrp="1"/>
           </p:cNvSpPr>
@@ -552,18 +518,15 @@
             <a:normAutofit/>
           </a:bodyPr>
           <a:p>
-            <a:endParaRPr b="0" lang="ko-KR" sz="3200" spc="-1" strike="noStrike">
-              <a:solidFill>
-                <a:srgbClr val="000000"/>
-              </a:solidFill>
-              <a:latin typeface="맑은 고딕"/>
+            <a:endParaRPr b="0" lang="en-US" sz="3200" spc="-1" strike="noStrike">
+              <a:latin typeface="굴림"/>
             </a:endParaRPr>
           </a:p>
         </p:txBody>
       </p:sp>
       <p:sp>
         <p:nvSpPr>
-          <p:cNvPr id="40" name="PlaceHolder 7"/>
+          <p:cNvPr id="37" name="PlaceHolder 7"/>
           <p:cNvSpPr>
             <a:spLocks noGrp="1"/>
           </p:cNvSpPr>
@@ -585,11 +548,8 @@
             <a:normAutofit/>
           </a:bodyPr>
           <a:p>
-            <a:endParaRPr b="0" lang="ko-KR" sz="3200" spc="-1" strike="noStrike">
-              <a:solidFill>
-                <a:srgbClr val="000000"/>
-              </a:solidFill>
-              <a:latin typeface="맑은 고딕"/>
+            <a:endParaRPr b="0" lang="en-US" sz="3200" spc="-1" strike="noStrike">
+              <a:latin typeface="굴림"/>
             </a:endParaRPr>
           </a:p>
         </p:txBody>
@@ -618,7 +578,7 @@
       </p:grpSpPr>
       <p:sp>
         <p:nvSpPr>
-          <p:cNvPr id="5" name="PlaceHolder 1"/>
+          <p:cNvPr id="2" name="PlaceHolder 1"/>
           <p:cNvSpPr>
             <a:spLocks noGrp="1"/>
           </p:cNvSpPr>
@@ -628,8 +588,8 @@
         </p:nvSpPr>
         <p:spPr>
           <a:xfrm>
-            <a:off x="685800" y="2130480"/>
-            <a:ext cx="7772040" cy="1469520"/>
+            <a:off x="685800" y="2194560"/>
+            <a:ext cx="7771680" cy="1341000"/>
           </a:xfrm>
           <a:prstGeom prst="rect">
             <a:avLst/>
@@ -640,18 +600,16 @@
             <a:spAutoFit/>
           </a:bodyPr>
           <a:p>
-            <a:endParaRPr b="0" lang="ko-KR" sz="1800" spc="-1" strike="noStrike">
-              <a:solidFill>
-                <a:srgbClr val="000000"/>
-              </a:solidFill>
-              <a:latin typeface="맑은 고딕"/>
+            <a:pPr algn="ctr"/>
+            <a:endParaRPr b="0" lang="en-US" sz="4400" spc="-1" strike="noStrike">
+              <a:latin typeface="굴림"/>
             </a:endParaRPr>
           </a:p>
         </p:txBody>
       </p:sp>
       <p:sp>
         <p:nvSpPr>
-          <p:cNvPr id="6" name="PlaceHolder 2"/>
+          <p:cNvPr id="3" name="PlaceHolder 2"/>
           <p:cNvSpPr>
             <a:spLocks noGrp="1"/>
           </p:cNvSpPr>
@@ -704,7 +662,7 @@
       </p:grpSpPr>
       <p:sp>
         <p:nvSpPr>
-          <p:cNvPr id="7" name="PlaceHolder 1"/>
+          <p:cNvPr id="4" name="PlaceHolder 1"/>
           <p:cNvSpPr>
             <a:spLocks noGrp="1"/>
           </p:cNvSpPr>
@@ -714,8 +672,8 @@
         </p:nvSpPr>
         <p:spPr>
           <a:xfrm>
-            <a:off x="685800" y="2130480"/>
-            <a:ext cx="7772040" cy="1469520"/>
+            <a:off x="685800" y="2194560"/>
+            <a:ext cx="7771680" cy="1341000"/>
           </a:xfrm>
           <a:prstGeom prst="rect">
             <a:avLst/>
@@ -726,18 +684,16 @@
             <a:spAutoFit/>
           </a:bodyPr>
           <a:p>
-            <a:endParaRPr b="0" lang="ko-KR" sz="1800" spc="-1" strike="noStrike">
-              <a:solidFill>
-                <a:srgbClr val="000000"/>
-              </a:solidFill>
-              <a:latin typeface="맑은 고딕"/>
+            <a:pPr algn="ctr"/>
+            <a:endParaRPr b="0" lang="en-US" sz="4400" spc="-1" strike="noStrike">
+              <a:latin typeface="굴림"/>
             </a:endParaRPr>
           </a:p>
         </p:txBody>
       </p:sp>
       <p:sp>
         <p:nvSpPr>
-          <p:cNvPr id="8" name="PlaceHolder 2"/>
+          <p:cNvPr id="5" name="PlaceHolder 2"/>
           <p:cNvSpPr>
             <a:spLocks noGrp="1"/>
           </p:cNvSpPr>
@@ -759,11 +715,8 @@
             <a:normAutofit/>
           </a:bodyPr>
           <a:p>
-            <a:endParaRPr b="0" lang="ko-KR" sz="3200" spc="-1" strike="noStrike">
-              <a:solidFill>
-                <a:srgbClr val="000000"/>
-              </a:solidFill>
-              <a:latin typeface="맑은 고딕"/>
+            <a:endParaRPr b="0" lang="en-US" sz="3200" spc="-1" strike="noStrike">
+              <a:latin typeface="굴림"/>
             </a:endParaRPr>
           </a:p>
         </p:txBody>
@@ -792,7 +745,7 @@
       </p:grpSpPr>
       <p:sp>
         <p:nvSpPr>
-          <p:cNvPr id="9" name="PlaceHolder 1"/>
+          <p:cNvPr id="6" name="PlaceHolder 1"/>
           <p:cNvSpPr>
             <a:spLocks noGrp="1"/>
           </p:cNvSpPr>
@@ -802,8 +755,8 @@
         </p:nvSpPr>
         <p:spPr>
           <a:xfrm>
-            <a:off x="685800" y="2130480"/>
-            <a:ext cx="7772040" cy="1469520"/>
+            <a:off x="685800" y="2194560"/>
+            <a:ext cx="7771680" cy="1341000"/>
           </a:xfrm>
           <a:prstGeom prst="rect">
             <a:avLst/>
@@ -814,18 +767,16 @@
             <a:spAutoFit/>
           </a:bodyPr>
           <a:p>
-            <a:endParaRPr b="0" lang="ko-KR" sz="1800" spc="-1" strike="noStrike">
-              <a:solidFill>
-                <a:srgbClr val="000000"/>
-              </a:solidFill>
-              <a:latin typeface="맑은 고딕"/>
+            <a:pPr algn="ctr"/>
+            <a:endParaRPr b="0" lang="en-US" sz="4400" spc="-1" strike="noStrike">
+              <a:latin typeface="굴림"/>
             </a:endParaRPr>
           </a:p>
         </p:txBody>
       </p:sp>
       <p:sp>
         <p:nvSpPr>
-          <p:cNvPr id="10" name="PlaceHolder 2"/>
+          <p:cNvPr id="7" name="PlaceHolder 2"/>
           <p:cNvSpPr>
             <a:spLocks noGrp="1"/>
           </p:cNvSpPr>
@@ -847,18 +798,15 @@
             <a:normAutofit/>
           </a:bodyPr>
           <a:p>
-            <a:endParaRPr b="0" lang="ko-KR" sz="3200" spc="-1" strike="noStrike">
-              <a:solidFill>
-                <a:srgbClr val="000000"/>
-              </a:solidFill>
-              <a:latin typeface="맑은 고딕"/>
+            <a:endParaRPr b="0" lang="en-US" sz="3200" spc="-1" strike="noStrike">
+              <a:latin typeface="굴림"/>
             </a:endParaRPr>
           </a:p>
         </p:txBody>
       </p:sp>
       <p:sp>
         <p:nvSpPr>
-          <p:cNvPr id="11" name="PlaceHolder 3"/>
+          <p:cNvPr id="8" name="PlaceHolder 3"/>
           <p:cNvSpPr>
             <a:spLocks noGrp="1"/>
           </p:cNvSpPr>
@@ -880,11 +828,8 @@
             <a:normAutofit/>
           </a:bodyPr>
           <a:p>
-            <a:endParaRPr b="0" lang="ko-KR" sz="3200" spc="-1" strike="noStrike">
-              <a:solidFill>
-                <a:srgbClr val="000000"/>
-              </a:solidFill>
-              <a:latin typeface="맑은 고딕"/>
+            <a:endParaRPr b="0" lang="en-US" sz="3200" spc="-1" strike="noStrike">
+              <a:latin typeface="굴림"/>
             </a:endParaRPr>
           </a:p>
         </p:txBody>
@@ -913,7 +858,7 @@
       </p:grpSpPr>
       <p:sp>
         <p:nvSpPr>
-          <p:cNvPr id="12" name="PlaceHolder 1"/>
+          <p:cNvPr id="9" name="PlaceHolder 1"/>
           <p:cNvSpPr>
             <a:spLocks noGrp="1"/>
           </p:cNvSpPr>
@@ -923,8 +868,8 @@
         </p:nvSpPr>
         <p:spPr>
           <a:xfrm>
-            <a:off x="685800" y="2130480"/>
-            <a:ext cx="7772040" cy="1469520"/>
+            <a:off x="685800" y="2194560"/>
+            <a:ext cx="7771680" cy="1341000"/>
           </a:xfrm>
           <a:prstGeom prst="rect">
             <a:avLst/>
@@ -935,11 +880,9 @@
             <a:spAutoFit/>
           </a:bodyPr>
           <a:p>
-            <a:endParaRPr b="0" lang="ko-KR" sz="1800" spc="-1" strike="noStrike">
-              <a:solidFill>
-                <a:srgbClr val="000000"/>
-              </a:solidFill>
-              <a:latin typeface="맑은 고딕"/>
+            <a:pPr algn="ctr"/>
+            <a:endParaRPr b="0" lang="en-US" sz="4400" spc="-1" strike="noStrike">
+              <a:latin typeface="굴림"/>
             </a:endParaRPr>
           </a:p>
         </p:txBody>
@@ -968,7 +911,7 @@
       </p:grpSpPr>
       <p:sp>
         <p:nvSpPr>
-          <p:cNvPr id="13" name="PlaceHolder 1"/>
+          <p:cNvPr id="10" name="PlaceHolder 1"/>
           <p:cNvSpPr>
             <a:spLocks noGrp="1"/>
           </p:cNvSpPr>
@@ -978,8 +921,8 @@
         </p:nvSpPr>
         <p:spPr>
           <a:xfrm>
-            <a:off x="685800" y="2130480"/>
-            <a:ext cx="7772040" cy="6813000"/>
+            <a:off x="685800" y="2194560"/>
+            <a:ext cx="7771680" cy="6217560"/>
           </a:xfrm>
           <a:prstGeom prst="rect">
             <a:avLst/>
@@ -1021,7 +964,7 @@
       </p:grpSpPr>
       <p:sp>
         <p:nvSpPr>
-          <p:cNvPr id="14" name="PlaceHolder 1"/>
+          <p:cNvPr id="11" name="PlaceHolder 1"/>
           <p:cNvSpPr>
             <a:spLocks noGrp="1"/>
           </p:cNvSpPr>
@@ -1031,8 +974,8 @@
         </p:nvSpPr>
         <p:spPr>
           <a:xfrm>
-            <a:off x="685800" y="2130480"/>
-            <a:ext cx="7772040" cy="1469520"/>
+            <a:off x="685800" y="2194560"/>
+            <a:ext cx="7771680" cy="1341000"/>
           </a:xfrm>
           <a:prstGeom prst="rect">
             <a:avLst/>
@@ -1043,18 +986,16 @@
             <a:spAutoFit/>
           </a:bodyPr>
           <a:p>
-            <a:endParaRPr b="0" lang="ko-KR" sz="1800" spc="-1" strike="noStrike">
-              <a:solidFill>
-                <a:srgbClr val="000000"/>
-              </a:solidFill>
-              <a:latin typeface="맑은 고딕"/>
+            <a:pPr algn="ctr"/>
+            <a:endParaRPr b="0" lang="en-US" sz="4400" spc="-1" strike="noStrike">
+              <a:latin typeface="굴림"/>
             </a:endParaRPr>
           </a:p>
         </p:txBody>
       </p:sp>
       <p:sp>
         <p:nvSpPr>
-          <p:cNvPr id="15" name="PlaceHolder 2"/>
+          <p:cNvPr id="12" name="PlaceHolder 2"/>
           <p:cNvSpPr>
             <a:spLocks noGrp="1"/>
           </p:cNvSpPr>
@@ -1076,18 +1017,15 @@
             <a:normAutofit/>
           </a:bodyPr>
           <a:p>
-            <a:endParaRPr b="0" lang="ko-KR" sz="3200" spc="-1" strike="noStrike">
-              <a:solidFill>
-                <a:srgbClr val="000000"/>
-              </a:solidFill>
-              <a:latin typeface="맑은 고딕"/>
+            <a:endParaRPr b="0" lang="en-US" sz="3200" spc="-1" strike="noStrike">
+              <a:latin typeface="굴림"/>
             </a:endParaRPr>
           </a:p>
         </p:txBody>
       </p:sp>
       <p:sp>
         <p:nvSpPr>
-          <p:cNvPr id="16" name="PlaceHolder 3"/>
+          <p:cNvPr id="13" name="PlaceHolder 3"/>
           <p:cNvSpPr>
             <a:spLocks noGrp="1"/>
           </p:cNvSpPr>
@@ -1109,18 +1047,15 @@
             <a:normAutofit/>
           </a:bodyPr>
           <a:p>
-            <a:endParaRPr b="0" lang="ko-KR" sz="3200" spc="-1" strike="noStrike">
-              <a:solidFill>
-                <a:srgbClr val="000000"/>
-              </a:solidFill>
-              <a:latin typeface="맑은 고딕"/>
+            <a:endParaRPr b="0" lang="en-US" sz="3200" spc="-1" strike="noStrike">
+              <a:latin typeface="굴림"/>
             </a:endParaRPr>
           </a:p>
         </p:txBody>
       </p:sp>
       <p:sp>
         <p:nvSpPr>
-          <p:cNvPr id="17" name="PlaceHolder 4"/>
+          <p:cNvPr id="14" name="PlaceHolder 4"/>
           <p:cNvSpPr>
             <a:spLocks noGrp="1"/>
           </p:cNvSpPr>
@@ -1142,11 +1077,8 @@
             <a:normAutofit/>
           </a:bodyPr>
           <a:p>
-            <a:endParaRPr b="0" lang="ko-KR" sz="3200" spc="-1" strike="noStrike">
-              <a:solidFill>
-                <a:srgbClr val="000000"/>
-              </a:solidFill>
-              <a:latin typeface="맑은 고딕"/>
+            <a:endParaRPr b="0" lang="en-US" sz="3200" spc="-1" strike="noStrike">
+              <a:latin typeface="굴림"/>
             </a:endParaRPr>
           </a:p>
         </p:txBody>
@@ -1175,7 +1107,7 @@
       </p:grpSpPr>
       <p:sp>
         <p:nvSpPr>
-          <p:cNvPr id="18" name="PlaceHolder 1"/>
+          <p:cNvPr id="15" name="PlaceHolder 1"/>
           <p:cNvSpPr>
             <a:spLocks noGrp="1"/>
           </p:cNvSpPr>
@@ -1185,8 +1117,8 @@
         </p:nvSpPr>
         <p:spPr>
           <a:xfrm>
-            <a:off x="685800" y="2130480"/>
-            <a:ext cx="7772040" cy="1469520"/>
+            <a:off x="685800" y="2194560"/>
+            <a:ext cx="7771680" cy="1341000"/>
           </a:xfrm>
           <a:prstGeom prst="rect">
             <a:avLst/>
@@ -1197,18 +1129,16 @@
             <a:spAutoFit/>
           </a:bodyPr>
           <a:p>
-            <a:endParaRPr b="0" lang="ko-KR" sz="1800" spc="-1" strike="noStrike">
-              <a:solidFill>
-                <a:srgbClr val="000000"/>
-              </a:solidFill>
-              <a:latin typeface="맑은 고딕"/>
+            <a:pPr algn="ctr"/>
+            <a:endParaRPr b="0" lang="en-US" sz="4400" spc="-1" strike="noStrike">
+              <a:latin typeface="굴림"/>
             </a:endParaRPr>
           </a:p>
         </p:txBody>
       </p:sp>
       <p:sp>
         <p:nvSpPr>
-          <p:cNvPr id="19" name="PlaceHolder 2"/>
+          <p:cNvPr id="16" name="PlaceHolder 2"/>
           <p:cNvSpPr>
             <a:spLocks noGrp="1"/>
           </p:cNvSpPr>
@@ -1230,18 +1160,15 @@
             <a:normAutofit/>
           </a:bodyPr>
           <a:p>
-            <a:endParaRPr b="0" lang="ko-KR" sz="3200" spc="-1" strike="noStrike">
-              <a:solidFill>
-                <a:srgbClr val="000000"/>
-              </a:solidFill>
-              <a:latin typeface="맑은 고딕"/>
+            <a:endParaRPr b="0" lang="en-US" sz="3200" spc="-1" strike="noStrike">
+              <a:latin typeface="굴림"/>
             </a:endParaRPr>
           </a:p>
         </p:txBody>
       </p:sp>
       <p:sp>
         <p:nvSpPr>
-          <p:cNvPr id="20" name="PlaceHolder 3"/>
+          <p:cNvPr id="17" name="PlaceHolder 3"/>
           <p:cNvSpPr>
             <a:spLocks noGrp="1"/>
           </p:cNvSpPr>
@@ -1263,18 +1190,15 @@
             <a:normAutofit/>
           </a:bodyPr>
           <a:p>
-            <a:endParaRPr b="0" lang="ko-KR" sz="3200" spc="-1" strike="noStrike">
-              <a:solidFill>
-                <a:srgbClr val="000000"/>
-              </a:solidFill>
-              <a:latin typeface="맑은 고딕"/>
+            <a:endParaRPr b="0" lang="en-US" sz="3200" spc="-1" strike="noStrike">
+              <a:latin typeface="굴림"/>
             </a:endParaRPr>
           </a:p>
         </p:txBody>
       </p:sp>
       <p:sp>
         <p:nvSpPr>
-          <p:cNvPr id="21" name="PlaceHolder 4"/>
+          <p:cNvPr id="18" name="PlaceHolder 4"/>
           <p:cNvSpPr>
             <a:spLocks noGrp="1"/>
           </p:cNvSpPr>
@@ -1296,11 +1220,8 @@
             <a:normAutofit/>
           </a:bodyPr>
           <a:p>
-            <a:endParaRPr b="0" lang="ko-KR" sz="3200" spc="-1" strike="noStrike">
-              <a:solidFill>
-                <a:srgbClr val="000000"/>
-              </a:solidFill>
-              <a:latin typeface="맑은 고딕"/>
+            <a:endParaRPr b="0" lang="en-US" sz="3200" spc="-1" strike="noStrike">
+              <a:latin typeface="굴림"/>
             </a:endParaRPr>
           </a:p>
         </p:txBody>
@@ -1329,7 +1250,7 @@
       </p:grpSpPr>
       <p:sp>
         <p:nvSpPr>
-          <p:cNvPr id="22" name="PlaceHolder 1"/>
+          <p:cNvPr id="19" name="PlaceHolder 1"/>
           <p:cNvSpPr>
             <a:spLocks noGrp="1"/>
           </p:cNvSpPr>
@@ -1339,8 +1260,8 @@
         </p:nvSpPr>
         <p:spPr>
           <a:xfrm>
-            <a:off x="685800" y="2130480"/>
-            <a:ext cx="7772040" cy="1469520"/>
+            <a:off x="685800" y="2194560"/>
+            <a:ext cx="7771680" cy="1341000"/>
           </a:xfrm>
           <a:prstGeom prst="rect">
             <a:avLst/>
@@ -1351,18 +1272,16 @@
             <a:spAutoFit/>
           </a:bodyPr>
           <a:p>
-            <a:endParaRPr b="0" lang="ko-KR" sz="1800" spc="-1" strike="noStrike">
-              <a:solidFill>
-                <a:srgbClr val="000000"/>
-              </a:solidFill>
-              <a:latin typeface="맑은 고딕"/>
+            <a:pPr algn="ctr"/>
+            <a:endParaRPr b="0" lang="en-US" sz="4400" spc="-1" strike="noStrike">
+              <a:latin typeface="굴림"/>
             </a:endParaRPr>
           </a:p>
         </p:txBody>
       </p:sp>
       <p:sp>
         <p:nvSpPr>
-          <p:cNvPr id="23" name="PlaceHolder 2"/>
+          <p:cNvPr id="20" name="PlaceHolder 2"/>
           <p:cNvSpPr>
             <a:spLocks noGrp="1"/>
           </p:cNvSpPr>
@@ -1384,18 +1303,15 @@
             <a:normAutofit/>
           </a:bodyPr>
           <a:p>
-            <a:endParaRPr b="0" lang="ko-KR" sz="3200" spc="-1" strike="noStrike">
-              <a:solidFill>
-                <a:srgbClr val="000000"/>
-              </a:solidFill>
-              <a:latin typeface="맑은 고딕"/>
+            <a:endParaRPr b="0" lang="en-US" sz="3200" spc="-1" strike="noStrike">
+              <a:latin typeface="굴림"/>
             </a:endParaRPr>
           </a:p>
         </p:txBody>
       </p:sp>
       <p:sp>
         <p:nvSpPr>
-          <p:cNvPr id="24" name="PlaceHolder 3"/>
+          <p:cNvPr id="21" name="PlaceHolder 3"/>
           <p:cNvSpPr>
             <a:spLocks noGrp="1"/>
           </p:cNvSpPr>
@@ -1417,18 +1333,15 @@
             <a:normAutofit/>
           </a:bodyPr>
           <a:p>
-            <a:endParaRPr b="0" lang="ko-KR" sz="3200" spc="-1" strike="noStrike">
-              <a:solidFill>
-                <a:srgbClr val="000000"/>
-              </a:solidFill>
-              <a:latin typeface="맑은 고딕"/>
+            <a:endParaRPr b="0" lang="en-US" sz="3200" spc="-1" strike="noStrike">
+              <a:latin typeface="굴림"/>
             </a:endParaRPr>
           </a:p>
         </p:txBody>
       </p:sp>
       <p:sp>
         <p:nvSpPr>
-          <p:cNvPr id="25" name="PlaceHolder 4"/>
+          <p:cNvPr id="22" name="PlaceHolder 4"/>
           <p:cNvSpPr>
             <a:spLocks noGrp="1"/>
           </p:cNvSpPr>
@@ -1450,11 +1363,8 @@
             <a:normAutofit/>
           </a:bodyPr>
           <a:p>
-            <a:endParaRPr b="0" lang="ko-KR" sz="3200" spc="-1" strike="noStrike">
-              <a:solidFill>
-                <a:srgbClr val="000000"/>
-              </a:solidFill>
-              <a:latin typeface="맑은 고딕"/>
+            <a:endParaRPr b="0" lang="en-US" sz="3200" spc="-1" strike="noStrike">
+              <a:latin typeface="굴림"/>
             </a:endParaRPr>
           </a:p>
         </p:txBody>
@@ -1500,37 +1410,32 @@
         </p:nvSpPr>
         <p:spPr>
           <a:xfrm>
-            <a:off x="685800" y="2130480"/>
-            <a:ext cx="7772040" cy="1469520"/>
+            <a:off x="685800" y="2194560"/>
+            <a:ext cx="7771680" cy="1341000"/>
           </a:xfrm>
           <a:prstGeom prst="rect">
             <a:avLst/>
           </a:prstGeom>
         </p:spPr>
         <p:txBody>
-          <a:bodyPr anchor="ctr">
-            <a:noAutofit/>
+          <a:bodyPr lIns="0" rIns="0" tIns="0" bIns="0" anchor="ctr">
+            <a:spAutoFit/>
           </a:bodyPr>
           <a:p>
-            <a:pPr algn="ctr">
-              <a:lnSpc>
-                <a:spcPct val="100000"/>
-              </a:lnSpc>
-            </a:pPr>
-            <a:r>
-              <a:rPr b="0" lang="ko-KR" sz="4400" spc="-1" strike="noStrike">
-                <a:solidFill>
-                  <a:srgbClr val="000000"/>
-                </a:solidFill>
-                <a:latin typeface="맑은 고딕"/>
-              </a:rPr>
-              <a:t>마스터 제목 스타일 편집</a:t>
-            </a:r>
-            <a:endParaRPr b="0" lang="ko-KR" sz="4400" spc="-1" strike="noStrike">
-              <a:solidFill>
-                <a:srgbClr val="000000"/>
-              </a:solidFill>
-              <a:latin typeface="맑은 고딕"/>
+            <a:r>
+              <a:rPr b="0" lang="en-US" sz="1800" spc="-1" strike="noStrike">
+                <a:latin typeface="굴림"/>
+              </a:rPr>
+              <a:t>제목 텍스트의 서식을 편집하려면 클릭하십시오</a:t>
+            </a:r>
+            <a:r>
+              <a:rPr b="0" lang="en-US" sz="1800" spc="-1" strike="noStrike">
+                <a:latin typeface="굴림"/>
+              </a:rPr>
+              <a:t>.</a:t>
+            </a:r>
+            <a:endParaRPr b="0" lang="en-US" sz="1800" spc="-1" strike="noStrike">
+              <a:latin typeface="굴림"/>
             </a:endParaRPr>
           </a:p>
         </p:txBody>
@@ -1538,124 +1443,6 @@
       <p:sp>
         <p:nvSpPr>
           <p:cNvPr id="1" name="PlaceHolder 2"/>
-          <p:cNvSpPr>
-            <a:spLocks noGrp="1"/>
-          </p:cNvSpPr>
-          <p:nvPr>
-            <p:ph type="dt"/>
-          </p:nvPr>
-        </p:nvSpPr>
-        <p:spPr>
-          <a:xfrm>
-            <a:off x="457200" y="6356520"/>
-            <a:ext cx="2133360" cy="364680"/>
-          </a:xfrm>
-          <a:prstGeom prst="rect">
-            <a:avLst/>
-          </a:prstGeom>
-        </p:spPr>
-        <p:txBody>
-          <a:bodyPr anchor="ctr">
-            <a:noAutofit/>
-          </a:bodyPr>
-          <a:p>
-            <a:pPr>
-              <a:lnSpc>
-                <a:spcPct val="100000"/>
-              </a:lnSpc>
-            </a:pPr>
-            <a:fld id="{77E1527C-5890-455A-AF81-AE0211882D32}" type="datetime">
-              <a:rPr b="0" lang="en-US" sz="1200" spc="-1" strike="noStrike">
-                <a:solidFill>
-                  <a:srgbClr val="8b8b8b"/>
-                </a:solidFill>
-                <a:latin typeface="맑은 고딕"/>
-              </a:rPr>
-              <a:t>4/8/21</a:t>
-            </a:fld>
-            <a:endParaRPr b="0" lang="en-US" sz="1200" spc="-1" strike="noStrike">
-              <a:latin typeface="바탕"/>
-            </a:endParaRPr>
-          </a:p>
-        </p:txBody>
-      </p:sp>
-      <p:sp>
-        <p:nvSpPr>
-          <p:cNvPr id="2" name="PlaceHolder 3"/>
-          <p:cNvSpPr>
-            <a:spLocks noGrp="1"/>
-          </p:cNvSpPr>
-          <p:nvPr>
-            <p:ph type="ftr"/>
-          </p:nvPr>
-        </p:nvSpPr>
-        <p:spPr>
-          <a:xfrm>
-            <a:off x="3124080" y="6356520"/>
-            <a:ext cx="2895120" cy="364680"/>
-          </a:xfrm>
-          <a:prstGeom prst="rect">
-            <a:avLst/>
-          </a:prstGeom>
-        </p:spPr>
-        <p:txBody>
-          <a:bodyPr anchor="ctr">
-            <a:noAutofit/>
-          </a:bodyPr>
-          <a:p>
-            <a:endParaRPr b="0" lang="en-US" sz="2400" spc="-1" strike="noStrike">
-              <a:latin typeface="바탕"/>
-            </a:endParaRPr>
-          </a:p>
-        </p:txBody>
-      </p:sp>
-      <p:sp>
-        <p:nvSpPr>
-          <p:cNvPr id="3" name="PlaceHolder 4"/>
-          <p:cNvSpPr>
-            <a:spLocks noGrp="1"/>
-          </p:cNvSpPr>
-          <p:nvPr>
-            <p:ph type="sldNum"/>
-          </p:nvPr>
-        </p:nvSpPr>
-        <p:spPr>
-          <a:xfrm>
-            <a:off x="6553080" y="6356520"/>
-            <a:ext cx="2133360" cy="364680"/>
-          </a:xfrm>
-          <a:prstGeom prst="rect">
-            <a:avLst/>
-          </a:prstGeom>
-        </p:spPr>
-        <p:txBody>
-          <a:bodyPr anchor="ctr">
-            <a:noAutofit/>
-          </a:bodyPr>
-          <a:p>
-            <a:pPr algn="r">
-              <a:lnSpc>
-                <a:spcPct val="100000"/>
-              </a:lnSpc>
-            </a:pPr>
-            <a:fld id="{3B3D24CB-9025-4F30-B094-7DD5722A5809}" type="slidenum">
-              <a:rPr b="0" lang="en-US" sz="1200" spc="-1" strike="noStrike">
-                <a:solidFill>
-                  <a:srgbClr val="8b8b8b"/>
-                </a:solidFill>
-                <a:latin typeface="맑은 고딕"/>
-              </a:rPr>
-              <a:t>1</a:t>
-            </a:fld>
-            <a:endParaRPr b="0" lang="en-US" sz="1200" spc="-1" strike="noStrike">
-              <a:latin typeface="바탕"/>
-            </a:endParaRPr>
-          </a:p>
-        </p:txBody>
-      </p:sp>
-      <p:sp>
-        <p:nvSpPr>
-          <p:cNvPr id="4" name="PlaceHolder 5"/>
           <p:cNvSpPr>
             <a:spLocks noGrp="1"/>
           </p:cNvSpPr>
@@ -1689,19 +1476,13 @@
               <a:buChar char=""/>
             </a:pPr>
             <a:r>
-              <a:rPr b="0" lang="ko-KR" sz="3200" spc="-1" strike="noStrike">
-                <a:solidFill>
-                  <a:srgbClr val="000000"/>
-                </a:solidFill>
-                <a:latin typeface="맑은 고딕"/>
+              <a:rPr b="0" lang="en-US" sz="3200" spc="-1" strike="noStrike">
+                <a:latin typeface="굴림"/>
               </a:rPr>
               <a:t>개요 텍스트의 서식을 편집하려면 클릭하십시오</a:t>
             </a:r>
-            <a:endParaRPr b="0" lang="ko-KR" sz="3200" spc="-1" strike="noStrike">
-              <a:solidFill>
-                <a:srgbClr val="000000"/>
-              </a:solidFill>
-              <a:latin typeface="맑은 고딕"/>
+            <a:endParaRPr b="0" lang="en-US" sz="3200" spc="-1" strike="noStrike">
+              <a:latin typeface="굴림"/>
             </a:endParaRPr>
           </a:p>
           <a:p>
@@ -1717,28 +1498,19 @@
               <a:buChar char=""/>
             </a:pPr>
             <a:r>
-              <a:rPr b="0" lang="ko-KR" sz="2400" spc="-1" strike="noStrike">
-                <a:solidFill>
-                  <a:srgbClr val="000000"/>
-                </a:solidFill>
-                <a:latin typeface="맑은 고딕"/>
+              <a:rPr b="0" lang="en-US" sz="2800" spc="-1" strike="noStrike">
+                <a:latin typeface="굴림"/>
               </a:rPr>
               <a:t>2</a:t>
             </a:r>
             <a:r>
-              <a:rPr b="0" lang="ko-KR" sz="2400" spc="-1" strike="noStrike">
-                <a:solidFill>
-                  <a:srgbClr val="000000"/>
-                </a:solidFill>
-                <a:latin typeface="맑은 고딕"/>
+              <a:rPr b="0" lang="en-US" sz="2800" spc="-1" strike="noStrike">
+                <a:latin typeface="굴림"/>
               </a:rPr>
               <a:t>번째 개요 수준</a:t>
             </a:r>
-            <a:endParaRPr b="0" lang="ko-KR" sz="2400" spc="-1" strike="noStrike">
-              <a:solidFill>
-                <a:srgbClr val="000000"/>
-              </a:solidFill>
-              <a:latin typeface="맑은 고딕"/>
+            <a:endParaRPr b="0" lang="en-US" sz="2800" spc="-1" strike="noStrike">
+              <a:latin typeface="굴림"/>
             </a:endParaRPr>
           </a:p>
           <a:p>
@@ -1754,28 +1526,19 @@
               <a:buChar char=""/>
             </a:pPr>
             <a:r>
-              <a:rPr b="0" lang="ko-KR" sz="2000" spc="-1" strike="noStrike">
-                <a:solidFill>
-                  <a:srgbClr val="000000"/>
-                </a:solidFill>
-                <a:latin typeface="맑은 고딕"/>
+              <a:rPr b="0" lang="en-US" sz="2400" spc="-1" strike="noStrike">
+                <a:latin typeface="굴림"/>
               </a:rPr>
               <a:t>3</a:t>
             </a:r>
             <a:r>
-              <a:rPr b="0" lang="ko-KR" sz="2000" spc="-1" strike="noStrike">
-                <a:solidFill>
-                  <a:srgbClr val="000000"/>
-                </a:solidFill>
-                <a:latin typeface="맑은 고딕"/>
+              <a:rPr b="0" lang="en-US" sz="2400" spc="-1" strike="noStrike">
+                <a:latin typeface="굴림"/>
               </a:rPr>
               <a:t>번째 개요 수준</a:t>
             </a:r>
-            <a:endParaRPr b="0" lang="ko-KR" sz="2000" spc="-1" strike="noStrike">
-              <a:solidFill>
-                <a:srgbClr val="000000"/>
-              </a:solidFill>
-              <a:latin typeface="맑은 고딕"/>
+            <a:endParaRPr b="0" lang="en-US" sz="2400" spc="-1" strike="noStrike">
+              <a:latin typeface="굴림"/>
             </a:endParaRPr>
           </a:p>
           <a:p>
@@ -1791,28 +1554,19 @@
               <a:buChar char=""/>
             </a:pPr>
             <a:r>
-              <a:rPr b="0" lang="ko-KR" sz="2000" spc="-1" strike="noStrike">
-                <a:solidFill>
-                  <a:srgbClr val="000000"/>
-                </a:solidFill>
-                <a:latin typeface="맑은 고딕"/>
+              <a:rPr b="0" lang="en-US" sz="2000" spc="-1" strike="noStrike">
+                <a:latin typeface="굴림"/>
               </a:rPr>
               <a:t>4</a:t>
             </a:r>
             <a:r>
-              <a:rPr b="0" lang="ko-KR" sz="2000" spc="-1" strike="noStrike">
-                <a:solidFill>
-                  <a:srgbClr val="000000"/>
-                </a:solidFill>
-                <a:latin typeface="맑은 고딕"/>
+              <a:rPr b="0" lang="en-US" sz="2000" spc="-1" strike="noStrike">
+                <a:latin typeface="굴림"/>
               </a:rPr>
               <a:t>번째 개요 수준</a:t>
             </a:r>
-            <a:endParaRPr b="0" lang="ko-KR" sz="2000" spc="-1" strike="noStrike">
-              <a:solidFill>
-                <a:srgbClr val="000000"/>
-              </a:solidFill>
-              <a:latin typeface="맑은 고딕"/>
+            <a:endParaRPr b="0" lang="en-US" sz="2000" spc="-1" strike="noStrike">
+              <a:latin typeface="굴림"/>
             </a:endParaRPr>
           </a:p>
           <a:p>
@@ -1828,28 +1582,19 @@
               <a:buChar char=""/>
             </a:pPr>
             <a:r>
-              <a:rPr b="0" lang="ko-KR" sz="2000" spc="-1" strike="noStrike">
-                <a:solidFill>
-                  <a:srgbClr val="000000"/>
-                </a:solidFill>
-                <a:latin typeface="맑은 고딕"/>
+              <a:rPr b="0" lang="en-US" sz="2000" spc="-1" strike="noStrike">
+                <a:latin typeface="굴림"/>
               </a:rPr>
               <a:t>5</a:t>
             </a:r>
             <a:r>
-              <a:rPr b="0" lang="ko-KR" sz="2000" spc="-1" strike="noStrike">
-                <a:solidFill>
-                  <a:srgbClr val="000000"/>
-                </a:solidFill>
-                <a:latin typeface="맑은 고딕"/>
+              <a:rPr b="0" lang="en-US" sz="2000" spc="-1" strike="noStrike">
+                <a:latin typeface="굴림"/>
               </a:rPr>
               <a:t>번째 개요 수준</a:t>
             </a:r>
-            <a:endParaRPr b="0" lang="ko-KR" sz="2000" spc="-1" strike="noStrike">
-              <a:solidFill>
-                <a:srgbClr val="000000"/>
-              </a:solidFill>
-              <a:latin typeface="맑은 고딕"/>
+            <a:endParaRPr b="0" lang="en-US" sz="2000" spc="-1" strike="noStrike">
+              <a:latin typeface="굴림"/>
             </a:endParaRPr>
           </a:p>
           <a:p>
@@ -1865,28 +1610,19 @@
               <a:buChar char=""/>
             </a:pPr>
             <a:r>
-              <a:rPr b="0" lang="ko-KR" sz="2000" spc="-1" strike="noStrike">
-                <a:solidFill>
-                  <a:srgbClr val="000000"/>
-                </a:solidFill>
-                <a:latin typeface="맑은 고딕"/>
+              <a:rPr b="0" lang="en-US" sz="2000" spc="-1" strike="noStrike">
+                <a:latin typeface="굴림"/>
               </a:rPr>
               <a:t>6</a:t>
             </a:r>
             <a:r>
-              <a:rPr b="0" lang="ko-KR" sz="2000" spc="-1" strike="noStrike">
-                <a:solidFill>
-                  <a:srgbClr val="000000"/>
-                </a:solidFill>
-                <a:latin typeface="맑은 고딕"/>
+              <a:rPr b="0" lang="en-US" sz="2000" spc="-1" strike="noStrike">
+                <a:latin typeface="굴림"/>
               </a:rPr>
               <a:t>번째 개요 수준</a:t>
             </a:r>
-            <a:endParaRPr b="0" lang="ko-KR" sz="2000" spc="-1" strike="noStrike">
-              <a:solidFill>
-                <a:srgbClr val="000000"/>
-              </a:solidFill>
-              <a:latin typeface="맑은 고딕"/>
+            <a:endParaRPr b="0" lang="en-US" sz="2000" spc="-1" strike="noStrike">
+              <a:latin typeface="굴림"/>
             </a:endParaRPr>
           </a:p>
           <a:p>
@@ -1902,28 +1638,19 @@
               <a:buChar char=""/>
             </a:pPr>
             <a:r>
-              <a:rPr b="0" lang="ko-KR" sz="2000" spc="-1" strike="noStrike">
-                <a:solidFill>
-                  <a:srgbClr val="000000"/>
-                </a:solidFill>
-                <a:latin typeface="맑은 고딕"/>
+              <a:rPr b="0" lang="en-US" sz="2000" spc="-1" strike="noStrike">
+                <a:latin typeface="굴림"/>
               </a:rPr>
               <a:t>7</a:t>
             </a:r>
             <a:r>
-              <a:rPr b="0" lang="ko-KR" sz="2000" spc="-1" strike="noStrike">
-                <a:solidFill>
-                  <a:srgbClr val="000000"/>
-                </a:solidFill>
-                <a:latin typeface="맑은 고딕"/>
+              <a:rPr b="0" lang="en-US" sz="2000" spc="-1" strike="noStrike">
+                <a:latin typeface="굴림"/>
               </a:rPr>
               <a:t>번째 개요 수준</a:t>
             </a:r>
-            <a:endParaRPr b="0" lang="ko-KR" sz="2000" spc="-1" strike="noStrike">
-              <a:solidFill>
-                <a:srgbClr val="000000"/>
-              </a:solidFill>
-              <a:latin typeface="맑은 고딕"/>
+            <a:endParaRPr b="0" lang="en-US" sz="2000" spc="-1" strike="noStrike">
+              <a:latin typeface="굴림"/>
             </a:endParaRPr>
           </a:p>
         </p:txBody>
@@ -1967,14 +1694,14 @@
       </p:grpSpPr>
       <p:sp>
         <p:nvSpPr>
-          <p:cNvPr id="41" name="CustomShape 1"/>
+          <p:cNvPr id="38" name="CustomShape 1"/>
           <p:cNvSpPr/>
           <p:nvPr/>
         </p:nvSpPr>
         <p:spPr>
           <a:xfrm>
             <a:off x="35640" y="44640"/>
-            <a:ext cx="3312000" cy="503640"/>
+            <a:ext cx="3311640" cy="503280"/>
           </a:xfrm>
           <a:prstGeom prst="rect">
             <a:avLst/>
@@ -2014,6 +1741,7 @@
                   <a:srgbClr val="000000"/>
                 </a:solidFill>
                 <a:latin typeface="맑은 고딕"/>
+                <a:ea typeface="DejaVu Sans"/>
               </a:rPr>
               <a:t>주요 소스 </a:t>
             </a:r>
@@ -2023,6 +1751,7 @@
                   <a:srgbClr val="000000"/>
                 </a:solidFill>
                 <a:latin typeface="맑은 고딕"/>
+                <a:ea typeface="DejaVu Sans"/>
               </a:rPr>
               <a:t>[Code Review]</a:t>
             </a:r>
@@ -2034,14 +1763,14 @@
       </p:sp>
       <p:sp>
         <p:nvSpPr>
-          <p:cNvPr id="42" name="CustomShape 2"/>
+          <p:cNvPr id="39" name="CustomShape 2"/>
           <p:cNvSpPr/>
           <p:nvPr/>
         </p:nvSpPr>
         <p:spPr>
           <a:xfrm>
             <a:off x="35640" y="620640"/>
-            <a:ext cx="3312000" cy="431640"/>
+            <a:ext cx="3311640" cy="431280"/>
           </a:xfrm>
           <a:prstGeom prst="rect">
             <a:avLst/>
@@ -2081,6 +1810,7 @@
                   <a:srgbClr val="000000"/>
                 </a:solidFill>
                 <a:latin typeface="맑은 고딕"/>
+                <a:ea typeface="DejaVu Sans"/>
               </a:rPr>
               <a:t>LoginService.java</a:t>
             </a:r>
@@ -2092,7 +1822,7 @@
       </p:sp>
       <p:sp>
         <p:nvSpPr>
-          <p:cNvPr id="43" name="Line 3"/>
+          <p:cNvPr id="40" name="Line 3"/>
           <p:cNvSpPr/>
           <p:nvPr/>
         </p:nvSpPr>
@@ -2126,14 +1856,14 @@
       </p:sp>
       <p:sp>
         <p:nvSpPr>
-          <p:cNvPr id="44" name="CustomShape 4"/>
+          <p:cNvPr id="41" name="CustomShape 4"/>
           <p:cNvSpPr/>
           <p:nvPr/>
         </p:nvSpPr>
         <p:spPr>
           <a:xfrm>
             <a:off x="3496320" y="620640"/>
-            <a:ext cx="842400" cy="364680"/>
+            <a:ext cx="842040" cy="364320"/>
           </a:xfrm>
           <a:prstGeom prst="rect">
             <a:avLst/>
@@ -2165,6 +1895,7 @@
                   <a:srgbClr val="000000"/>
                 </a:solidFill>
                 <a:latin typeface="맑은 고딕"/>
+                <a:ea typeface="DejaVu Sans"/>
               </a:rPr>
               <a:t>Jsp,sql</a:t>
             </a:r>
@@ -2176,7 +1907,7 @@
       </p:sp>
       <p:sp>
         <p:nvSpPr>
-          <p:cNvPr id="45" name="Line 5"/>
+          <p:cNvPr id="42" name="Line 5"/>
           <p:cNvSpPr/>
           <p:nvPr/>
         </p:nvSpPr>
@@ -2210,7 +1941,7 @@
       </p:sp>
       <p:sp>
         <p:nvSpPr>
-          <p:cNvPr id="46" name="Line 6"/>
+          <p:cNvPr id="43" name="Line 6"/>
           <p:cNvSpPr/>
           <p:nvPr/>
         </p:nvSpPr>
@@ -2244,7 +1975,7 @@
       </p:sp>
       <p:sp>
         <p:nvSpPr>
-          <p:cNvPr id="47" name="Line 7"/>
+          <p:cNvPr id="44" name="Line 7"/>
           <p:cNvSpPr/>
           <p:nvPr/>
         </p:nvSpPr>
@@ -2278,7 +2009,7 @@
       </p:sp>
       <p:sp>
         <p:nvSpPr>
-          <p:cNvPr id="48" name="Line 8"/>
+          <p:cNvPr id="45" name="Line 8"/>
           <p:cNvSpPr/>
           <p:nvPr/>
         </p:nvSpPr>
@@ -2312,7 +2043,7 @@
       </p:sp>
       <p:sp>
         <p:nvSpPr>
-          <p:cNvPr id="49" name="Line 9"/>
+          <p:cNvPr id="46" name="Line 9"/>
           <p:cNvSpPr/>
           <p:nvPr/>
         </p:nvSpPr>
@@ -2346,7 +2077,7 @@
       </p:sp>
       <p:sp>
         <p:nvSpPr>
-          <p:cNvPr id="50" name="Freeform 10"/>
+          <p:cNvPr id="47" name="CustomShape 10"/>
           <p:cNvSpPr/>
           <p:nvPr/>
         </p:nvSpPr>
@@ -2359,7 +2090,7 @@
             <a:avLst/>
             <a:gdLst/>
             <a:ahLst/>
-            <a:rect l="0" t="0" r="r" b="b"/>
+            <a:rect l="l" t="t" r="r" b="b"/>
             <a:pathLst>
               <a:path w="1" h="1">
                 <a:moveTo>
@@ -2379,10 +2110,16 @@
             <a:round/>
           </a:ln>
         </p:spPr>
-      </p:sp>
-      <p:sp>
-        <p:nvSpPr>
-          <p:cNvPr id="51" name="Line 11"/>
+        <p:style>
+          <a:lnRef idx="0"/>
+          <a:fillRef idx="0"/>
+          <a:effectRef idx="0"/>
+          <a:fontRef idx="minor"/>
+        </p:style>
+      </p:sp>
+      <p:sp>
+        <p:nvSpPr>
+          <p:cNvPr id="48" name="Line 11"/>
           <p:cNvSpPr/>
           <p:nvPr/>
         </p:nvSpPr>
@@ -2416,14 +2153,14 @@
       </p:sp>
       <p:sp>
         <p:nvSpPr>
-          <p:cNvPr id="52" name="CustomShape 12"/>
+          <p:cNvPr id="49" name="CustomShape 12"/>
           <p:cNvSpPr/>
           <p:nvPr/>
         </p:nvSpPr>
         <p:spPr>
           <a:xfrm>
             <a:off x="3564000" y="44640"/>
-            <a:ext cx="2808000" cy="503640"/>
+            <a:ext cx="2807640" cy="503280"/>
           </a:xfrm>
           <a:prstGeom prst="rect">
             <a:avLst/>
@@ -2463,6 +2200,7 @@
                   <a:srgbClr val="000000"/>
                 </a:solidFill>
                 <a:latin typeface="맑은 고딕"/>
+                <a:ea typeface="DejaVu Sans"/>
               </a:rPr>
               <a:t>로그인 기능</a:t>
             </a:r>
@@ -2474,14 +2212,14 @@
       </p:sp>
       <p:sp>
         <p:nvSpPr>
-          <p:cNvPr id="53" name="CustomShape 13"/>
-          <p:cNvSpPr/>
-          <p:nvPr/>
-        </p:nvSpPr>
-        <p:spPr>
-          <a:xfrm>
-            <a:off x="4643280" y="4797000"/>
-            <a:ext cx="4538520" cy="2284920"/>
+          <p:cNvPr id="50" name="CustomShape 13"/>
+          <p:cNvSpPr/>
+          <p:nvPr/>
+        </p:nvSpPr>
+        <p:spPr>
+          <a:xfrm>
+            <a:off x="4646160" y="4797000"/>
+            <a:ext cx="4532040" cy="2284560"/>
           </a:xfrm>
           <a:prstGeom prst="rect">
             <a:avLst/>
@@ -2513,6 +2251,7 @@
                   <a:srgbClr val="000000"/>
                 </a:solidFill>
                 <a:latin typeface="맑은 고딕"/>
+                <a:ea typeface="DejaVu Sans"/>
               </a:rPr>
               <a:t>Login </a:t>
             </a:r>
@@ -2522,6 +2261,7 @@
                   <a:srgbClr val="000000"/>
                 </a:solidFill>
                 <a:latin typeface="맑은 고딕"/>
+                <a:ea typeface="DejaVu Sans"/>
               </a:rPr>
               <a:t>함수는 파라미터 값으로 </a:t>
             </a:r>
@@ -2531,6 +2271,7 @@
                   <a:srgbClr val="000000"/>
                 </a:solidFill>
                 <a:latin typeface="맑은 고딕"/>
+                <a:ea typeface="DejaVu Sans"/>
               </a:rPr>
               <a:t>User </a:t>
             </a:r>
@@ -2540,6 +2281,7 @@
                   <a:srgbClr val="000000"/>
                 </a:solidFill>
                 <a:latin typeface="맑은 고딕"/>
+                <a:ea typeface="DejaVu Sans"/>
               </a:rPr>
               <a:t>클래</a:t>
             </a:r>
@@ -2559,6 +2301,7 @@
                   <a:srgbClr val="000000"/>
                 </a:solidFill>
                 <a:latin typeface="맑은 고딕"/>
+                <a:ea typeface="DejaVu Sans"/>
               </a:rPr>
               <a:t>스의 </a:t>
             </a:r>
@@ -2568,6 +2311,7 @@
                   <a:srgbClr val="000000"/>
                 </a:solidFill>
                 <a:latin typeface="맑은 고딕"/>
+                <a:ea typeface="DejaVu Sans"/>
               </a:rPr>
               <a:t>String</a:t>
             </a:r>
@@ -2577,6 +2321,7 @@
                   <a:srgbClr val="000000"/>
                 </a:solidFill>
                 <a:latin typeface="맑은 고딕"/>
+                <a:ea typeface="DejaVu Sans"/>
               </a:rPr>
               <a:t>형 </a:t>
             </a:r>
@@ -2586,6 +2331,7 @@
                   <a:srgbClr val="000000"/>
                 </a:solidFill>
                 <a:latin typeface="맑은 고딕"/>
+                <a:ea typeface="DejaVu Sans"/>
               </a:rPr>
               <a:t>id </a:t>
             </a:r>
@@ -2595,6 +2341,7 @@
                   <a:srgbClr val="000000"/>
                 </a:solidFill>
                 <a:latin typeface="맑은 고딕"/>
+                <a:ea typeface="DejaVu Sans"/>
               </a:rPr>
               <a:t>와 </a:t>
             </a:r>
@@ -2604,6 +2351,7 @@
                   <a:srgbClr val="000000"/>
                 </a:solidFill>
                 <a:latin typeface="맑은 고딕"/>
+                <a:ea typeface="DejaVu Sans"/>
               </a:rPr>
               <a:t>password</a:t>
             </a:r>
@@ -2613,6 +2361,7 @@
                   <a:srgbClr val="000000"/>
                 </a:solidFill>
                 <a:latin typeface="맑은 고딕"/>
+                <a:ea typeface="DejaVu Sans"/>
               </a:rPr>
               <a:t>를 갖는다</a:t>
             </a:r>
@@ -2622,6 +2371,7 @@
                   <a:srgbClr val="000000"/>
                 </a:solidFill>
                 <a:latin typeface="맑은 고딕"/>
+                <a:ea typeface="DejaVu Sans"/>
               </a:rPr>
               <a:t>.</a:t>
             </a:r>
@@ -2641,6 +2391,7 @@
                   <a:srgbClr val="000000"/>
                 </a:solidFill>
                 <a:latin typeface="맑은 고딕"/>
+                <a:ea typeface="DejaVu Sans"/>
               </a:rPr>
               <a:t>MemberDao</a:t>
             </a:r>
@@ -2650,6 +2401,7 @@
                   <a:srgbClr val="000000"/>
                 </a:solidFill>
                 <a:latin typeface="맑은 고딕"/>
+                <a:ea typeface="DejaVu Sans"/>
               </a:rPr>
               <a:t>의 </a:t>
             </a:r>
@@ -2659,6 +2411,7 @@
                   <a:srgbClr val="000000"/>
                 </a:solidFill>
                 <a:latin typeface="맑은 고딕"/>
+                <a:ea typeface="DejaVu Sans"/>
               </a:rPr>
               <a:t>selectById </a:t>
             </a:r>
@@ -2668,6 +2421,7 @@
                   <a:srgbClr val="000000"/>
                 </a:solidFill>
                 <a:latin typeface="맑은 고딕"/>
+                <a:ea typeface="DejaVu Sans"/>
               </a:rPr>
               <a:t>함수를 통해 </a:t>
             </a:r>
@@ -2687,6 +2441,7 @@
                   <a:srgbClr val="000000"/>
                 </a:solidFill>
                 <a:latin typeface="맑은 고딕"/>
+                <a:ea typeface="DejaVu Sans"/>
               </a:rPr>
               <a:t>DB</a:t>
             </a:r>
@@ -2696,6 +2451,7 @@
                   <a:srgbClr val="000000"/>
                 </a:solidFill>
                 <a:latin typeface="맑은 고딕"/>
+                <a:ea typeface="DejaVu Sans"/>
               </a:rPr>
               <a:t>의 </a:t>
             </a:r>
@@ -2705,6 +2461,7 @@
                   <a:srgbClr val="000000"/>
                 </a:solidFill>
                 <a:latin typeface="맑은 고딕"/>
+                <a:ea typeface="DejaVu Sans"/>
               </a:rPr>
               <a:t>member </a:t>
             </a:r>
@@ -2714,6 +2471,7 @@
                   <a:srgbClr val="000000"/>
                 </a:solidFill>
                 <a:latin typeface="맑은 고딕"/>
+                <a:ea typeface="DejaVu Sans"/>
               </a:rPr>
               <a:t>테이블을 확인후 불일치</a:t>
             </a:r>
@@ -2733,6 +2491,7 @@
                   <a:srgbClr val="000000"/>
                 </a:solidFill>
                 <a:latin typeface="맑은 고딕"/>
+                <a:ea typeface="DejaVu Sans"/>
               </a:rPr>
               <a:t>할경우와 </a:t>
             </a:r>
@@ -2742,6 +2501,7 @@
                   <a:srgbClr val="000000"/>
                 </a:solidFill>
                 <a:latin typeface="맑은 고딕"/>
+                <a:ea typeface="DejaVu Sans"/>
               </a:rPr>
               <a:t>null </a:t>
             </a:r>
@@ -2751,6 +2511,7 @@
                   <a:srgbClr val="000000"/>
                 </a:solidFill>
                 <a:latin typeface="맑은 고딕"/>
+                <a:ea typeface="DejaVu Sans"/>
               </a:rPr>
               <a:t>값일경우 </a:t>
             </a:r>
@@ -2760,6 +2521,7 @@
                   <a:srgbClr val="000000"/>
                 </a:solidFill>
                 <a:latin typeface="맑은 고딕"/>
+                <a:ea typeface="DejaVu Sans"/>
               </a:rPr>
               <a:t>LoginFailException</a:t>
             </a:r>
@@ -2779,6 +2541,7 @@
                   <a:srgbClr val="000000"/>
                 </a:solidFill>
                 <a:latin typeface="맑은 고딕"/>
+                <a:ea typeface="DejaVu Sans"/>
               </a:rPr>
               <a:t>을 출력하고 그렇지 않을경우 리턴값으로</a:t>
             </a:r>
@@ -2798,6 +2561,7 @@
                   <a:srgbClr val="000000"/>
                 </a:solidFill>
                 <a:latin typeface="맑은 고딕"/>
+                <a:ea typeface="DejaVu Sans"/>
               </a:rPr>
               <a:t>Id</a:t>
             </a:r>
@@ -2807,6 +2571,7 @@
                   <a:srgbClr val="000000"/>
                 </a:solidFill>
                 <a:latin typeface="맑은 고딕"/>
+                <a:ea typeface="DejaVu Sans"/>
               </a:rPr>
               <a:t>와 </a:t>
             </a:r>
@@ -2816,6 +2581,7 @@
                   <a:srgbClr val="000000"/>
                 </a:solidFill>
                 <a:latin typeface="맑은 고딕"/>
+                <a:ea typeface="DejaVu Sans"/>
               </a:rPr>
               <a:t>Name</a:t>
             </a:r>
@@ -2825,6 +2591,7 @@
                   <a:srgbClr val="000000"/>
                 </a:solidFill>
                 <a:latin typeface="맑은 고딕"/>
+                <a:ea typeface="DejaVu Sans"/>
               </a:rPr>
               <a:t>을 갖는다</a:t>
             </a:r>
@@ -2834,6 +2601,7 @@
                   <a:srgbClr val="000000"/>
                 </a:solidFill>
                 <a:latin typeface="맑은 고딕"/>
+                <a:ea typeface="DejaVu Sans"/>
               </a:rPr>
               <a:t>.</a:t>
             </a:r>
@@ -2855,14 +2623,14 @@
       </p:sp>
       <p:sp>
         <p:nvSpPr>
-          <p:cNvPr id="54" name="CustomShape 14"/>
+          <p:cNvPr id="51" name="CustomShape 14"/>
           <p:cNvSpPr/>
           <p:nvPr/>
         </p:nvSpPr>
         <p:spPr>
           <a:xfrm>
             <a:off x="4619520" y="1331640"/>
-            <a:ext cx="2890800" cy="364680"/>
+            <a:ext cx="2890440" cy="364320"/>
           </a:xfrm>
           <a:prstGeom prst="rect">
             <a:avLst/>
@@ -2894,6 +2662,7 @@
                   <a:srgbClr val="000000"/>
                 </a:solidFill>
                 <a:latin typeface="맑은 고딕"/>
+                <a:ea typeface="DejaVu Sans"/>
               </a:rPr>
               <a:t>Here : Result Image Insert</a:t>
             </a:r>
@@ -2905,14 +2674,14 @@
       </p:sp>
       <p:sp>
         <p:nvSpPr>
-          <p:cNvPr id="55" name="CustomShape 15"/>
+          <p:cNvPr id="52" name="CustomShape 15"/>
           <p:cNvSpPr/>
           <p:nvPr/>
         </p:nvSpPr>
         <p:spPr>
           <a:xfrm>
             <a:off x="157680" y="1308600"/>
-            <a:ext cx="4401000" cy="364680"/>
+            <a:ext cx="4400640" cy="364320"/>
           </a:xfrm>
           <a:prstGeom prst="rect">
             <a:avLst/>
@@ -2944,6 +2713,7 @@
                   <a:srgbClr val="000000"/>
                 </a:solidFill>
                 <a:latin typeface="맑은 고딕"/>
+                <a:ea typeface="DejaVu Sans"/>
               </a:rPr>
               <a:t>Here : Core Source(Text or Image) Insert</a:t>
             </a:r>
@@ -2955,7 +2725,7 @@
       </p:sp>
       <p:pic>
         <p:nvPicPr>
-          <p:cNvPr id="56" name="그림 2" descr=""/>
+          <p:cNvPr id="53" name="그림 2" descr=""/>
           <p:cNvPicPr/>
           <p:nvPr/>
         </p:nvPicPr>
@@ -2966,7 +2736,7 @@
         <p:spPr>
           <a:xfrm>
             <a:off x="4592520" y="1233720"/>
-            <a:ext cx="2224440" cy="1978920"/>
+            <a:ext cx="2224080" cy="1978560"/>
           </a:xfrm>
           <a:prstGeom prst="rect">
             <a:avLst/>
@@ -2978,7 +2748,7 @@
       </p:pic>
       <p:pic>
         <p:nvPicPr>
-          <p:cNvPr id="57" name="그림 8" descr=""/>
+          <p:cNvPr id="54" name="그림 8" descr=""/>
           <p:cNvPicPr/>
           <p:nvPr/>
         </p:nvPicPr>
@@ -2989,7 +2759,7 @@
         <p:spPr>
           <a:xfrm>
             <a:off x="6837480" y="1205280"/>
-            <a:ext cx="2173320" cy="1863360"/>
+            <a:ext cx="2172960" cy="1863000"/>
           </a:xfrm>
           <a:prstGeom prst="rect">
             <a:avLst/>
@@ -3001,7 +2771,7 @@
       </p:pic>
       <p:pic>
         <p:nvPicPr>
-          <p:cNvPr id="58" name="그림 11" descr=""/>
+          <p:cNvPr id="55" name="그림 11" descr=""/>
           <p:cNvPicPr/>
           <p:nvPr/>
         </p:nvPicPr>
@@ -3012,7 +2782,7 @@
         <p:spPr>
           <a:xfrm>
             <a:off x="4577040" y="3006360"/>
-            <a:ext cx="2260080" cy="1636920"/>
+            <a:ext cx="2259720" cy="1636560"/>
           </a:xfrm>
           <a:prstGeom prst="rect">
             <a:avLst/>
@@ -3024,7 +2794,7 @@
       </p:pic>
       <p:pic>
         <p:nvPicPr>
-          <p:cNvPr id="59" name="그림 15" descr=""/>
+          <p:cNvPr id="56" name="그림 15" descr=""/>
           <p:cNvPicPr/>
           <p:nvPr/>
         </p:nvPicPr>
@@ -3035,7 +2805,7 @@
         <p:spPr>
           <a:xfrm>
             <a:off x="6831360" y="2991960"/>
-            <a:ext cx="2173320" cy="1665720"/>
+            <a:ext cx="2172960" cy="1665360"/>
           </a:xfrm>
           <a:prstGeom prst="rect">
             <a:avLst/>
@@ -3047,7 +2817,7 @@
       </p:pic>
       <p:pic>
         <p:nvPicPr>
-          <p:cNvPr id="60" name="그림 17" descr=""/>
+          <p:cNvPr id="57" name="그림 17" descr=""/>
           <p:cNvPicPr/>
           <p:nvPr/>
         </p:nvPicPr>
@@ -3058,7 +2828,7 @@
         <p:spPr>
           <a:xfrm>
             <a:off x="49320" y="1243440"/>
-            <a:ext cx="4491000" cy="3193560"/>
+            <a:ext cx="4490640" cy="3193200"/>
           </a:xfrm>
           <a:prstGeom prst="rect">
             <a:avLst/>
@@ -3100,14 +2870,14 @@
       </p:grpSpPr>
       <p:sp>
         <p:nvSpPr>
-          <p:cNvPr id="61" name="CustomShape 1"/>
+          <p:cNvPr id="58" name="CustomShape 1"/>
           <p:cNvSpPr/>
           <p:nvPr/>
         </p:nvSpPr>
         <p:spPr>
           <a:xfrm>
             <a:off x="35640" y="44640"/>
-            <a:ext cx="3312000" cy="503640"/>
+            <a:ext cx="3311640" cy="503280"/>
           </a:xfrm>
           <a:prstGeom prst="rect">
             <a:avLst/>
@@ -3147,6 +2917,7 @@
                   <a:srgbClr val="000000"/>
                 </a:solidFill>
                 <a:latin typeface="맑은 고딕"/>
+                <a:ea typeface="DejaVu Sans"/>
               </a:rPr>
               <a:t>주요 소스 </a:t>
             </a:r>
@@ -3156,6 +2927,7 @@
                   <a:srgbClr val="000000"/>
                 </a:solidFill>
                 <a:latin typeface="맑은 고딕"/>
+                <a:ea typeface="DejaVu Sans"/>
               </a:rPr>
               <a:t>[Code Review]</a:t>
             </a:r>
@@ -3167,14 +2939,14 @@
       </p:sp>
       <p:sp>
         <p:nvSpPr>
-          <p:cNvPr id="62" name="CustomShape 2"/>
+          <p:cNvPr id="59" name="CustomShape 2"/>
           <p:cNvSpPr/>
           <p:nvPr/>
         </p:nvSpPr>
         <p:spPr>
           <a:xfrm>
             <a:off x="35640" y="620640"/>
-            <a:ext cx="3312000" cy="431640"/>
+            <a:ext cx="3311640" cy="431280"/>
           </a:xfrm>
           <a:prstGeom prst="rect">
             <a:avLst/>
@@ -3214,6 +2986,7 @@
                   <a:srgbClr val="000000"/>
                 </a:solidFill>
                 <a:latin typeface="맑은 고딕"/>
+                <a:ea typeface="DejaVu Sans"/>
               </a:rPr>
               <a:t>User.java</a:t>
             </a:r>
@@ -3225,7 +2998,7 @@
       </p:sp>
       <p:sp>
         <p:nvSpPr>
-          <p:cNvPr id="63" name="Line 3"/>
+          <p:cNvPr id="60" name="Line 3"/>
           <p:cNvSpPr/>
           <p:nvPr/>
         </p:nvSpPr>
@@ -3259,14 +3032,14 @@
       </p:sp>
       <p:sp>
         <p:nvSpPr>
-          <p:cNvPr id="64" name="CustomShape 4"/>
+          <p:cNvPr id="61" name="CustomShape 4"/>
           <p:cNvSpPr/>
           <p:nvPr/>
         </p:nvSpPr>
         <p:spPr>
           <a:xfrm>
             <a:off x="3496320" y="620640"/>
-            <a:ext cx="842400" cy="364680"/>
+            <a:ext cx="842040" cy="364320"/>
           </a:xfrm>
           <a:prstGeom prst="rect">
             <a:avLst/>
@@ -3298,6 +3071,7 @@
                   <a:srgbClr val="000000"/>
                 </a:solidFill>
                 <a:latin typeface="맑은 고딕"/>
+                <a:ea typeface="DejaVu Sans"/>
               </a:rPr>
               <a:t>Jsp,sql</a:t>
             </a:r>
@@ -3309,7 +3083,7 @@
       </p:sp>
       <p:sp>
         <p:nvSpPr>
-          <p:cNvPr id="65" name="Line 5"/>
+          <p:cNvPr id="62" name="Line 5"/>
           <p:cNvSpPr/>
           <p:nvPr/>
         </p:nvSpPr>
@@ -3343,7 +3117,7 @@
       </p:sp>
       <p:sp>
         <p:nvSpPr>
-          <p:cNvPr id="66" name="Line 6"/>
+          <p:cNvPr id="63" name="Line 6"/>
           <p:cNvSpPr/>
           <p:nvPr/>
         </p:nvSpPr>
@@ -3377,7 +3151,7 @@
       </p:sp>
       <p:sp>
         <p:nvSpPr>
-          <p:cNvPr id="67" name="Line 7"/>
+          <p:cNvPr id="64" name="Line 7"/>
           <p:cNvSpPr/>
           <p:nvPr/>
         </p:nvSpPr>
@@ -3411,7 +3185,7 @@
       </p:sp>
       <p:sp>
         <p:nvSpPr>
-          <p:cNvPr id="68" name="Line 8"/>
+          <p:cNvPr id="65" name="Line 8"/>
           <p:cNvSpPr/>
           <p:nvPr/>
         </p:nvSpPr>
@@ -3445,7 +3219,7 @@
       </p:sp>
       <p:sp>
         <p:nvSpPr>
-          <p:cNvPr id="69" name="Line 9"/>
+          <p:cNvPr id="66" name="Line 9"/>
           <p:cNvSpPr/>
           <p:nvPr/>
         </p:nvSpPr>
@@ -3479,7 +3253,7 @@
       </p:sp>
       <p:sp>
         <p:nvSpPr>
-          <p:cNvPr id="70" name="Freeform 10"/>
+          <p:cNvPr id="67" name="CustomShape 10"/>
           <p:cNvSpPr/>
           <p:nvPr/>
         </p:nvSpPr>
@@ -3492,7 +3266,7 @@
             <a:avLst/>
             <a:gdLst/>
             <a:ahLst/>
-            <a:rect l="0" t="0" r="r" b="b"/>
+            <a:rect l="l" t="t" r="r" b="b"/>
             <a:pathLst>
               <a:path w="1" h="1">
                 <a:moveTo>
@@ -3512,10 +3286,16 @@
             <a:round/>
           </a:ln>
         </p:spPr>
-      </p:sp>
-      <p:sp>
-        <p:nvSpPr>
-          <p:cNvPr id="71" name="Line 11"/>
+        <p:style>
+          <a:lnRef idx="0"/>
+          <a:fillRef idx="0"/>
+          <a:effectRef idx="0"/>
+          <a:fontRef idx="minor"/>
+        </p:style>
+      </p:sp>
+      <p:sp>
+        <p:nvSpPr>
+          <p:cNvPr id="68" name="Line 11"/>
           <p:cNvSpPr/>
           <p:nvPr/>
         </p:nvSpPr>
@@ -3549,14 +3329,14 @@
       </p:sp>
       <p:sp>
         <p:nvSpPr>
-          <p:cNvPr id="72" name="CustomShape 12"/>
+          <p:cNvPr id="69" name="CustomShape 12"/>
           <p:cNvSpPr/>
           <p:nvPr/>
         </p:nvSpPr>
         <p:spPr>
           <a:xfrm>
             <a:off x="3564000" y="44640"/>
-            <a:ext cx="2808000" cy="503640"/>
+            <a:ext cx="2807640" cy="503280"/>
           </a:xfrm>
           <a:prstGeom prst="rect">
             <a:avLst/>
@@ -3596,6 +3376,7 @@
                   <a:srgbClr val="000000"/>
                 </a:solidFill>
                 <a:latin typeface="맑은 고딕"/>
+                <a:ea typeface="DejaVu Sans"/>
               </a:rPr>
               <a:t>로그인 기능</a:t>
             </a:r>
@@ -3607,14 +3388,14 @@
       </p:sp>
       <p:sp>
         <p:nvSpPr>
-          <p:cNvPr id="73" name="CustomShape 13"/>
-          <p:cNvSpPr/>
-          <p:nvPr/>
-        </p:nvSpPr>
-        <p:spPr>
-          <a:xfrm>
-            <a:off x="4663080" y="4797000"/>
-            <a:ext cx="4498560" cy="639000"/>
+          <p:cNvPr id="70" name="CustomShape 13"/>
+          <p:cNvSpPr/>
+          <p:nvPr/>
+        </p:nvSpPr>
+        <p:spPr>
+          <a:xfrm>
+            <a:off x="4670280" y="4797000"/>
+            <a:ext cx="4483440" cy="638640"/>
           </a:xfrm>
           <a:prstGeom prst="rect">
             <a:avLst/>
@@ -3646,6 +3427,7 @@
                   <a:srgbClr val="000000"/>
                 </a:solidFill>
                 <a:latin typeface="맑은 고딕"/>
+                <a:ea typeface="DejaVu Sans"/>
               </a:rPr>
               <a:t>인증에 성공한 사용자의 정보를 담는 객체</a:t>
             </a:r>
@@ -3655,6 +3437,7 @@
                   <a:srgbClr val="000000"/>
                 </a:solidFill>
                 <a:latin typeface="맑은 고딕"/>
+                <a:ea typeface="DejaVu Sans"/>
               </a:rPr>
               <a:t>.</a:t>
             </a:r>
@@ -3674,6 +3457,7 @@
                   <a:srgbClr val="000000"/>
                 </a:solidFill>
                 <a:latin typeface="맑은 고딕"/>
+                <a:ea typeface="DejaVu Sans"/>
               </a:rPr>
               <a:t>이 객체를 세션에 저장한다</a:t>
             </a:r>
@@ -3683,6 +3467,7 @@
                   <a:srgbClr val="000000"/>
                 </a:solidFill>
                 <a:latin typeface="맑은 고딕"/>
+                <a:ea typeface="DejaVu Sans"/>
               </a:rPr>
               <a:t>.</a:t>
             </a:r>
@@ -3694,14 +3479,14 @@
       </p:sp>
       <p:sp>
         <p:nvSpPr>
-          <p:cNvPr id="74" name="CustomShape 14"/>
+          <p:cNvPr id="71" name="CustomShape 14"/>
           <p:cNvSpPr/>
           <p:nvPr/>
         </p:nvSpPr>
         <p:spPr>
           <a:xfrm>
             <a:off x="4619520" y="1331640"/>
-            <a:ext cx="2890800" cy="364680"/>
+            <a:ext cx="2890440" cy="364320"/>
           </a:xfrm>
           <a:prstGeom prst="rect">
             <a:avLst/>
@@ -3733,6 +3518,7 @@
                   <a:srgbClr val="000000"/>
                 </a:solidFill>
                 <a:latin typeface="맑은 고딕"/>
+                <a:ea typeface="DejaVu Sans"/>
               </a:rPr>
               <a:t>Here : Result Image Insert</a:t>
             </a:r>
@@ -3744,14 +3530,14 @@
       </p:sp>
       <p:sp>
         <p:nvSpPr>
-          <p:cNvPr id="75" name="CustomShape 15"/>
+          <p:cNvPr id="72" name="CustomShape 15"/>
           <p:cNvSpPr/>
           <p:nvPr/>
         </p:nvSpPr>
         <p:spPr>
           <a:xfrm>
             <a:off x="157680" y="1308600"/>
-            <a:ext cx="4401000" cy="364680"/>
+            <a:ext cx="4400640" cy="364320"/>
           </a:xfrm>
           <a:prstGeom prst="rect">
             <a:avLst/>
@@ -3783,6 +3569,7 @@
                   <a:srgbClr val="000000"/>
                 </a:solidFill>
                 <a:latin typeface="맑은 고딕"/>
+                <a:ea typeface="DejaVu Sans"/>
               </a:rPr>
               <a:t>Here : Core Source(Text or Image) Insert</a:t>
             </a:r>
@@ -3794,7 +3581,7 @@
       </p:sp>
       <p:pic>
         <p:nvPicPr>
-          <p:cNvPr id="76" name="그림 2" descr=""/>
+          <p:cNvPr id="73" name="그림 2" descr=""/>
           <p:cNvPicPr/>
           <p:nvPr/>
         </p:nvPicPr>
@@ -3805,7 +3592,7 @@
         <p:spPr>
           <a:xfrm>
             <a:off x="4592520" y="1233720"/>
-            <a:ext cx="2224440" cy="1978920"/>
+            <a:ext cx="2224080" cy="1978560"/>
           </a:xfrm>
           <a:prstGeom prst="rect">
             <a:avLst/>
@@ -3817,7 +3604,7 @@
       </p:pic>
       <p:pic>
         <p:nvPicPr>
-          <p:cNvPr id="77" name="그림 8" descr=""/>
+          <p:cNvPr id="74" name="그림 8" descr=""/>
           <p:cNvPicPr/>
           <p:nvPr/>
         </p:nvPicPr>
@@ -3828,7 +3615,7 @@
         <p:spPr>
           <a:xfrm>
             <a:off x="6837480" y="1205280"/>
-            <a:ext cx="2173320" cy="1863360"/>
+            <a:ext cx="2172960" cy="1863000"/>
           </a:xfrm>
           <a:prstGeom prst="rect">
             <a:avLst/>
@@ -3840,7 +3627,7 @@
       </p:pic>
       <p:pic>
         <p:nvPicPr>
-          <p:cNvPr id="78" name="그림 11" descr=""/>
+          <p:cNvPr id="75" name="그림 11" descr=""/>
           <p:cNvPicPr/>
           <p:nvPr/>
         </p:nvPicPr>
@@ -3851,7 +3638,7 @@
         <p:spPr>
           <a:xfrm>
             <a:off x="4577040" y="3006360"/>
-            <a:ext cx="2260080" cy="1636920"/>
+            <a:ext cx="2259720" cy="1636560"/>
           </a:xfrm>
           <a:prstGeom prst="rect">
             <a:avLst/>
@@ -3863,7 +3650,7 @@
       </p:pic>
       <p:pic>
         <p:nvPicPr>
-          <p:cNvPr id="79" name="그림 15" descr=""/>
+          <p:cNvPr id="76" name="그림 15" descr=""/>
           <p:cNvPicPr/>
           <p:nvPr/>
         </p:nvPicPr>
@@ -3874,7 +3661,7 @@
         <p:spPr>
           <a:xfrm>
             <a:off x="6831360" y="2991960"/>
-            <a:ext cx="2173320" cy="1665720"/>
+            <a:ext cx="2172960" cy="1665360"/>
           </a:xfrm>
           <a:prstGeom prst="rect">
             <a:avLst/>
@@ -3886,7 +3673,7 @@
       </p:pic>
       <p:pic>
         <p:nvPicPr>
-          <p:cNvPr id="80" name="" descr=""/>
+          <p:cNvPr id="77" name="" descr=""/>
           <p:cNvPicPr/>
           <p:nvPr/>
         </p:nvPicPr>
@@ -3897,7 +3684,7 @@
         <p:spPr>
           <a:xfrm>
             <a:off x="35280" y="1213200"/>
-            <a:ext cx="4536720" cy="3935520"/>
+            <a:ext cx="4536360" cy="3935160"/>
           </a:xfrm>
           <a:prstGeom prst="rect">
             <a:avLst/>
@@ -3939,14 +3726,14 @@
       </p:grpSpPr>
       <p:sp>
         <p:nvSpPr>
-          <p:cNvPr id="81" name="CustomShape 1"/>
+          <p:cNvPr id="78" name="CustomShape 1"/>
           <p:cNvSpPr/>
           <p:nvPr/>
         </p:nvSpPr>
         <p:spPr>
           <a:xfrm>
             <a:off x="35640" y="44640"/>
-            <a:ext cx="3312000" cy="503640"/>
+            <a:ext cx="3311640" cy="503280"/>
           </a:xfrm>
           <a:prstGeom prst="rect">
             <a:avLst/>
@@ -3986,6 +3773,7 @@
                   <a:srgbClr val="000000"/>
                 </a:solidFill>
                 <a:latin typeface="맑은 고딕"/>
+                <a:ea typeface="DejaVu Sans"/>
               </a:rPr>
               <a:t>주요 소스 </a:t>
             </a:r>
@@ -3995,6 +3783,7 @@
                   <a:srgbClr val="000000"/>
                 </a:solidFill>
                 <a:latin typeface="맑은 고딕"/>
+                <a:ea typeface="DejaVu Sans"/>
               </a:rPr>
               <a:t>[Code Review]</a:t>
             </a:r>
@@ -4006,14 +3795,14 @@
       </p:sp>
       <p:sp>
         <p:nvSpPr>
-          <p:cNvPr id="82" name="CustomShape 2"/>
+          <p:cNvPr id="79" name="CustomShape 2"/>
           <p:cNvSpPr/>
           <p:nvPr/>
         </p:nvSpPr>
         <p:spPr>
           <a:xfrm>
             <a:off x="35640" y="620640"/>
-            <a:ext cx="3312000" cy="431640"/>
+            <a:ext cx="3311640" cy="431280"/>
           </a:xfrm>
           <a:prstGeom prst="rect">
             <a:avLst/>
@@ -4053,6 +3842,7 @@
                   <a:srgbClr val="000000"/>
                 </a:solidFill>
                 <a:latin typeface="맑은 고딕"/>
+                <a:ea typeface="DejaVu Sans"/>
               </a:rPr>
               <a:t>LoginHandler.java</a:t>
             </a:r>
@@ -4064,7 +3854,7 @@
       </p:sp>
       <p:sp>
         <p:nvSpPr>
-          <p:cNvPr id="83" name="Line 3"/>
+          <p:cNvPr id="80" name="Line 3"/>
           <p:cNvSpPr/>
           <p:nvPr/>
         </p:nvSpPr>
@@ -4098,14 +3888,14 @@
       </p:sp>
       <p:sp>
         <p:nvSpPr>
-          <p:cNvPr id="84" name="CustomShape 4"/>
+          <p:cNvPr id="81" name="CustomShape 4"/>
           <p:cNvSpPr/>
           <p:nvPr/>
         </p:nvSpPr>
         <p:spPr>
           <a:xfrm>
             <a:off x="3496320" y="620640"/>
-            <a:ext cx="842400" cy="364680"/>
+            <a:ext cx="842040" cy="364320"/>
           </a:xfrm>
           <a:prstGeom prst="rect">
             <a:avLst/>
@@ -4137,6 +3927,7 @@
                   <a:srgbClr val="000000"/>
                 </a:solidFill>
                 <a:latin typeface="맑은 고딕"/>
+                <a:ea typeface="DejaVu Sans"/>
               </a:rPr>
               <a:t>Jsp,sql</a:t>
             </a:r>
@@ -4148,7 +3939,7 @@
       </p:sp>
       <p:sp>
         <p:nvSpPr>
-          <p:cNvPr id="85" name="Line 5"/>
+          <p:cNvPr id="82" name="Line 5"/>
           <p:cNvSpPr/>
           <p:nvPr/>
         </p:nvSpPr>
@@ -4182,7 +3973,7 @@
       </p:sp>
       <p:sp>
         <p:nvSpPr>
-          <p:cNvPr id="86" name="Line 6"/>
+          <p:cNvPr id="83" name="Line 6"/>
           <p:cNvSpPr/>
           <p:nvPr/>
         </p:nvSpPr>
@@ -4216,7 +4007,7 @@
       </p:sp>
       <p:sp>
         <p:nvSpPr>
-          <p:cNvPr id="87" name="Line 7"/>
+          <p:cNvPr id="84" name="Line 7"/>
           <p:cNvSpPr/>
           <p:nvPr/>
         </p:nvSpPr>
@@ -4250,7 +4041,7 @@
       </p:sp>
       <p:sp>
         <p:nvSpPr>
-          <p:cNvPr id="88" name="Line 8"/>
+          <p:cNvPr id="85" name="Line 8"/>
           <p:cNvSpPr/>
           <p:nvPr/>
         </p:nvSpPr>
@@ -4284,7 +4075,7 @@
       </p:sp>
       <p:sp>
         <p:nvSpPr>
-          <p:cNvPr id="89" name="Line 9"/>
+          <p:cNvPr id="86" name="Line 9"/>
           <p:cNvSpPr/>
           <p:nvPr/>
         </p:nvSpPr>
@@ -4318,7 +4109,7 @@
       </p:sp>
       <p:sp>
         <p:nvSpPr>
-          <p:cNvPr id="90" name="Freeform 10"/>
+          <p:cNvPr id="87" name="CustomShape 10"/>
           <p:cNvSpPr/>
           <p:nvPr/>
         </p:nvSpPr>
@@ -4331,7 +4122,7 @@
             <a:avLst/>
             <a:gdLst/>
             <a:ahLst/>
-            <a:rect l="0" t="0" r="r" b="b"/>
+            <a:rect l="l" t="t" r="r" b="b"/>
             <a:pathLst>
               <a:path w="1" h="1">
                 <a:moveTo>
@@ -4351,10 +4142,16 @@
             <a:round/>
           </a:ln>
         </p:spPr>
-      </p:sp>
-      <p:sp>
-        <p:nvSpPr>
-          <p:cNvPr id="91" name="Line 11"/>
+        <p:style>
+          <a:lnRef idx="0"/>
+          <a:fillRef idx="0"/>
+          <a:effectRef idx="0"/>
+          <a:fontRef idx="minor"/>
+        </p:style>
+      </p:sp>
+      <p:sp>
+        <p:nvSpPr>
+          <p:cNvPr id="88" name="Line 11"/>
           <p:cNvSpPr/>
           <p:nvPr/>
         </p:nvSpPr>
@@ -4388,14 +4185,14 @@
       </p:sp>
       <p:sp>
         <p:nvSpPr>
-          <p:cNvPr id="92" name="CustomShape 12"/>
+          <p:cNvPr id="89" name="CustomShape 12"/>
           <p:cNvSpPr/>
           <p:nvPr/>
         </p:nvSpPr>
         <p:spPr>
           <a:xfrm>
             <a:off x="3564000" y="44640"/>
-            <a:ext cx="2808000" cy="503640"/>
+            <a:ext cx="2807640" cy="503280"/>
           </a:xfrm>
           <a:prstGeom prst="rect">
             <a:avLst/>
@@ -4435,6 +4232,7 @@
                   <a:srgbClr val="000000"/>
                 </a:solidFill>
                 <a:latin typeface="맑은 고딕"/>
+                <a:ea typeface="DejaVu Sans"/>
               </a:rPr>
               <a:t>로그인 기능</a:t>
             </a:r>
@@ -4446,14 +4244,14 @@
       </p:sp>
       <p:sp>
         <p:nvSpPr>
-          <p:cNvPr id="93" name="CustomShape 13"/>
-          <p:cNvSpPr/>
-          <p:nvPr/>
-        </p:nvSpPr>
-        <p:spPr>
-          <a:xfrm>
-            <a:off x="4761000" y="4797000"/>
-            <a:ext cx="4311000" cy="1736280"/>
+          <p:cNvPr id="90" name="CustomShape 13"/>
+          <p:cNvSpPr/>
+          <p:nvPr/>
+        </p:nvSpPr>
+        <p:spPr>
+          <a:xfrm>
+            <a:off x="4765320" y="4797000"/>
+            <a:ext cx="4302000" cy="1735920"/>
           </a:xfrm>
           <a:prstGeom prst="rect">
             <a:avLst/>
@@ -4485,6 +4283,7 @@
                   <a:srgbClr val="000000"/>
                 </a:solidFill>
                 <a:latin typeface="맑은 고딕"/>
+                <a:ea typeface="DejaVu Sans"/>
               </a:rPr>
               <a:t>LoginHandler</a:t>
             </a:r>
@@ -4494,6 +4293,7 @@
                   <a:srgbClr val="000000"/>
                 </a:solidFill>
                 <a:latin typeface="맑은 고딕"/>
+                <a:ea typeface="DejaVu Sans"/>
               </a:rPr>
               <a:t>은 사용자의 요청을 받으며</a:t>
             </a:r>
@@ -4513,6 +4313,7 @@
                   <a:srgbClr val="000000"/>
                 </a:solidFill>
                 <a:latin typeface="맑은 고딕"/>
+                <a:ea typeface="DejaVu Sans"/>
               </a:rPr>
               <a:t>사용자가 폼</a:t>
             </a:r>
@@ -4522,6 +4323,7 @@
                   <a:srgbClr val="000000"/>
                 </a:solidFill>
                 <a:latin typeface="맑은 고딕"/>
+                <a:ea typeface="DejaVu Sans"/>
               </a:rPr>
               <a:t>(GET)</a:t>
             </a:r>
@@ -4531,6 +4333,7 @@
                   <a:srgbClr val="000000"/>
                 </a:solidFill>
                 <a:latin typeface="맑은 고딕"/>
+                <a:ea typeface="DejaVu Sans"/>
               </a:rPr>
               <a:t>을 요청한 경우 폼을 </a:t>
             </a:r>
@@ -4550,6 +4353,7 @@
                   <a:srgbClr val="000000"/>
                 </a:solidFill>
                 <a:latin typeface="맑은 고딕"/>
+                <a:ea typeface="DejaVu Sans"/>
               </a:rPr>
               <a:t>위한 뷰를 리턴하고 폼 데이터</a:t>
             </a:r>
@@ -4559,6 +4363,7 @@
                   <a:srgbClr val="000000"/>
                 </a:solidFill>
                 <a:latin typeface="맑은 고딕"/>
+                <a:ea typeface="DejaVu Sans"/>
               </a:rPr>
               <a:t>(POST)</a:t>
             </a:r>
@@ -4568,6 +4373,7 @@
                   <a:srgbClr val="000000"/>
                 </a:solidFill>
                 <a:latin typeface="맑은 고딕"/>
+                <a:ea typeface="DejaVu Sans"/>
               </a:rPr>
               <a:t>를 </a:t>
             </a:r>
@@ -4587,6 +4393,7 @@
                   <a:srgbClr val="000000"/>
                 </a:solidFill>
                 <a:latin typeface="맑은 고딕"/>
+                <a:ea typeface="DejaVu Sans"/>
               </a:rPr>
               <a:t>전송한 경우 </a:t>
             </a:r>
@@ -4596,6 +4403,7 @@
                   <a:srgbClr val="000000"/>
                 </a:solidFill>
                 <a:latin typeface="맑은 고딕"/>
+                <a:ea typeface="DejaVu Sans"/>
               </a:rPr>
               <a:t>LoginService</a:t>
             </a:r>
@@ -4605,6 +4413,7 @@
                   <a:srgbClr val="000000"/>
                 </a:solidFill>
                 <a:latin typeface="맑은 고딕"/>
+                <a:ea typeface="DejaVu Sans"/>
               </a:rPr>
               <a:t>를</a:t>
             </a:r>
@@ -4624,6 +4433,7 @@
                   <a:srgbClr val="000000"/>
                 </a:solidFill>
                 <a:latin typeface="맑은 고딕"/>
+                <a:ea typeface="DejaVu Sans"/>
               </a:rPr>
               <a:t>이용하여 인증을 처리한다</a:t>
             </a:r>
@@ -4633,6 +4443,7 @@
                   <a:srgbClr val="000000"/>
                 </a:solidFill>
                 <a:latin typeface="맑은 고딕"/>
+                <a:ea typeface="DejaVu Sans"/>
               </a:rPr>
               <a:t>.</a:t>
             </a:r>
@@ -4654,14 +4465,14 @@
       </p:sp>
       <p:sp>
         <p:nvSpPr>
-          <p:cNvPr id="94" name="CustomShape 14"/>
+          <p:cNvPr id="91" name="CustomShape 14"/>
           <p:cNvSpPr/>
           <p:nvPr/>
         </p:nvSpPr>
         <p:spPr>
           <a:xfrm>
             <a:off x="4619520" y="1331640"/>
-            <a:ext cx="2890800" cy="364680"/>
+            <a:ext cx="2890440" cy="364320"/>
           </a:xfrm>
           <a:prstGeom prst="rect">
             <a:avLst/>
@@ -4693,6 +4504,7 @@
                   <a:srgbClr val="000000"/>
                 </a:solidFill>
                 <a:latin typeface="맑은 고딕"/>
+                <a:ea typeface="DejaVu Sans"/>
               </a:rPr>
               <a:t>Here : Result Image Insert</a:t>
             </a:r>
@@ -4704,14 +4516,14 @@
       </p:sp>
       <p:sp>
         <p:nvSpPr>
-          <p:cNvPr id="95" name="CustomShape 15"/>
+          <p:cNvPr id="92" name="CustomShape 15"/>
           <p:cNvSpPr/>
           <p:nvPr/>
         </p:nvSpPr>
         <p:spPr>
           <a:xfrm>
             <a:off x="157680" y="1308600"/>
-            <a:ext cx="4401000" cy="364680"/>
+            <a:ext cx="4400640" cy="364320"/>
           </a:xfrm>
           <a:prstGeom prst="rect">
             <a:avLst/>
@@ -4743,6 +4555,7 @@
                   <a:srgbClr val="000000"/>
                 </a:solidFill>
                 <a:latin typeface="맑은 고딕"/>
+                <a:ea typeface="DejaVu Sans"/>
               </a:rPr>
               <a:t>Here : Core Source(Text or Image) Insert</a:t>
             </a:r>
@@ -4754,7 +4567,7 @@
       </p:sp>
       <p:pic>
         <p:nvPicPr>
-          <p:cNvPr id="96" name="그림 2" descr=""/>
+          <p:cNvPr id="93" name="그림 2" descr=""/>
           <p:cNvPicPr/>
           <p:nvPr/>
         </p:nvPicPr>
@@ -4765,7 +4578,7 @@
         <p:spPr>
           <a:xfrm>
             <a:off x="4592520" y="1233720"/>
-            <a:ext cx="2224440" cy="1978920"/>
+            <a:ext cx="2224080" cy="1978560"/>
           </a:xfrm>
           <a:prstGeom prst="rect">
             <a:avLst/>
@@ -4777,7 +4590,7 @@
       </p:pic>
       <p:pic>
         <p:nvPicPr>
-          <p:cNvPr id="97" name="그림 8" descr=""/>
+          <p:cNvPr id="94" name="그림 8" descr=""/>
           <p:cNvPicPr/>
           <p:nvPr/>
         </p:nvPicPr>
@@ -4788,7 +4601,7 @@
         <p:spPr>
           <a:xfrm>
             <a:off x="6837480" y="1205280"/>
-            <a:ext cx="2173320" cy="1863360"/>
+            <a:ext cx="2172960" cy="1863000"/>
           </a:xfrm>
           <a:prstGeom prst="rect">
             <a:avLst/>
@@ -4800,7 +4613,7 @@
       </p:pic>
       <p:pic>
         <p:nvPicPr>
-          <p:cNvPr id="98" name="그림 11" descr=""/>
+          <p:cNvPr id="95" name="그림 11" descr=""/>
           <p:cNvPicPr/>
           <p:nvPr/>
         </p:nvPicPr>
@@ -4811,7 +4624,7 @@
         <p:spPr>
           <a:xfrm>
             <a:off x="4577040" y="3006360"/>
-            <a:ext cx="2260080" cy="1636920"/>
+            <a:ext cx="2259720" cy="1636560"/>
           </a:xfrm>
           <a:prstGeom prst="rect">
             <a:avLst/>
@@ -4823,7 +4636,7 @@
       </p:pic>
       <p:pic>
         <p:nvPicPr>
-          <p:cNvPr id="99" name="그림 15" descr=""/>
+          <p:cNvPr id="96" name="그림 15" descr=""/>
           <p:cNvPicPr/>
           <p:nvPr/>
         </p:nvPicPr>
@@ -4834,7 +4647,7 @@
         <p:spPr>
           <a:xfrm>
             <a:off x="6831360" y="2991960"/>
-            <a:ext cx="2173320" cy="1665720"/>
+            <a:ext cx="2172960" cy="1665360"/>
           </a:xfrm>
           <a:prstGeom prst="rect">
             <a:avLst/>
@@ -4846,7 +4659,7 @@
       </p:pic>
       <p:pic>
         <p:nvPicPr>
-          <p:cNvPr id="100" name="" descr=""/>
+          <p:cNvPr id="97" name="" descr=""/>
           <p:cNvPicPr/>
           <p:nvPr/>
         </p:nvPicPr>
@@ -4857,7 +4670,7 @@
         <p:spPr>
           <a:xfrm>
             <a:off x="87480" y="1296000"/>
-            <a:ext cx="4448520" cy="2160000"/>
+            <a:ext cx="4448160" cy="2159640"/>
           </a:xfrm>
           <a:prstGeom prst="rect">
             <a:avLst/>
@@ -4869,7 +4682,7 @@
       </p:pic>
       <p:pic>
         <p:nvPicPr>
-          <p:cNvPr id="101" name="" descr=""/>
+          <p:cNvPr id="98" name="" descr=""/>
           <p:cNvPicPr/>
           <p:nvPr/>
         </p:nvPicPr>
@@ -4880,7 +4693,7 @@
         <p:spPr>
           <a:xfrm>
             <a:off x="87480" y="3491280"/>
-            <a:ext cx="4448520" cy="3204720"/>
+            <a:ext cx="4448160" cy="3204360"/>
           </a:xfrm>
           <a:prstGeom prst="rect">
             <a:avLst/>
@@ -4922,14 +4735,14 @@
       </p:grpSpPr>
       <p:sp>
         <p:nvSpPr>
-          <p:cNvPr id="102" name="CustomShape 1"/>
+          <p:cNvPr id="99" name="CustomShape 1"/>
           <p:cNvSpPr/>
           <p:nvPr/>
         </p:nvSpPr>
         <p:spPr>
           <a:xfrm>
             <a:off x="35640" y="44640"/>
-            <a:ext cx="3312000" cy="503640"/>
+            <a:ext cx="3311640" cy="503280"/>
           </a:xfrm>
           <a:prstGeom prst="rect">
             <a:avLst/>
@@ -4969,6 +4782,7 @@
                   <a:srgbClr val="000000"/>
                 </a:solidFill>
                 <a:latin typeface="맑은 고딕"/>
+                <a:ea typeface="DejaVu Sans"/>
               </a:rPr>
               <a:t>주요 소스 </a:t>
             </a:r>
@@ -4978,6 +4792,7 @@
                   <a:srgbClr val="000000"/>
                 </a:solidFill>
                 <a:latin typeface="맑은 고딕"/>
+                <a:ea typeface="DejaVu Sans"/>
               </a:rPr>
               <a:t>[Code Review]</a:t>
             </a:r>
@@ -4989,14 +4804,14 @@
       </p:sp>
       <p:sp>
         <p:nvSpPr>
-          <p:cNvPr id="103" name="CustomShape 2"/>
+          <p:cNvPr id="100" name="CustomShape 2"/>
           <p:cNvSpPr/>
           <p:nvPr/>
         </p:nvSpPr>
         <p:spPr>
           <a:xfrm>
             <a:off x="35640" y="620640"/>
-            <a:ext cx="3312000" cy="431640"/>
+            <a:ext cx="3311640" cy="431280"/>
           </a:xfrm>
           <a:prstGeom prst="rect">
             <a:avLst/>
@@ -5036,6 +4851,7 @@
                   <a:srgbClr val="000000"/>
                 </a:solidFill>
                 <a:latin typeface="맑은 고딕"/>
+                <a:ea typeface="DejaVu Sans"/>
               </a:rPr>
               <a:t>LogoutHandler.java</a:t>
             </a:r>
@@ -5047,7 +4863,7 @@
       </p:sp>
       <p:sp>
         <p:nvSpPr>
-          <p:cNvPr id="104" name="Line 3"/>
+          <p:cNvPr id="101" name="Line 3"/>
           <p:cNvSpPr/>
           <p:nvPr/>
         </p:nvSpPr>
@@ -5081,14 +4897,14 @@
       </p:sp>
       <p:sp>
         <p:nvSpPr>
-          <p:cNvPr id="105" name="CustomShape 4"/>
+          <p:cNvPr id="102" name="CustomShape 4"/>
           <p:cNvSpPr/>
           <p:nvPr/>
         </p:nvSpPr>
         <p:spPr>
           <a:xfrm>
             <a:off x="3496320" y="620640"/>
-            <a:ext cx="842400" cy="364680"/>
+            <a:ext cx="842040" cy="364320"/>
           </a:xfrm>
           <a:prstGeom prst="rect">
             <a:avLst/>
@@ -5120,6 +4936,7 @@
                   <a:srgbClr val="000000"/>
                 </a:solidFill>
                 <a:latin typeface="맑은 고딕"/>
+                <a:ea typeface="DejaVu Sans"/>
               </a:rPr>
               <a:t>Jsp,sql</a:t>
             </a:r>
@@ -5131,7 +4948,7 @@
       </p:sp>
       <p:sp>
         <p:nvSpPr>
-          <p:cNvPr id="106" name="Line 5"/>
+          <p:cNvPr id="103" name="Line 5"/>
           <p:cNvSpPr/>
           <p:nvPr/>
         </p:nvSpPr>
@@ -5165,7 +4982,7 @@
       </p:sp>
       <p:sp>
         <p:nvSpPr>
-          <p:cNvPr id="107" name="Line 6"/>
+          <p:cNvPr id="104" name="Line 6"/>
           <p:cNvSpPr/>
           <p:nvPr/>
         </p:nvSpPr>
@@ -5199,7 +5016,7 @@
       </p:sp>
       <p:sp>
         <p:nvSpPr>
-          <p:cNvPr id="108" name="Line 7"/>
+          <p:cNvPr id="105" name="Line 7"/>
           <p:cNvSpPr/>
           <p:nvPr/>
         </p:nvSpPr>
@@ -5233,7 +5050,7 @@
       </p:sp>
       <p:sp>
         <p:nvSpPr>
-          <p:cNvPr id="109" name="Line 8"/>
+          <p:cNvPr id="106" name="Line 8"/>
           <p:cNvSpPr/>
           <p:nvPr/>
         </p:nvSpPr>
@@ -5267,7 +5084,7 @@
       </p:sp>
       <p:sp>
         <p:nvSpPr>
-          <p:cNvPr id="110" name="Line 9"/>
+          <p:cNvPr id="107" name="Line 9"/>
           <p:cNvSpPr/>
           <p:nvPr/>
         </p:nvSpPr>
@@ -5301,7 +5118,7 @@
       </p:sp>
       <p:sp>
         <p:nvSpPr>
-          <p:cNvPr id="111" name="Freeform 10"/>
+          <p:cNvPr id="108" name="CustomShape 10"/>
           <p:cNvSpPr/>
           <p:nvPr/>
         </p:nvSpPr>
@@ -5314,7 +5131,7 @@
             <a:avLst/>
             <a:gdLst/>
             <a:ahLst/>
-            <a:rect l="0" t="0" r="r" b="b"/>
+            <a:rect l="l" t="t" r="r" b="b"/>
             <a:pathLst>
               <a:path w="1" h="1">
                 <a:moveTo>
@@ -5334,10 +5151,16 @@
             <a:round/>
           </a:ln>
         </p:spPr>
-      </p:sp>
-      <p:sp>
-        <p:nvSpPr>
-          <p:cNvPr id="112" name="Line 11"/>
+        <p:style>
+          <a:lnRef idx="0"/>
+          <a:fillRef idx="0"/>
+          <a:effectRef idx="0"/>
+          <a:fontRef idx="minor"/>
+        </p:style>
+      </p:sp>
+      <p:sp>
+        <p:nvSpPr>
+          <p:cNvPr id="109" name="Line 11"/>
           <p:cNvSpPr/>
           <p:nvPr/>
         </p:nvSpPr>
@@ -5371,14 +5194,14 @@
       </p:sp>
       <p:sp>
         <p:nvSpPr>
-          <p:cNvPr id="113" name="CustomShape 12"/>
+          <p:cNvPr id="110" name="CustomShape 12"/>
           <p:cNvSpPr/>
           <p:nvPr/>
         </p:nvSpPr>
         <p:spPr>
           <a:xfrm>
             <a:off x="3564000" y="44640"/>
-            <a:ext cx="2808000" cy="503640"/>
+            <a:ext cx="2807640" cy="503280"/>
           </a:xfrm>
           <a:prstGeom prst="rect">
             <a:avLst/>
@@ -5418,8 +5241,9 @@
                   <a:srgbClr val="000000"/>
                 </a:solidFill>
                 <a:latin typeface="맑은 고딕"/>
-              </a:rPr>
-              <a:t>로그인 기능</a:t>
+                <a:ea typeface="DejaVu Sans"/>
+              </a:rPr>
+              <a:t>로그아웃 기능</a:t>
             </a:r>
             <a:endParaRPr b="0" lang="en-US" sz="2000" spc="-1" strike="noStrike">
               <a:latin typeface="굴림"/>
@@ -5429,14 +5253,14 @@
       </p:sp>
       <p:sp>
         <p:nvSpPr>
-          <p:cNvPr id="114" name="CustomShape 13"/>
-          <p:cNvSpPr/>
-          <p:nvPr/>
-        </p:nvSpPr>
-        <p:spPr>
-          <a:xfrm>
-            <a:off x="4683960" y="4797000"/>
-            <a:ext cx="4471200" cy="2284200"/>
+          <p:cNvPr id="111" name="CustomShape 13"/>
+          <p:cNvSpPr/>
+          <p:nvPr/>
+        </p:nvSpPr>
+        <p:spPr>
+          <a:xfrm>
+            <a:off x="4688280" y="4797000"/>
+            <a:ext cx="4462200" cy="2284200"/>
           </a:xfrm>
           <a:prstGeom prst="rect">
             <a:avLst/>
@@ -5468,6 +5292,7 @@
                   <a:srgbClr val="000000"/>
                 </a:solidFill>
                 <a:latin typeface="맑은 고딕"/>
+                <a:ea typeface="DejaVu Sans"/>
               </a:rPr>
               <a:t>LogoutHandler</a:t>
             </a:r>
@@ -5477,6 +5302,7 @@
                   <a:srgbClr val="000000"/>
                 </a:solidFill>
                 <a:latin typeface="맑은 고딕"/>
+                <a:ea typeface="DejaVu Sans"/>
               </a:rPr>
               <a:t>는 세션이 존재하면 세션을</a:t>
             </a:r>
@@ -5496,6 +5322,7 @@
                   <a:srgbClr val="000000"/>
                 </a:solidFill>
                 <a:latin typeface="맑은 고딕"/>
+                <a:ea typeface="DejaVu Sans"/>
               </a:rPr>
               <a:t>종료한다</a:t>
             </a:r>
@@ -5505,6 +5332,7 @@
                   <a:srgbClr val="000000"/>
                 </a:solidFill>
                 <a:latin typeface="맑은 고딕"/>
+                <a:ea typeface="DejaVu Sans"/>
               </a:rPr>
               <a:t>. </a:t>
             </a:r>
@@ -5514,6 +5342,7 @@
                   <a:srgbClr val="000000"/>
                 </a:solidFill>
                 <a:latin typeface="맑은 고딕"/>
+                <a:ea typeface="DejaVu Sans"/>
               </a:rPr>
               <a:t>세선을 종료하면 세션에 저장된</a:t>
             </a:r>
@@ -5533,6 +5362,7 @@
                   <a:srgbClr val="000000"/>
                 </a:solidFill>
                 <a:latin typeface="맑은 고딕"/>
+                <a:ea typeface="DejaVu Sans"/>
               </a:rPr>
               <a:t>“</a:t>
             </a:r>
@@ -5542,6 +5372,7 @@
                   <a:srgbClr val="000000"/>
                 </a:solidFill>
                 <a:latin typeface="맑은 고딕"/>
+                <a:ea typeface="DejaVu Sans"/>
               </a:rPr>
               <a:t>authUser” </a:t>
             </a:r>
@@ -5551,6 +5382,7 @@
                   <a:srgbClr val="000000"/>
                 </a:solidFill>
                 <a:latin typeface="맑은 고딕"/>
+                <a:ea typeface="DejaVu Sans"/>
               </a:rPr>
               <a:t>속성도 함께 삭제되므로</a:t>
             </a:r>
@@ -5570,6 +5402,7 @@
                   <a:srgbClr val="000000"/>
                 </a:solidFill>
                 <a:latin typeface="맑은 고딕"/>
+                <a:ea typeface="DejaVu Sans"/>
               </a:rPr>
               <a:t>로그아웃 처리된다</a:t>
             </a:r>
@@ -5579,6 +5412,7 @@
                   <a:srgbClr val="000000"/>
                 </a:solidFill>
                 <a:latin typeface="맑은 고딕"/>
+                <a:ea typeface="DejaVu Sans"/>
               </a:rPr>
               <a:t>. LogoutHandler</a:t>
             </a:r>
@@ -5588,6 +5422,7 @@
                   <a:srgbClr val="000000"/>
                 </a:solidFill>
                 <a:latin typeface="맑은 고딕"/>
+                <a:ea typeface="DejaVu Sans"/>
               </a:rPr>
               <a:t>는 </a:t>
             </a:r>
@@ -5607,6 +5442,7 @@
                   <a:srgbClr val="000000"/>
                 </a:solidFill>
                 <a:latin typeface="맑은 고딕"/>
+                <a:ea typeface="DejaVu Sans"/>
               </a:rPr>
               <a:t>로그아웃 처리 후 </a:t>
             </a:r>
@@ -5616,6 +5452,7 @@
                   <a:srgbClr val="000000"/>
                 </a:solidFill>
                 <a:latin typeface="맑은 고딕"/>
+                <a:ea typeface="DejaVu Sans"/>
               </a:rPr>
               <a:t>index.jsp</a:t>
             </a:r>
@@ -5625,6 +5462,7 @@
                   <a:srgbClr val="000000"/>
                 </a:solidFill>
                 <a:latin typeface="맑은 고딕"/>
+                <a:ea typeface="DejaVu Sans"/>
               </a:rPr>
               <a:t>로 리다이렉트</a:t>
             </a:r>
@@ -5644,6 +5482,7 @@
                   <a:srgbClr val="000000"/>
                 </a:solidFill>
                 <a:latin typeface="맑은 고딕"/>
+                <a:ea typeface="DejaVu Sans"/>
               </a:rPr>
               <a:t>하므로</a:t>
             </a:r>
@@ -5653,6 +5492,7 @@
                   <a:srgbClr val="000000"/>
                 </a:solidFill>
                 <a:latin typeface="맑은 고딕"/>
+                <a:ea typeface="DejaVu Sans"/>
               </a:rPr>
               <a:t>, </a:t>
             </a:r>
@@ -5662,6 +5502,7 @@
                   <a:srgbClr val="000000"/>
                 </a:solidFill>
                 <a:latin typeface="맑은 고딕"/>
+                <a:ea typeface="DejaVu Sans"/>
               </a:rPr>
               <a:t>로그아웃 링크를 클릭해보면 </a:t>
             </a:r>
@@ -5681,6 +5522,7 @@
                   <a:srgbClr val="000000"/>
                 </a:solidFill>
                 <a:latin typeface="맑은 고딕"/>
+                <a:ea typeface="DejaVu Sans"/>
               </a:rPr>
               <a:t>로그인 전의 실행화면이 출력된다</a:t>
             </a:r>
@@ -5690,6 +5532,7 @@
                   <a:srgbClr val="000000"/>
                 </a:solidFill>
                 <a:latin typeface="맑은 고딕"/>
+                <a:ea typeface="DejaVu Sans"/>
               </a:rPr>
               <a:t>.</a:t>
             </a:r>
@@ -5711,14 +5554,14 @@
       </p:sp>
       <p:sp>
         <p:nvSpPr>
-          <p:cNvPr id="115" name="CustomShape 14"/>
+          <p:cNvPr id="112" name="CustomShape 14"/>
           <p:cNvSpPr/>
           <p:nvPr/>
         </p:nvSpPr>
         <p:spPr>
           <a:xfrm>
             <a:off x="4619520" y="1331640"/>
-            <a:ext cx="2890800" cy="364680"/>
+            <a:ext cx="2890440" cy="364320"/>
           </a:xfrm>
           <a:prstGeom prst="rect">
             <a:avLst/>
@@ -5750,6 +5593,7 @@
                   <a:srgbClr val="000000"/>
                 </a:solidFill>
                 <a:latin typeface="맑은 고딕"/>
+                <a:ea typeface="DejaVu Sans"/>
               </a:rPr>
               <a:t>Here : Result Image Insert</a:t>
             </a:r>
@@ -5761,14 +5605,14 @@
       </p:sp>
       <p:sp>
         <p:nvSpPr>
-          <p:cNvPr id="116" name="CustomShape 15"/>
+          <p:cNvPr id="113" name="CustomShape 15"/>
           <p:cNvSpPr/>
           <p:nvPr/>
         </p:nvSpPr>
         <p:spPr>
           <a:xfrm>
             <a:off x="157680" y="1308600"/>
-            <a:ext cx="4401000" cy="364680"/>
+            <a:ext cx="4400640" cy="364320"/>
           </a:xfrm>
           <a:prstGeom prst="rect">
             <a:avLst/>
@@ -5800,6 +5644,7 @@
                   <a:srgbClr val="000000"/>
                 </a:solidFill>
                 <a:latin typeface="맑은 고딕"/>
+                <a:ea typeface="DejaVu Sans"/>
               </a:rPr>
               <a:t>Here : Core Source(Text or Image) Insert</a:t>
             </a:r>
@@ -5811,7 +5656,7 @@
       </p:sp>
       <p:pic>
         <p:nvPicPr>
-          <p:cNvPr id="117" name="그림 2" descr=""/>
+          <p:cNvPr id="114" name="그림 2" descr=""/>
           <p:cNvPicPr/>
           <p:nvPr/>
         </p:nvPicPr>
@@ -5822,7 +5667,7 @@
         <p:spPr>
           <a:xfrm>
             <a:off x="4592520" y="1233720"/>
-            <a:ext cx="2224440" cy="1978920"/>
+            <a:ext cx="2224080" cy="1978560"/>
           </a:xfrm>
           <a:prstGeom prst="rect">
             <a:avLst/>
@@ -5834,7 +5679,7 @@
       </p:pic>
       <p:pic>
         <p:nvPicPr>
-          <p:cNvPr id="118" name="그림 8" descr=""/>
+          <p:cNvPr id="115" name="그림 8" descr=""/>
           <p:cNvPicPr/>
           <p:nvPr/>
         </p:nvPicPr>
@@ -5845,7 +5690,7 @@
         <p:spPr>
           <a:xfrm>
             <a:off x="6837480" y="1205280"/>
-            <a:ext cx="2173320" cy="1863360"/>
+            <a:ext cx="2172960" cy="1863000"/>
           </a:xfrm>
           <a:prstGeom prst="rect">
             <a:avLst/>
@@ -5857,7 +5702,7 @@
       </p:pic>
       <p:pic>
         <p:nvPicPr>
-          <p:cNvPr id="119" name="그림 11" descr=""/>
+          <p:cNvPr id="116" name="그림 11" descr=""/>
           <p:cNvPicPr/>
           <p:nvPr/>
         </p:nvPicPr>
@@ -5868,7 +5713,7 @@
         <p:spPr>
           <a:xfrm>
             <a:off x="4577040" y="3006360"/>
-            <a:ext cx="2260080" cy="1636920"/>
+            <a:ext cx="2259720" cy="1636560"/>
           </a:xfrm>
           <a:prstGeom prst="rect">
             <a:avLst/>
@@ -5880,7 +5725,7 @@
       </p:pic>
       <p:pic>
         <p:nvPicPr>
-          <p:cNvPr id="120" name="그림 15" descr=""/>
+          <p:cNvPr id="117" name="그림 15" descr=""/>
           <p:cNvPicPr/>
           <p:nvPr/>
         </p:nvPicPr>
@@ -5891,7 +5736,7 @@
         <p:spPr>
           <a:xfrm>
             <a:off x="6831360" y="2991960"/>
-            <a:ext cx="2173320" cy="1665720"/>
+            <a:ext cx="2172960" cy="1665360"/>
           </a:xfrm>
           <a:prstGeom prst="rect">
             <a:avLst/>
@@ -5903,7 +5748,7 @@
       </p:pic>
       <p:pic>
         <p:nvPicPr>
-          <p:cNvPr id="121" name="" descr=""/>
+          <p:cNvPr id="118" name="" descr=""/>
           <p:cNvPicPr/>
           <p:nvPr/>
         </p:nvPicPr>
@@ -5914,7 +5759,7 @@
         <p:spPr>
           <a:xfrm>
             <a:off x="35280" y="1234800"/>
-            <a:ext cx="4500720" cy="2581200"/>
+            <a:ext cx="4500360" cy="2580840"/>
           </a:xfrm>
           <a:prstGeom prst="rect">
             <a:avLst/>
@@ -5956,14 +5801,14 @@
       </p:grpSpPr>
       <p:sp>
         <p:nvSpPr>
-          <p:cNvPr id="122" name="CustomShape 1"/>
+          <p:cNvPr id="119" name="CustomShape 1"/>
           <p:cNvSpPr/>
           <p:nvPr/>
         </p:nvSpPr>
         <p:spPr>
           <a:xfrm>
             <a:off x="35640" y="44640"/>
-            <a:ext cx="3312000" cy="503640"/>
+            <a:ext cx="3311640" cy="503280"/>
           </a:xfrm>
           <a:prstGeom prst="rect">
             <a:avLst/>
@@ -6003,6 +5848,7 @@
                   <a:srgbClr val="000000"/>
                 </a:solidFill>
                 <a:latin typeface="맑은 고딕"/>
+                <a:ea typeface="DejaVu Sans"/>
               </a:rPr>
               <a:t>주요 소스 </a:t>
             </a:r>
@@ -6012,6 +5858,7 @@
                   <a:srgbClr val="000000"/>
                 </a:solidFill>
                 <a:latin typeface="맑은 고딕"/>
+                <a:ea typeface="DejaVu Sans"/>
               </a:rPr>
               <a:t>[Code Review]</a:t>
             </a:r>
@@ -6023,14 +5870,14 @@
       </p:sp>
       <p:sp>
         <p:nvSpPr>
-          <p:cNvPr id="123" name="CustomShape 2"/>
+          <p:cNvPr id="120" name="CustomShape 2"/>
           <p:cNvSpPr/>
           <p:nvPr/>
         </p:nvSpPr>
         <p:spPr>
           <a:xfrm>
             <a:off x="35640" y="620640"/>
-            <a:ext cx="3312000" cy="431640"/>
+            <a:ext cx="3311640" cy="431280"/>
           </a:xfrm>
           <a:prstGeom prst="rect">
             <a:avLst/>
@@ -6070,6 +5917,7 @@
                   <a:srgbClr val="000000"/>
                 </a:solidFill>
                 <a:latin typeface="맑은 고딕"/>
+                <a:ea typeface="DejaVu Sans"/>
               </a:rPr>
               <a:t>LoginCheckFilter.java</a:t>
             </a:r>
@@ -6081,7 +5929,7 @@
       </p:sp>
       <p:sp>
         <p:nvSpPr>
-          <p:cNvPr id="124" name="Line 3"/>
+          <p:cNvPr id="121" name="Line 3"/>
           <p:cNvSpPr/>
           <p:nvPr/>
         </p:nvSpPr>
@@ -6115,14 +5963,14 @@
       </p:sp>
       <p:sp>
         <p:nvSpPr>
-          <p:cNvPr id="125" name="CustomShape 4"/>
+          <p:cNvPr id="122" name="CustomShape 4"/>
           <p:cNvSpPr/>
           <p:nvPr/>
         </p:nvSpPr>
         <p:spPr>
           <a:xfrm>
             <a:off x="3496320" y="620640"/>
-            <a:ext cx="842400" cy="364680"/>
+            <a:ext cx="842040" cy="364320"/>
           </a:xfrm>
           <a:prstGeom prst="rect">
             <a:avLst/>
@@ -6154,6 +6002,7 @@
                   <a:srgbClr val="000000"/>
                 </a:solidFill>
                 <a:latin typeface="맑은 고딕"/>
+                <a:ea typeface="DejaVu Sans"/>
               </a:rPr>
               <a:t>Jsp,sql</a:t>
             </a:r>
@@ -6165,7 +6014,7 @@
       </p:sp>
       <p:sp>
         <p:nvSpPr>
-          <p:cNvPr id="126" name="Line 5"/>
+          <p:cNvPr id="123" name="Line 5"/>
           <p:cNvSpPr/>
           <p:nvPr/>
         </p:nvSpPr>
@@ -6199,7 +6048,7 @@
       </p:sp>
       <p:sp>
         <p:nvSpPr>
-          <p:cNvPr id="127" name="Line 6"/>
+          <p:cNvPr id="124" name="Line 6"/>
           <p:cNvSpPr/>
           <p:nvPr/>
         </p:nvSpPr>
@@ -6233,7 +6082,7 @@
       </p:sp>
       <p:sp>
         <p:nvSpPr>
-          <p:cNvPr id="128" name="Line 7"/>
+          <p:cNvPr id="125" name="Line 7"/>
           <p:cNvSpPr/>
           <p:nvPr/>
         </p:nvSpPr>
@@ -6267,7 +6116,7 @@
       </p:sp>
       <p:sp>
         <p:nvSpPr>
-          <p:cNvPr id="129" name="Line 8"/>
+          <p:cNvPr id="126" name="Line 8"/>
           <p:cNvSpPr/>
           <p:nvPr/>
         </p:nvSpPr>
@@ -6301,7 +6150,7 @@
       </p:sp>
       <p:sp>
         <p:nvSpPr>
-          <p:cNvPr id="130" name="Line 9"/>
+          <p:cNvPr id="127" name="Line 9"/>
           <p:cNvSpPr/>
           <p:nvPr/>
         </p:nvSpPr>
@@ -6335,7 +6184,7 @@
       </p:sp>
       <p:sp>
         <p:nvSpPr>
-          <p:cNvPr id="131" name="Freeform 10"/>
+          <p:cNvPr id="128" name="CustomShape 10"/>
           <p:cNvSpPr/>
           <p:nvPr/>
         </p:nvSpPr>
@@ -6348,7 +6197,7 @@
             <a:avLst/>
             <a:gdLst/>
             <a:ahLst/>
-            <a:rect l="0" t="0" r="r" b="b"/>
+            <a:rect l="l" t="t" r="r" b="b"/>
             <a:pathLst>
               <a:path w="1" h="1">
                 <a:moveTo>
@@ -6368,10 +6217,16 @@
             <a:round/>
           </a:ln>
         </p:spPr>
-      </p:sp>
-      <p:sp>
-        <p:nvSpPr>
-          <p:cNvPr id="132" name="Line 11"/>
+        <p:style>
+          <a:lnRef idx="0"/>
+          <a:fillRef idx="0"/>
+          <a:effectRef idx="0"/>
+          <a:fontRef idx="minor"/>
+        </p:style>
+      </p:sp>
+      <p:sp>
+        <p:nvSpPr>
+          <p:cNvPr id="129" name="Line 11"/>
           <p:cNvSpPr/>
           <p:nvPr/>
         </p:nvSpPr>
@@ -6405,14 +6260,14 @@
       </p:sp>
       <p:sp>
         <p:nvSpPr>
-          <p:cNvPr id="133" name="CustomShape 12"/>
+          <p:cNvPr id="130" name="CustomShape 12"/>
           <p:cNvSpPr/>
           <p:nvPr/>
         </p:nvSpPr>
         <p:spPr>
           <a:xfrm>
             <a:off x="3564000" y="44640"/>
-            <a:ext cx="2808000" cy="503640"/>
+            <a:ext cx="2807640" cy="503280"/>
           </a:xfrm>
           <a:prstGeom prst="rect">
             <a:avLst/>
@@ -6452,6 +6307,7 @@
                   <a:srgbClr val="000000"/>
                 </a:solidFill>
                 <a:latin typeface="맑은 고딕"/>
+                <a:ea typeface="DejaVu Sans"/>
               </a:rPr>
               <a:t>로그인 기능</a:t>
             </a:r>
@@ -6463,14 +6319,14 @@
       </p:sp>
       <p:sp>
         <p:nvSpPr>
-          <p:cNvPr id="134" name="CustomShape 13"/>
-          <p:cNvSpPr/>
-          <p:nvPr/>
-        </p:nvSpPr>
-        <p:spPr>
-          <a:xfrm>
-            <a:off x="4596120" y="4797000"/>
-            <a:ext cx="4654080" cy="2284200"/>
+          <p:cNvPr id="131" name="CustomShape 13"/>
+          <p:cNvSpPr/>
+          <p:nvPr/>
+        </p:nvSpPr>
+        <p:spPr>
+          <a:xfrm>
+            <a:off x="4599720" y="4797000"/>
+            <a:ext cx="4646160" cy="2284200"/>
           </a:xfrm>
           <a:prstGeom prst="rect">
             <a:avLst/>
@@ -6502,6 +6358,7 @@
                   <a:srgbClr val="000000"/>
                 </a:solidFill>
                 <a:latin typeface="맑은 고딕"/>
+                <a:ea typeface="DejaVu Sans"/>
               </a:rPr>
               <a:t>해당 게시판은 회원제 게시판으로 로그인</a:t>
             </a:r>
@@ -6521,6 +6378,7 @@
                   <a:srgbClr val="000000"/>
                 </a:solidFill>
                 <a:latin typeface="맑은 고딕"/>
+                <a:ea typeface="DejaVu Sans"/>
               </a:rPr>
               <a:t>여부를 확인할 수 있는 </a:t>
             </a:r>
@@ -6530,6 +6388,7 @@
                   <a:srgbClr val="000000"/>
                 </a:solidFill>
                 <a:latin typeface="맑은 고딕"/>
+                <a:ea typeface="DejaVu Sans"/>
               </a:rPr>
               <a:t>LoginCheckFilter</a:t>
             </a:r>
@@ -6549,6 +6408,7 @@
                   <a:srgbClr val="000000"/>
                 </a:solidFill>
                 <a:latin typeface="맑은 고딕"/>
+                <a:ea typeface="DejaVu Sans"/>
               </a:rPr>
               <a:t>소스를 만들어야 한다</a:t>
             </a:r>
@@ -6558,6 +6418,7 @@
                   <a:srgbClr val="000000"/>
                 </a:solidFill>
                 <a:latin typeface="맑은 고딕"/>
+                <a:ea typeface="DejaVu Sans"/>
               </a:rPr>
               <a:t>. </a:t>
             </a:r>
@@ -6567,6 +6428,7 @@
                   <a:srgbClr val="000000"/>
                 </a:solidFill>
                 <a:latin typeface="맑은 고딕"/>
+                <a:ea typeface="DejaVu Sans"/>
               </a:rPr>
               <a:t>먼저 로그인 여부를</a:t>
             </a:r>
@@ -6586,6 +6448,7 @@
                   <a:srgbClr val="000000"/>
                 </a:solidFill>
                 <a:latin typeface="맑은 고딕"/>
+                <a:ea typeface="DejaVu Sans"/>
               </a:rPr>
               <a:t>검사한 뒤</a:t>
             </a:r>
@@ -6595,6 +6458,7 @@
                   <a:srgbClr val="000000"/>
                 </a:solidFill>
                 <a:latin typeface="맑은 고딕"/>
+                <a:ea typeface="DejaVu Sans"/>
               </a:rPr>
               <a:t>, </a:t>
             </a:r>
@@ -6604,6 +6468,7 @@
                   <a:srgbClr val="000000"/>
                 </a:solidFill>
                 <a:latin typeface="맑은 고딕"/>
+                <a:ea typeface="DejaVu Sans"/>
               </a:rPr>
               <a:t>로그인하지 않았다면 로그인</a:t>
             </a:r>
@@ -6623,6 +6488,7 @@
                   <a:srgbClr val="000000"/>
                 </a:solidFill>
                 <a:latin typeface="맑은 고딕"/>
+                <a:ea typeface="DejaVu Sans"/>
               </a:rPr>
               <a:t>화면으로 이동시키고</a:t>
             </a:r>
@@ -6632,6 +6498,7 @@
                   <a:srgbClr val="000000"/>
                 </a:solidFill>
                 <a:latin typeface="맑은 고딕"/>
+                <a:ea typeface="DejaVu Sans"/>
               </a:rPr>
               <a:t>, </a:t>
             </a:r>
@@ -6641,6 +6508,7 @@
                   <a:srgbClr val="000000"/>
                 </a:solidFill>
                 <a:latin typeface="맑은 고딕"/>
+                <a:ea typeface="DejaVu Sans"/>
               </a:rPr>
               <a:t>로그인 했다면 요청한</a:t>
             </a:r>
@@ -6660,6 +6528,7 @@
                   <a:srgbClr val="000000"/>
                 </a:solidFill>
                 <a:latin typeface="맑은 고딕"/>
+                <a:ea typeface="DejaVu Sans"/>
               </a:rPr>
               <a:t>기능을 활성화 시킨다</a:t>
             </a:r>
@@ -6669,6 +6538,7 @@
                   <a:srgbClr val="000000"/>
                 </a:solidFill>
                 <a:latin typeface="맑은 고딕"/>
+                <a:ea typeface="DejaVu Sans"/>
               </a:rPr>
               <a:t>.</a:t>
             </a:r>
@@ -6700,14 +6570,14 @@
       </p:sp>
       <p:sp>
         <p:nvSpPr>
-          <p:cNvPr id="135" name="CustomShape 14"/>
+          <p:cNvPr id="132" name="CustomShape 14"/>
           <p:cNvSpPr/>
           <p:nvPr/>
         </p:nvSpPr>
         <p:spPr>
           <a:xfrm>
             <a:off x="4619520" y="1331640"/>
-            <a:ext cx="2890800" cy="364680"/>
+            <a:ext cx="2890440" cy="364320"/>
           </a:xfrm>
           <a:prstGeom prst="rect">
             <a:avLst/>
@@ -6739,6 +6609,7 @@
                   <a:srgbClr val="000000"/>
                 </a:solidFill>
                 <a:latin typeface="맑은 고딕"/>
+                <a:ea typeface="DejaVu Sans"/>
               </a:rPr>
               <a:t>Here : Result Image Insert</a:t>
             </a:r>
@@ -6750,14 +6621,14 @@
       </p:sp>
       <p:sp>
         <p:nvSpPr>
-          <p:cNvPr id="136" name="CustomShape 15"/>
+          <p:cNvPr id="133" name="CustomShape 15"/>
           <p:cNvSpPr/>
           <p:nvPr/>
         </p:nvSpPr>
         <p:spPr>
           <a:xfrm>
             <a:off x="157680" y="1308600"/>
-            <a:ext cx="4401000" cy="364680"/>
+            <a:ext cx="4400640" cy="364320"/>
           </a:xfrm>
           <a:prstGeom prst="rect">
             <a:avLst/>
@@ -6789,6 +6660,7 @@
                   <a:srgbClr val="000000"/>
                 </a:solidFill>
                 <a:latin typeface="맑은 고딕"/>
+                <a:ea typeface="DejaVu Sans"/>
               </a:rPr>
               <a:t>Here : Core Source(Text or Image) Insert</a:t>
             </a:r>
@@ -6800,7 +6672,7 @@
       </p:sp>
       <p:pic>
         <p:nvPicPr>
-          <p:cNvPr id="137" name="그림 2" descr=""/>
+          <p:cNvPr id="134" name="그림 2" descr=""/>
           <p:cNvPicPr/>
           <p:nvPr/>
         </p:nvPicPr>
@@ -6811,7 +6683,7 @@
         <p:spPr>
           <a:xfrm>
             <a:off x="4592520" y="1233720"/>
-            <a:ext cx="2224440" cy="1978920"/>
+            <a:ext cx="2224080" cy="1978560"/>
           </a:xfrm>
           <a:prstGeom prst="rect">
             <a:avLst/>
@@ -6823,7 +6695,7 @@
       </p:pic>
       <p:pic>
         <p:nvPicPr>
-          <p:cNvPr id="138" name="그림 8" descr=""/>
+          <p:cNvPr id="135" name="그림 8" descr=""/>
           <p:cNvPicPr/>
           <p:nvPr/>
         </p:nvPicPr>
@@ -6834,7 +6706,7 @@
         <p:spPr>
           <a:xfrm>
             <a:off x="6837480" y="1205280"/>
-            <a:ext cx="2173320" cy="1863360"/>
+            <a:ext cx="2172960" cy="1863000"/>
           </a:xfrm>
           <a:prstGeom prst="rect">
             <a:avLst/>
@@ -6846,7 +6718,7 @@
       </p:pic>
       <p:pic>
         <p:nvPicPr>
-          <p:cNvPr id="139" name="그림 11" descr=""/>
+          <p:cNvPr id="136" name="그림 11" descr=""/>
           <p:cNvPicPr/>
           <p:nvPr/>
         </p:nvPicPr>
@@ -6857,7 +6729,7 @@
         <p:spPr>
           <a:xfrm>
             <a:off x="4577040" y="3006360"/>
-            <a:ext cx="2260080" cy="1636920"/>
+            <a:ext cx="2259720" cy="1636560"/>
           </a:xfrm>
           <a:prstGeom prst="rect">
             <a:avLst/>
@@ -6869,7 +6741,7 @@
       </p:pic>
       <p:pic>
         <p:nvPicPr>
-          <p:cNvPr id="140" name="그림 15" descr=""/>
+          <p:cNvPr id="137" name="그림 15" descr=""/>
           <p:cNvPicPr/>
           <p:nvPr/>
         </p:nvPicPr>
@@ -6880,7 +6752,7 @@
         <p:spPr>
           <a:xfrm>
             <a:off x="6831360" y="2991960"/>
-            <a:ext cx="2173320" cy="1665720"/>
+            <a:ext cx="2172960" cy="1665360"/>
           </a:xfrm>
           <a:prstGeom prst="rect">
             <a:avLst/>
@@ -6892,7 +6764,7 @@
       </p:pic>
       <p:pic>
         <p:nvPicPr>
-          <p:cNvPr id="141" name="" descr=""/>
+          <p:cNvPr id="138" name="" descr=""/>
           <p:cNvPicPr/>
           <p:nvPr/>
         </p:nvPicPr>
@@ -6903,7 +6775,1950 @@
         <p:spPr>
           <a:xfrm>
             <a:off x="72000" y="1233720"/>
-            <a:ext cx="4464000" cy="3448080"/>
+            <a:ext cx="4463640" cy="3447720"/>
+          </a:xfrm>
+          <a:prstGeom prst="rect">
+            <a:avLst/>
+          </a:prstGeom>
+          <a:ln>
+            <a:noFill/>
+          </a:ln>
+        </p:spPr>
+      </p:pic>
+    </p:spTree>
+  </p:cSld>
+  <mc:AlternateContent>
+    <mc:Choice Requires="p14">
+      <p:transition spd="slow" p14:dur="2000"/>
+    </mc:Choice>
+    <mc:Fallback>
+      <p:transition spd="slow"/>
+    </mc:Fallback>
+  </mc:AlternateContent>
+</p:sld>
+</file>
+
+<file path=ppt/slides/slide6.xml><?xml version="1.0" encoding="utf-8"?>
+<p:sld xmlns:a="http://schemas.openxmlformats.org/drawingml/2006/main" xmlns:p="http://schemas.openxmlformats.org/presentationml/2006/main" xmlns:r="http://schemas.openxmlformats.org/officeDocument/2006/relationships" xmlns:p14="http://schemas.microsoft.com/office/powerpoint/2010/main" xmlns:p15="http://schemas.microsoft.com/office/powerpoint/2012/main" xmlns:mc="http://schemas.openxmlformats.org/markup-compatibility/2006">
+  <p:cSld>
+    <p:spTree>
+      <p:nvGrpSpPr>
+        <p:cNvPr id="1" name=""/>
+        <p:cNvGrpSpPr/>
+        <p:nvPr/>
+      </p:nvGrpSpPr>
+      <p:grpSpPr>
+        <a:xfrm>
+          <a:off x="0" y="0"/>
+          <a:ext cx="0" cy="0"/>
+          <a:chOff x="0" y="0"/>
+          <a:chExt cx="0" cy="0"/>
+        </a:xfrm>
+      </p:grpSpPr>
+      <p:sp>
+        <p:nvSpPr>
+          <p:cNvPr id="139" name="CustomShape 1"/>
+          <p:cNvSpPr/>
+          <p:nvPr/>
+        </p:nvSpPr>
+        <p:spPr>
+          <a:xfrm>
+            <a:off x="35640" y="44640"/>
+            <a:ext cx="3311640" cy="503280"/>
+          </a:xfrm>
+          <a:prstGeom prst="rect">
+            <a:avLst/>
+          </a:prstGeom>
+          <a:noFill/>
+          <a:ln>
+            <a:round/>
+          </a:ln>
+        </p:spPr>
+        <p:style>
+          <a:lnRef idx="2">
+            <a:schemeClr val="accent1">
+              <a:shade val="50000"/>
+            </a:schemeClr>
+          </a:lnRef>
+          <a:fillRef idx="1">
+            <a:schemeClr val="accent1"/>
+          </a:fillRef>
+          <a:effectRef idx="0">
+            <a:schemeClr val="accent1"/>
+          </a:effectRef>
+          <a:fontRef idx="minor"/>
+        </p:style>
+        <p:txBody>
+          <a:bodyPr lIns="90000" rIns="90000" tIns="45000" bIns="45000" anchor="b">
+            <a:noAutofit/>
+          </a:bodyPr>
+          <a:p>
+            <a:pPr algn="ctr">
+              <a:lnSpc>
+                <a:spcPct val="150000"/>
+              </a:lnSpc>
+            </a:pPr>
+            <a:r>
+              <a:rPr b="1" lang="en-US" sz="2000" spc="-1" strike="noStrike">
+                <a:solidFill>
+                  <a:srgbClr val="000000"/>
+                </a:solidFill>
+                <a:latin typeface="맑은 고딕"/>
+                <a:ea typeface="DejaVu Sans"/>
+              </a:rPr>
+              <a:t>주요 소스 </a:t>
+            </a:r>
+            <a:r>
+              <a:rPr b="1" lang="en-US" sz="2000" spc="-1" strike="noStrike">
+                <a:solidFill>
+                  <a:srgbClr val="000000"/>
+                </a:solidFill>
+                <a:latin typeface="맑은 고딕"/>
+                <a:ea typeface="DejaVu Sans"/>
+              </a:rPr>
+              <a:t>[Code Review]</a:t>
+            </a:r>
+            <a:endParaRPr b="0" lang="en-US" sz="2000" spc="-1" strike="noStrike">
+              <a:latin typeface="굴림"/>
+            </a:endParaRPr>
+          </a:p>
+        </p:txBody>
+      </p:sp>
+      <p:sp>
+        <p:nvSpPr>
+          <p:cNvPr id="140" name="CustomShape 2"/>
+          <p:cNvSpPr/>
+          <p:nvPr/>
+        </p:nvSpPr>
+        <p:spPr>
+          <a:xfrm rot="21596400">
+            <a:off x="75960" y="650160"/>
+            <a:ext cx="3308040" cy="431280"/>
+          </a:xfrm>
+          <a:prstGeom prst="rect">
+            <a:avLst/>
+          </a:prstGeom>
+          <a:noFill/>
+          <a:ln>
+            <a:round/>
+          </a:ln>
+        </p:spPr>
+        <p:style>
+          <a:lnRef idx="2">
+            <a:schemeClr val="accent1">
+              <a:shade val="50000"/>
+            </a:schemeClr>
+          </a:lnRef>
+          <a:fillRef idx="1">
+            <a:schemeClr val="accent1"/>
+          </a:fillRef>
+          <a:effectRef idx="0">
+            <a:schemeClr val="accent1"/>
+          </a:effectRef>
+          <a:fontRef idx="minor"/>
+        </p:style>
+        <p:txBody>
+          <a:bodyPr lIns="90000" rIns="90000" tIns="45000" bIns="45000" anchor="b">
+            <a:noAutofit/>
+          </a:bodyPr>
+          <a:p>
+            <a:pPr algn="ctr">
+              <a:lnSpc>
+                <a:spcPct val="150000"/>
+              </a:lnSpc>
+            </a:pPr>
+            <a:r>
+              <a:rPr b="1" lang="en-US" sz="1500" spc="-1" strike="noStrike">
+                <a:solidFill>
+                  <a:srgbClr val="000000"/>
+                </a:solidFill>
+                <a:latin typeface="맑은 고딕"/>
+                <a:ea typeface="DejaVu Sans"/>
+              </a:rPr>
+              <a:t>ChangePasswordService.java</a:t>
+            </a:r>
+            <a:endParaRPr b="0" lang="en-US" sz="1500" spc="-1" strike="noStrike">
+              <a:latin typeface="굴림"/>
+            </a:endParaRPr>
+          </a:p>
+        </p:txBody>
+      </p:sp>
+      <p:sp>
+        <p:nvSpPr>
+          <p:cNvPr id="141" name="Line 3"/>
+          <p:cNvSpPr/>
+          <p:nvPr/>
+        </p:nvSpPr>
+        <p:spPr>
+          <a:xfrm>
+            <a:off x="3491640" y="1052640"/>
+            <a:ext cx="5544720" cy="0"/>
+          </a:xfrm>
+          <a:prstGeom prst="line">
+            <a:avLst/>
+          </a:prstGeom>
+          <a:ln w="28440">
+            <a:solidFill>
+              <a:srgbClr val="4a7ebb"/>
+            </a:solidFill>
+            <a:round/>
+          </a:ln>
+        </p:spPr>
+        <p:style>
+          <a:lnRef idx="1">
+            <a:schemeClr val="accent1"/>
+          </a:lnRef>
+          <a:fillRef idx="0">
+            <a:schemeClr val="accent1"/>
+          </a:fillRef>
+          <a:effectRef idx="0">
+            <a:schemeClr val="accent1"/>
+          </a:effectRef>
+          <a:fontRef idx="minor"/>
+        </p:style>
+      </p:sp>
+      <p:sp>
+        <p:nvSpPr>
+          <p:cNvPr id="142" name="CustomShape 4"/>
+          <p:cNvSpPr/>
+          <p:nvPr/>
+        </p:nvSpPr>
+        <p:spPr>
+          <a:xfrm>
+            <a:off x="3496320" y="620640"/>
+            <a:ext cx="842040" cy="364320"/>
+          </a:xfrm>
+          <a:prstGeom prst="rect">
+            <a:avLst/>
+          </a:prstGeom>
+          <a:noFill/>
+          <a:ln>
+            <a:noFill/>
+          </a:ln>
+        </p:spPr>
+        <p:style>
+          <a:lnRef idx="0"/>
+          <a:fillRef idx="0"/>
+          <a:effectRef idx="0"/>
+          <a:fontRef idx="minor"/>
+        </p:style>
+        <p:txBody>
+          <a:bodyPr wrap="none" lIns="90000" rIns="90000" tIns="45000" bIns="45000">
+            <a:spAutoFit/>
+          </a:bodyPr>
+          <a:p>
+            <a:pPr>
+              <a:lnSpc>
+                <a:spcPct val="100000"/>
+              </a:lnSpc>
+            </a:pPr>
+            <a:r>
+              <a:rPr b="0" lang="en-US" sz="1800" spc="-1" strike="noStrike">
+                <a:solidFill>
+                  <a:srgbClr val="000000"/>
+                </a:solidFill>
+                <a:latin typeface="맑은 고딕"/>
+                <a:ea typeface="DejaVu Sans"/>
+              </a:rPr>
+              <a:t>Jsp,sql</a:t>
+            </a:r>
+            <a:endParaRPr b="0" lang="en-US" sz="1800" spc="-1" strike="noStrike">
+              <a:latin typeface="굴림"/>
+            </a:endParaRPr>
+          </a:p>
+        </p:txBody>
+      </p:sp>
+      <p:sp>
+        <p:nvSpPr>
+          <p:cNvPr id="143" name="Line 5"/>
+          <p:cNvSpPr/>
+          <p:nvPr/>
+        </p:nvSpPr>
+        <p:spPr>
+          <a:xfrm>
+            <a:off x="35280" y="1204920"/>
+            <a:ext cx="9001080" cy="0"/>
+          </a:xfrm>
+          <a:prstGeom prst="line">
+            <a:avLst/>
+          </a:prstGeom>
+          <a:ln w="28440">
+            <a:solidFill>
+              <a:srgbClr val="4a7ebb"/>
+            </a:solidFill>
+            <a:round/>
+          </a:ln>
+        </p:spPr>
+        <p:style>
+          <a:lnRef idx="1">
+            <a:schemeClr val="accent1"/>
+          </a:lnRef>
+          <a:fillRef idx="0">
+            <a:schemeClr val="accent1"/>
+          </a:fillRef>
+          <a:effectRef idx="0">
+            <a:schemeClr val="accent1"/>
+          </a:effectRef>
+          <a:fontRef idx="minor"/>
+        </p:style>
+      </p:sp>
+      <p:sp>
+        <p:nvSpPr>
+          <p:cNvPr id="144" name="Line 6"/>
+          <p:cNvSpPr/>
+          <p:nvPr/>
+        </p:nvSpPr>
+        <p:spPr>
+          <a:xfrm>
+            <a:off x="35280" y="6741360"/>
+            <a:ext cx="9001080" cy="0"/>
+          </a:xfrm>
+          <a:prstGeom prst="line">
+            <a:avLst/>
+          </a:prstGeom>
+          <a:ln w="28440">
+            <a:solidFill>
+              <a:srgbClr val="4a7ebb"/>
+            </a:solidFill>
+            <a:round/>
+          </a:ln>
+        </p:spPr>
+        <p:style>
+          <a:lnRef idx="1">
+            <a:schemeClr val="accent1"/>
+          </a:lnRef>
+          <a:fillRef idx="0">
+            <a:schemeClr val="accent1"/>
+          </a:fillRef>
+          <a:effectRef idx="0">
+            <a:schemeClr val="accent1"/>
+          </a:effectRef>
+          <a:fontRef idx="minor"/>
+        </p:style>
+      </p:sp>
+      <p:sp>
+        <p:nvSpPr>
+          <p:cNvPr id="145" name="Line 7"/>
+          <p:cNvSpPr/>
+          <p:nvPr/>
+        </p:nvSpPr>
+        <p:spPr>
+          <a:xfrm>
+            <a:off x="35280" y="1196640"/>
+            <a:ext cx="0" cy="5544720"/>
+          </a:xfrm>
+          <a:prstGeom prst="line">
+            <a:avLst/>
+          </a:prstGeom>
+          <a:ln w="28440">
+            <a:solidFill>
+              <a:srgbClr val="4a7ebb"/>
+            </a:solidFill>
+            <a:round/>
+          </a:ln>
+        </p:spPr>
+        <p:style>
+          <a:lnRef idx="1">
+            <a:schemeClr val="accent1"/>
+          </a:lnRef>
+          <a:fillRef idx="0">
+            <a:schemeClr val="accent1"/>
+          </a:fillRef>
+          <a:effectRef idx="0">
+            <a:schemeClr val="accent1"/>
+          </a:effectRef>
+          <a:fontRef idx="minor"/>
+        </p:style>
+      </p:sp>
+      <p:sp>
+        <p:nvSpPr>
+          <p:cNvPr id="146" name="Line 8"/>
+          <p:cNvSpPr/>
+          <p:nvPr/>
+        </p:nvSpPr>
+        <p:spPr>
+          <a:xfrm>
+            <a:off x="9036360" y="1204920"/>
+            <a:ext cx="0" cy="5544720"/>
+          </a:xfrm>
+          <a:prstGeom prst="line">
+            <a:avLst/>
+          </a:prstGeom>
+          <a:ln w="28440">
+            <a:solidFill>
+              <a:srgbClr val="4a7ebb"/>
+            </a:solidFill>
+            <a:round/>
+          </a:ln>
+        </p:spPr>
+        <p:style>
+          <a:lnRef idx="1">
+            <a:schemeClr val="accent1"/>
+          </a:lnRef>
+          <a:fillRef idx="0">
+            <a:schemeClr val="accent1"/>
+          </a:fillRef>
+          <a:effectRef idx="0">
+            <a:schemeClr val="accent1"/>
+          </a:effectRef>
+          <a:fontRef idx="minor"/>
+        </p:style>
+      </p:sp>
+      <p:sp>
+        <p:nvSpPr>
+          <p:cNvPr id="147" name="Line 9"/>
+          <p:cNvSpPr/>
+          <p:nvPr/>
+        </p:nvSpPr>
+        <p:spPr>
+          <a:xfrm>
+            <a:off x="4572000" y="1204920"/>
+            <a:ext cx="0" cy="5544720"/>
+          </a:xfrm>
+          <a:prstGeom prst="line">
+            <a:avLst/>
+          </a:prstGeom>
+          <a:ln w="28440">
+            <a:solidFill>
+              <a:srgbClr val="4a7ebb"/>
+            </a:solidFill>
+            <a:round/>
+          </a:ln>
+        </p:spPr>
+        <p:style>
+          <a:lnRef idx="1">
+            <a:schemeClr val="accent1"/>
+          </a:lnRef>
+          <a:fillRef idx="0">
+            <a:schemeClr val="accent1"/>
+          </a:fillRef>
+          <a:effectRef idx="0">
+            <a:schemeClr val="accent1"/>
+          </a:effectRef>
+          <a:fontRef idx="minor"/>
+        </p:style>
+      </p:sp>
+      <p:sp>
+        <p:nvSpPr>
+          <p:cNvPr id="148" name="CustomShape 10"/>
+          <p:cNvSpPr/>
+          <p:nvPr/>
+        </p:nvSpPr>
+        <p:spPr>
+          <a:xfrm>
+            <a:off x="9036360" y="4869000"/>
+            <a:ext cx="360" cy="360"/>
+          </a:xfrm>
+          <a:custGeom>
+            <a:avLst/>
+            <a:gdLst/>
+            <a:ahLst/>
+            <a:rect l="l" t="t" r="r" b="b"/>
+            <a:pathLst>
+              <a:path w="1" h="1">
+                <a:moveTo>
+                  <a:pt x="0" y="0"/>
+                </a:moveTo>
+                <a:lnTo>
+                  <a:pt x="0" y="0"/>
+                </a:lnTo>
+              </a:path>
+            </a:pathLst>
+          </a:custGeom>
+          <a:noFill/>
+          <a:ln w="28440">
+            <a:solidFill>
+              <a:srgbClr val="4a7ebb"/>
+            </a:solidFill>
+            <a:round/>
+          </a:ln>
+        </p:spPr>
+        <p:style>
+          <a:lnRef idx="0"/>
+          <a:fillRef idx="0"/>
+          <a:effectRef idx="0"/>
+          <a:fontRef idx="minor"/>
+        </p:style>
+      </p:sp>
+      <p:sp>
+        <p:nvSpPr>
+          <p:cNvPr id="149" name="Line 11"/>
+          <p:cNvSpPr/>
+          <p:nvPr/>
+        </p:nvSpPr>
+        <p:spPr>
+          <a:xfrm>
+            <a:off x="4572000" y="4725000"/>
+            <a:ext cx="4464360" cy="0"/>
+          </a:xfrm>
+          <a:prstGeom prst="line">
+            <a:avLst/>
+          </a:prstGeom>
+          <a:ln w="28440">
+            <a:solidFill>
+              <a:srgbClr val="4a7ebb"/>
+            </a:solidFill>
+            <a:round/>
+          </a:ln>
+        </p:spPr>
+        <p:style>
+          <a:lnRef idx="1">
+            <a:schemeClr val="accent1"/>
+          </a:lnRef>
+          <a:fillRef idx="0">
+            <a:schemeClr val="accent1"/>
+          </a:fillRef>
+          <a:effectRef idx="0">
+            <a:schemeClr val="accent1"/>
+          </a:effectRef>
+          <a:fontRef idx="minor"/>
+        </p:style>
+      </p:sp>
+      <p:sp>
+        <p:nvSpPr>
+          <p:cNvPr id="150" name="CustomShape 12"/>
+          <p:cNvSpPr/>
+          <p:nvPr/>
+        </p:nvSpPr>
+        <p:spPr>
+          <a:xfrm>
+            <a:off x="3564000" y="44640"/>
+            <a:ext cx="2807640" cy="503280"/>
+          </a:xfrm>
+          <a:prstGeom prst="rect">
+            <a:avLst/>
+          </a:prstGeom>
+          <a:noFill/>
+          <a:ln>
+            <a:round/>
+          </a:ln>
+        </p:spPr>
+        <p:style>
+          <a:lnRef idx="2">
+            <a:schemeClr val="accent1">
+              <a:shade val="50000"/>
+            </a:schemeClr>
+          </a:lnRef>
+          <a:fillRef idx="1">
+            <a:schemeClr val="accent1"/>
+          </a:fillRef>
+          <a:effectRef idx="0">
+            <a:schemeClr val="accent1"/>
+          </a:effectRef>
+          <a:fontRef idx="minor"/>
+        </p:style>
+        <p:txBody>
+          <a:bodyPr lIns="90000" rIns="90000" tIns="45000" bIns="45000" anchor="ctr">
+            <a:noAutofit/>
+          </a:bodyPr>
+          <a:p>
+            <a:pPr algn="ctr">
+              <a:lnSpc>
+                <a:spcPct val="150000"/>
+              </a:lnSpc>
+            </a:pPr>
+            <a:r>
+              <a:rPr b="1" lang="en-US" sz="2000" spc="-1" strike="noStrike">
+                <a:solidFill>
+                  <a:srgbClr val="000000"/>
+                </a:solidFill>
+                <a:latin typeface="맑은 고딕"/>
+                <a:ea typeface="DejaVu Sans"/>
+              </a:rPr>
+              <a:t>암호변경 기능</a:t>
+            </a:r>
+            <a:endParaRPr b="0" lang="en-US" sz="2000" spc="-1" strike="noStrike">
+              <a:latin typeface="굴림"/>
+            </a:endParaRPr>
+          </a:p>
+        </p:txBody>
+      </p:sp>
+      <p:sp>
+        <p:nvSpPr>
+          <p:cNvPr id="151" name="CustomShape 13"/>
+          <p:cNvSpPr/>
+          <p:nvPr/>
+        </p:nvSpPr>
+        <p:spPr>
+          <a:xfrm>
+            <a:off x="4737960" y="4797000"/>
+            <a:ext cx="4376520" cy="1461240"/>
+          </a:xfrm>
+          <a:prstGeom prst="rect">
+            <a:avLst/>
+          </a:prstGeom>
+          <a:noFill/>
+          <a:ln>
+            <a:noFill/>
+          </a:ln>
+        </p:spPr>
+        <p:style>
+          <a:lnRef idx="0"/>
+          <a:fillRef idx="0"/>
+          <a:effectRef idx="0"/>
+          <a:fontRef idx="minor"/>
+        </p:style>
+        <p:txBody>
+          <a:bodyPr wrap="none" lIns="90000" rIns="90000" tIns="45000" bIns="45000">
+            <a:spAutoFit/>
+          </a:bodyPr>
+          <a:p>
+            <a:pPr>
+              <a:lnSpc>
+                <a:spcPct val="100000"/>
+              </a:lnSpc>
+            </a:pPr>
+            <a:r>
+              <a:rPr b="0" lang="en-US" sz="1800" spc="-1" strike="noStrike">
+                <a:solidFill>
+                  <a:srgbClr val="000000"/>
+                </a:solidFill>
+                <a:latin typeface="맑은 고딕"/>
+                <a:ea typeface="DejaVu Sans"/>
+              </a:rPr>
+              <a:t>특정 사용자의 암호를 변경하는 기능을</a:t>
+            </a:r>
+            <a:endParaRPr b="0" lang="en-US" sz="1800" spc="-1" strike="noStrike">
+              <a:latin typeface="굴림"/>
+            </a:endParaRPr>
+          </a:p>
+          <a:p>
+            <a:pPr>
+              <a:lnSpc>
+                <a:spcPct val="100000"/>
+              </a:lnSpc>
+            </a:pPr>
+            <a:r>
+              <a:rPr b="0" lang="en-US" sz="1800" spc="-1" strike="noStrike">
+                <a:solidFill>
+                  <a:srgbClr val="000000"/>
+                </a:solidFill>
+                <a:latin typeface="맑은 고딕"/>
+                <a:ea typeface="DejaVu Sans"/>
+              </a:rPr>
+              <a:t>제공한다</a:t>
+            </a:r>
+            <a:r>
+              <a:rPr b="0" lang="en-US" sz="1800" spc="-1" strike="noStrike">
+                <a:solidFill>
+                  <a:srgbClr val="000000"/>
+                </a:solidFill>
+                <a:latin typeface="맑은 고딕"/>
+                <a:ea typeface="DejaVu Sans"/>
+              </a:rPr>
+              <a:t>. </a:t>
+            </a:r>
+            <a:r>
+              <a:rPr b="0" lang="en-US" sz="1800" spc="-1" strike="noStrike">
+                <a:solidFill>
+                  <a:srgbClr val="000000"/>
+                </a:solidFill>
+                <a:latin typeface="맑은 고딕"/>
+                <a:ea typeface="DejaVu Sans"/>
+              </a:rPr>
+              <a:t>사용자 아이디</a:t>
+            </a:r>
+            <a:r>
+              <a:rPr b="0" lang="en-US" sz="1800" spc="-1" strike="noStrike">
+                <a:solidFill>
+                  <a:srgbClr val="000000"/>
+                </a:solidFill>
+                <a:latin typeface="맑은 고딕"/>
+                <a:ea typeface="DejaVu Sans"/>
+              </a:rPr>
+              <a:t>, </a:t>
+            </a:r>
+            <a:r>
+              <a:rPr b="0" lang="en-US" sz="1800" spc="-1" strike="noStrike">
+                <a:solidFill>
+                  <a:srgbClr val="000000"/>
+                </a:solidFill>
+                <a:latin typeface="맑은 고딕"/>
+                <a:ea typeface="DejaVu Sans"/>
+              </a:rPr>
+              <a:t>현재 암호</a:t>
+            </a:r>
+            <a:r>
+              <a:rPr b="0" lang="en-US" sz="1800" spc="-1" strike="noStrike">
+                <a:solidFill>
+                  <a:srgbClr val="000000"/>
+                </a:solidFill>
+                <a:latin typeface="맑은 고딕"/>
+                <a:ea typeface="DejaVu Sans"/>
+              </a:rPr>
+              <a:t>, </a:t>
+            </a:r>
+            <a:r>
+              <a:rPr b="0" lang="en-US" sz="1800" spc="-1" strike="noStrike">
+                <a:solidFill>
+                  <a:srgbClr val="000000"/>
+                </a:solidFill>
+                <a:latin typeface="맑은 고딕"/>
+                <a:ea typeface="DejaVu Sans"/>
+              </a:rPr>
+              <a:t>신규</a:t>
+            </a:r>
+            <a:endParaRPr b="0" lang="en-US" sz="1800" spc="-1" strike="noStrike">
+              <a:latin typeface="굴림"/>
+            </a:endParaRPr>
+          </a:p>
+          <a:p>
+            <a:pPr>
+              <a:lnSpc>
+                <a:spcPct val="100000"/>
+              </a:lnSpc>
+            </a:pPr>
+            <a:r>
+              <a:rPr b="0" lang="en-US" sz="1800" spc="-1" strike="noStrike">
+                <a:solidFill>
+                  <a:srgbClr val="000000"/>
+                </a:solidFill>
+                <a:latin typeface="맑은 고딕"/>
+                <a:ea typeface="DejaVu Sans"/>
+              </a:rPr>
+              <a:t>암호를 입력으로 받아 암호를 변경한다</a:t>
+            </a:r>
+            <a:r>
+              <a:rPr b="0" lang="en-US" sz="1800" spc="-1" strike="noStrike">
+                <a:solidFill>
+                  <a:srgbClr val="000000"/>
+                </a:solidFill>
+                <a:latin typeface="맑은 고딕"/>
+                <a:ea typeface="DejaVu Sans"/>
+              </a:rPr>
+              <a:t>.</a:t>
+            </a:r>
+            <a:endParaRPr b="0" lang="en-US" sz="1800" spc="-1" strike="noStrike">
+              <a:latin typeface="굴림"/>
+            </a:endParaRPr>
+          </a:p>
+          <a:p>
+            <a:pPr>
+              <a:lnSpc>
+                <a:spcPct val="100000"/>
+              </a:lnSpc>
+            </a:pPr>
+            <a:endParaRPr b="0" lang="en-US" sz="1800" spc="-1" strike="noStrike">
+              <a:latin typeface="굴림"/>
+            </a:endParaRPr>
+          </a:p>
+          <a:p>
+            <a:pPr>
+              <a:lnSpc>
+                <a:spcPct val="100000"/>
+              </a:lnSpc>
+            </a:pPr>
+            <a:endParaRPr b="0" lang="en-US" sz="1800" spc="-1" strike="noStrike">
+              <a:latin typeface="굴림"/>
+            </a:endParaRPr>
+          </a:p>
+        </p:txBody>
+      </p:sp>
+      <p:sp>
+        <p:nvSpPr>
+          <p:cNvPr id="152" name="CustomShape 14"/>
+          <p:cNvSpPr/>
+          <p:nvPr/>
+        </p:nvSpPr>
+        <p:spPr>
+          <a:xfrm>
+            <a:off x="4619520" y="1331640"/>
+            <a:ext cx="2890440" cy="364320"/>
+          </a:xfrm>
+          <a:prstGeom prst="rect">
+            <a:avLst/>
+          </a:prstGeom>
+          <a:noFill/>
+          <a:ln>
+            <a:noFill/>
+          </a:ln>
+        </p:spPr>
+        <p:style>
+          <a:lnRef idx="0"/>
+          <a:fillRef idx="0"/>
+          <a:effectRef idx="0"/>
+          <a:fontRef idx="minor"/>
+        </p:style>
+        <p:txBody>
+          <a:bodyPr wrap="none" lIns="90000" rIns="90000" tIns="45000" bIns="45000">
+            <a:spAutoFit/>
+          </a:bodyPr>
+          <a:p>
+            <a:pPr>
+              <a:lnSpc>
+                <a:spcPct val="100000"/>
+              </a:lnSpc>
+            </a:pPr>
+            <a:r>
+              <a:rPr b="0" lang="en-US" sz="1800" spc="-1" strike="noStrike">
+                <a:solidFill>
+                  <a:srgbClr val="000000"/>
+                </a:solidFill>
+                <a:latin typeface="맑은 고딕"/>
+                <a:ea typeface="DejaVu Sans"/>
+              </a:rPr>
+              <a:t>Here : Result Image Insert</a:t>
+            </a:r>
+            <a:endParaRPr b="0" lang="en-US" sz="1800" spc="-1" strike="noStrike">
+              <a:latin typeface="굴림"/>
+            </a:endParaRPr>
+          </a:p>
+        </p:txBody>
+      </p:sp>
+      <p:sp>
+        <p:nvSpPr>
+          <p:cNvPr id="153" name="CustomShape 15"/>
+          <p:cNvSpPr/>
+          <p:nvPr/>
+        </p:nvSpPr>
+        <p:spPr>
+          <a:xfrm>
+            <a:off x="157680" y="1308600"/>
+            <a:ext cx="4400640" cy="364320"/>
+          </a:xfrm>
+          <a:prstGeom prst="rect">
+            <a:avLst/>
+          </a:prstGeom>
+          <a:noFill/>
+          <a:ln>
+            <a:noFill/>
+          </a:ln>
+        </p:spPr>
+        <p:style>
+          <a:lnRef idx="0"/>
+          <a:fillRef idx="0"/>
+          <a:effectRef idx="0"/>
+          <a:fontRef idx="minor"/>
+        </p:style>
+        <p:txBody>
+          <a:bodyPr wrap="none" lIns="90000" rIns="90000" tIns="45000" bIns="45000">
+            <a:spAutoFit/>
+          </a:bodyPr>
+          <a:p>
+            <a:pPr>
+              <a:lnSpc>
+                <a:spcPct val="100000"/>
+              </a:lnSpc>
+            </a:pPr>
+            <a:r>
+              <a:rPr b="0" lang="en-US" sz="1800" spc="-1" strike="noStrike">
+                <a:solidFill>
+                  <a:srgbClr val="000000"/>
+                </a:solidFill>
+                <a:latin typeface="맑은 고딕"/>
+                <a:ea typeface="DejaVu Sans"/>
+              </a:rPr>
+              <a:t>Here : Core Source(Text or Image) Insert</a:t>
+            </a:r>
+            <a:endParaRPr b="0" lang="en-US" sz="1800" spc="-1" strike="noStrike">
+              <a:latin typeface="굴림"/>
+            </a:endParaRPr>
+          </a:p>
+        </p:txBody>
+      </p:sp>
+      <p:pic>
+        <p:nvPicPr>
+          <p:cNvPr id="154" name="그림 11" descr=""/>
+          <p:cNvPicPr/>
+          <p:nvPr/>
+        </p:nvPicPr>
+        <p:blipFill>
+          <a:blip r:embed="rId1"/>
+          <a:stretch/>
+        </p:blipFill>
+        <p:spPr>
+          <a:xfrm>
+            <a:off x="4572000" y="1243440"/>
+            <a:ext cx="2052000" cy="1924560"/>
+          </a:xfrm>
+          <a:prstGeom prst="rect">
+            <a:avLst/>
+          </a:prstGeom>
+          <a:ln>
+            <a:noFill/>
+          </a:ln>
+        </p:spPr>
+      </p:pic>
+      <p:pic>
+        <p:nvPicPr>
+          <p:cNvPr id="155" name="" descr=""/>
+          <p:cNvPicPr/>
+          <p:nvPr/>
+        </p:nvPicPr>
+        <p:blipFill>
+          <a:blip r:embed="rId2"/>
+          <a:stretch/>
+        </p:blipFill>
+        <p:spPr>
+          <a:xfrm>
+            <a:off x="120960" y="1265400"/>
+            <a:ext cx="4415040" cy="3486600"/>
+          </a:xfrm>
+          <a:prstGeom prst="rect">
+            <a:avLst/>
+          </a:prstGeom>
+          <a:ln>
+            <a:noFill/>
+          </a:ln>
+        </p:spPr>
+      </p:pic>
+      <p:pic>
+        <p:nvPicPr>
+          <p:cNvPr id="156" name="" descr=""/>
+          <p:cNvPicPr/>
+          <p:nvPr/>
+        </p:nvPicPr>
+        <p:blipFill>
+          <a:blip r:embed="rId3"/>
+          <a:stretch/>
+        </p:blipFill>
+        <p:spPr>
+          <a:xfrm>
+            <a:off x="6624000" y="1243440"/>
+            <a:ext cx="2412360" cy="1996560"/>
+          </a:xfrm>
+          <a:prstGeom prst="rect">
+            <a:avLst/>
+          </a:prstGeom>
+          <a:ln>
+            <a:noFill/>
+          </a:ln>
+        </p:spPr>
+      </p:pic>
+    </p:spTree>
+  </p:cSld>
+  <mc:AlternateContent>
+    <mc:Choice Requires="p14">
+      <p:transition spd="slow" p14:dur="2000"/>
+    </mc:Choice>
+    <mc:Fallback>
+      <p:transition spd="slow"/>
+    </mc:Fallback>
+  </mc:AlternateContent>
+</p:sld>
+</file>
+
+<file path=ppt/slides/slide7.xml><?xml version="1.0" encoding="utf-8"?>
+<p:sld xmlns:a="http://schemas.openxmlformats.org/drawingml/2006/main" xmlns:p="http://schemas.openxmlformats.org/presentationml/2006/main" xmlns:r="http://schemas.openxmlformats.org/officeDocument/2006/relationships" xmlns:p14="http://schemas.microsoft.com/office/powerpoint/2010/main" xmlns:p15="http://schemas.microsoft.com/office/powerpoint/2012/main" xmlns:mc="http://schemas.openxmlformats.org/markup-compatibility/2006">
+  <p:cSld>
+    <p:spTree>
+      <p:nvGrpSpPr>
+        <p:cNvPr id="1" name=""/>
+        <p:cNvGrpSpPr/>
+        <p:nvPr/>
+      </p:nvGrpSpPr>
+      <p:grpSpPr>
+        <a:xfrm>
+          <a:off x="0" y="0"/>
+          <a:ext cx="0" cy="0"/>
+          <a:chOff x="0" y="0"/>
+          <a:chExt cx="0" cy="0"/>
+        </a:xfrm>
+      </p:grpSpPr>
+      <p:sp>
+        <p:nvSpPr>
+          <p:cNvPr id="157" name="CustomShape 1"/>
+          <p:cNvSpPr/>
+          <p:nvPr/>
+        </p:nvSpPr>
+        <p:spPr>
+          <a:xfrm>
+            <a:off x="35640" y="44640"/>
+            <a:ext cx="3311640" cy="503280"/>
+          </a:xfrm>
+          <a:prstGeom prst="rect">
+            <a:avLst/>
+          </a:prstGeom>
+          <a:noFill/>
+          <a:ln>
+            <a:round/>
+          </a:ln>
+        </p:spPr>
+        <p:style>
+          <a:lnRef idx="2">
+            <a:schemeClr val="accent1">
+              <a:shade val="50000"/>
+            </a:schemeClr>
+          </a:lnRef>
+          <a:fillRef idx="1">
+            <a:schemeClr val="accent1"/>
+          </a:fillRef>
+          <a:effectRef idx="0">
+            <a:schemeClr val="accent1"/>
+          </a:effectRef>
+          <a:fontRef idx="minor"/>
+        </p:style>
+        <p:txBody>
+          <a:bodyPr lIns="90000" rIns="90000" tIns="45000" bIns="45000" anchor="b">
+            <a:noAutofit/>
+          </a:bodyPr>
+          <a:p>
+            <a:pPr algn="ctr">
+              <a:lnSpc>
+                <a:spcPct val="150000"/>
+              </a:lnSpc>
+            </a:pPr>
+            <a:r>
+              <a:rPr b="1" lang="en-US" sz="2000" spc="-1" strike="noStrike">
+                <a:solidFill>
+                  <a:srgbClr val="000000"/>
+                </a:solidFill>
+                <a:latin typeface="맑은 고딕"/>
+                <a:ea typeface="DejaVu Sans"/>
+              </a:rPr>
+              <a:t>주요 소스 </a:t>
+            </a:r>
+            <a:r>
+              <a:rPr b="1" lang="en-US" sz="2000" spc="-1" strike="noStrike">
+                <a:solidFill>
+                  <a:srgbClr val="000000"/>
+                </a:solidFill>
+                <a:latin typeface="맑은 고딕"/>
+                <a:ea typeface="DejaVu Sans"/>
+              </a:rPr>
+              <a:t>[Code Review]</a:t>
+            </a:r>
+            <a:endParaRPr b="0" lang="en-US" sz="2000" spc="-1" strike="noStrike">
+              <a:latin typeface="굴림"/>
+            </a:endParaRPr>
+          </a:p>
+        </p:txBody>
+      </p:sp>
+      <p:sp>
+        <p:nvSpPr>
+          <p:cNvPr id="158" name="CustomShape 2"/>
+          <p:cNvSpPr/>
+          <p:nvPr/>
+        </p:nvSpPr>
+        <p:spPr>
+          <a:xfrm rot="21596400">
+            <a:off x="75960" y="650160"/>
+            <a:ext cx="3308040" cy="431280"/>
+          </a:xfrm>
+          <a:prstGeom prst="rect">
+            <a:avLst/>
+          </a:prstGeom>
+          <a:noFill/>
+          <a:ln>
+            <a:round/>
+          </a:ln>
+        </p:spPr>
+        <p:style>
+          <a:lnRef idx="2">
+            <a:schemeClr val="accent1">
+              <a:shade val="50000"/>
+            </a:schemeClr>
+          </a:lnRef>
+          <a:fillRef idx="1">
+            <a:schemeClr val="accent1"/>
+          </a:fillRef>
+          <a:effectRef idx="0">
+            <a:schemeClr val="accent1"/>
+          </a:effectRef>
+          <a:fontRef idx="minor"/>
+        </p:style>
+        <p:txBody>
+          <a:bodyPr lIns="90000" rIns="90000" tIns="45000" bIns="45000" anchor="b">
+            <a:noAutofit/>
+          </a:bodyPr>
+          <a:p>
+            <a:pPr algn="ctr">
+              <a:lnSpc>
+                <a:spcPct val="150000"/>
+              </a:lnSpc>
+            </a:pPr>
+            <a:r>
+              <a:rPr b="1" lang="en-US" sz="1500" spc="-1" strike="noStrike">
+                <a:solidFill>
+                  <a:srgbClr val="000000"/>
+                </a:solidFill>
+                <a:latin typeface="맑은 고딕"/>
+                <a:ea typeface="DejaVu Sans"/>
+              </a:rPr>
+              <a:t>ChangePasswordService.java</a:t>
+            </a:r>
+            <a:endParaRPr b="0" lang="en-US" sz="1500" spc="-1" strike="noStrike">
+              <a:latin typeface="굴림"/>
+            </a:endParaRPr>
+          </a:p>
+        </p:txBody>
+      </p:sp>
+      <p:sp>
+        <p:nvSpPr>
+          <p:cNvPr id="159" name="Line 3"/>
+          <p:cNvSpPr/>
+          <p:nvPr/>
+        </p:nvSpPr>
+        <p:spPr>
+          <a:xfrm>
+            <a:off x="3491640" y="1052640"/>
+            <a:ext cx="5544720" cy="0"/>
+          </a:xfrm>
+          <a:prstGeom prst="line">
+            <a:avLst/>
+          </a:prstGeom>
+          <a:ln w="28440">
+            <a:solidFill>
+              <a:srgbClr val="4a7ebb"/>
+            </a:solidFill>
+            <a:round/>
+          </a:ln>
+        </p:spPr>
+        <p:style>
+          <a:lnRef idx="1">
+            <a:schemeClr val="accent1"/>
+          </a:lnRef>
+          <a:fillRef idx="0">
+            <a:schemeClr val="accent1"/>
+          </a:fillRef>
+          <a:effectRef idx="0">
+            <a:schemeClr val="accent1"/>
+          </a:effectRef>
+          <a:fontRef idx="minor"/>
+        </p:style>
+      </p:sp>
+      <p:sp>
+        <p:nvSpPr>
+          <p:cNvPr id="160" name="CustomShape 4"/>
+          <p:cNvSpPr/>
+          <p:nvPr/>
+        </p:nvSpPr>
+        <p:spPr>
+          <a:xfrm>
+            <a:off x="3496320" y="620640"/>
+            <a:ext cx="842040" cy="364320"/>
+          </a:xfrm>
+          <a:prstGeom prst="rect">
+            <a:avLst/>
+          </a:prstGeom>
+          <a:noFill/>
+          <a:ln>
+            <a:noFill/>
+          </a:ln>
+        </p:spPr>
+        <p:style>
+          <a:lnRef idx="0"/>
+          <a:fillRef idx="0"/>
+          <a:effectRef idx="0"/>
+          <a:fontRef idx="minor"/>
+        </p:style>
+        <p:txBody>
+          <a:bodyPr wrap="none" lIns="90000" rIns="90000" tIns="45000" bIns="45000">
+            <a:spAutoFit/>
+          </a:bodyPr>
+          <a:p>
+            <a:pPr>
+              <a:lnSpc>
+                <a:spcPct val="100000"/>
+              </a:lnSpc>
+            </a:pPr>
+            <a:r>
+              <a:rPr b="0" lang="en-US" sz="1800" spc="-1" strike="noStrike">
+                <a:solidFill>
+                  <a:srgbClr val="000000"/>
+                </a:solidFill>
+                <a:latin typeface="맑은 고딕"/>
+                <a:ea typeface="DejaVu Sans"/>
+              </a:rPr>
+              <a:t>Jsp,sql</a:t>
+            </a:r>
+            <a:endParaRPr b="0" lang="en-US" sz="1800" spc="-1" strike="noStrike">
+              <a:latin typeface="굴림"/>
+            </a:endParaRPr>
+          </a:p>
+        </p:txBody>
+      </p:sp>
+      <p:sp>
+        <p:nvSpPr>
+          <p:cNvPr id="161" name="Line 5"/>
+          <p:cNvSpPr/>
+          <p:nvPr/>
+        </p:nvSpPr>
+        <p:spPr>
+          <a:xfrm>
+            <a:off x="35280" y="1204920"/>
+            <a:ext cx="9001080" cy="0"/>
+          </a:xfrm>
+          <a:prstGeom prst="line">
+            <a:avLst/>
+          </a:prstGeom>
+          <a:ln w="28440">
+            <a:solidFill>
+              <a:srgbClr val="4a7ebb"/>
+            </a:solidFill>
+            <a:round/>
+          </a:ln>
+        </p:spPr>
+        <p:style>
+          <a:lnRef idx="1">
+            <a:schemeClr val="accent1"/>
+          </a:lnRef>
+          <a:fillRef idx="0">
+            <a:schemeClr val="accent1"/>
+          </a:fillRef>
+          <a:effectRef idx="0">
+            <a:schemeClr val="accent1"/>
+          </a:effectRef>
+          <a:fontRef idx="minor"/>
+        </p:style>
+      </p:sp>
+      <p:sp>
+        <p:nvSpPr>
+          <p:cNvPr id="162" name="Line 6"/>
+          <p:cNvSpPr/>
+          <p:nvPr/>
+        </p:nvSpPr>
+        <p:spPr>
+          <a:xfrm>
+            <a:off x="35280" y="6741360"/>
+            <a:ext cx="9001080" cy="0"/>
+          </a:xfrm>
+          <a:prstGeom prst="line">
+            <a:avLst/>
+          </a:prstGeom>
+          <a:ln w="28440">
+            <a:solidFill>
+              <a:srgbClr val="4a7ebb"/>
+            </a:solidFill>
+            <a:round/>
+          </a:ln>
+        </p:spPr>
+        <p:style>
+          <a:lnRef idx="1">
+            <a:schemeClr val="accent1"/>
+          </a:lnRef>
+          <a:fillRef idx="0">
+            <a:schemeClr val="accent1"/>
+          </a:fillRef>
+          <a:effectRef idx="0">
+            <a:schemeClr val="accent1"/>
+          </a:effectRef>
+          <a:fontRef idx="minor"/>
+        </p:style>
+      </p:sp>
+      <p:sp>
+        <p:nvSpPr>
+          <p:cNvPr id="163" name="Line 7"/>
+          <p:cNvSpPr/>
+          <p:nvPr/>
+        </p:nvSpPr>
+        <p:spPr>
+          <a:xfrm>
+            <a:off x="35280" y="1196640"/>
+            <a:ext cx="0" cy="5544720"/>
+          </a:xfrm>
+          <a:prstGeom prst="line">
+            <a:avLst/>
+          </a:prstGeom>
+          <a:ln w="28440">
+            <a:solidFill>
+              <a:srgbClr val="4a7ebb"/>
+            </a:solidFill>
+            <a:round/>
+          </a:ln>
+        </p:spPr>
+        <p:style>
+          <a:lnRef idx="1">
+            <a:schemeClr val="accent1"/>
+          </a:lnRef>
+          <a:fillRef idx="0">
+            <a:schemeClr val="accent1"/>
+          </a:fillRef>
+          <a:effectRef idx="0">
+            <a:schemeClr val="accent1"/>
+          </a:effectRef>
+          <a:fontRef idx="minor"/>
+        </p:style>
+      </p:sp>
+      <p:sp>
+        <p:nvSpPr>
+          <p:cNvPr id="164" name="Line 8"/>
+          <p:cNvSpPr/>
+          <p:nvPr/>
+        </p:nvSpPr>
+        <p:spPr>
+          <a:xfrm>
+            <a:off x="9036360" y="1204920"/>
+            <a:ext cx="0" cy="5544720"/>
+          </a:xfrm>
+          <a:prstGeom prst="line">
+            <a:avLst/>
+          </a:prstGeom>
+          <a:ln w="28440">
+            <a:solidFill>
+              <a:srgbClr val="4a7ebb"/>
+            </a:solidFill>
+            <a:round/>
+          </a:ln>
+        </p:spPr>
+        <p:style>
+          <a:lnRef idx="1">
+            <a:schemeClr val="accent1"/>
+          </a:lnRef>
+          <a:fillRef idx="0">
+            <a:schemeClr val="accent1"/>
+          </a:fillRef>
+          <a:effectRef idx="0">
+            <a:schemeClr val="accent1"/>
+          </a:effectRef>
+          <a:fontRef idx="minor"/>
+        </p:style>
+      </p:sp>
+      <p:sp>
+        <p:nvSpPr>
+          <p:cNvPr id="165" name="Line 9"/>
+          <p:cNvSpPr/>
+          <p:nvPr/>
+        </p:nvSpPr>
+        <p:spPr>
+          <a:xfrm>
+            <a:off x="4572000" y="1204920"/>
+            <a:ext cx="0" cy="5544720"/>
+          </a:xfrm>
+          <a:prstGeom prst="line">
+            <a:avLst/>
+          </a:prstGeom>
+          <a:ln w="28440">
+            <a:solidFill>
+              <a:srgbClr val="4a7ebb"/>
+            </a:solidFill>
+            <a:round/>
+          </a:ln>
+        </p:spPr>
+        <p:style>
+          <a:lnRef idx="1">
+            <a:schemeClr val="accent1"/>
+          </a:lnRef>
+          <a:fillRef idx="0">
+            <a:schemeClr val="accent1"/>
+          </a:fillRef>
+          <a:effectRef idx="0">
+            <a:schemeClr val="accent1"/>
+          </a:effectRef>
+          <a:fontRef idx="minor"/>
+        </p:style>
+      </p:sp>
+      <p:sp>
+        <p:nvSpPr>
+          <p:cNvPr id="166" name="CustomShape 10"/>
+          <p:cNvSpPr/>
+          <p:nvPr/>
+        </p:nvSpPr>
+        <p:spPr>
+          <a:xfrm>
+            <a:off x="9036360" y="4869000"/>
+            <a:ext cx="360" cy="360"/>
+          </a:xfrm>
+          <a:custGeom>
+            <a:avLst/>
+            <a:gdLst/>
+            <a:ahLst/>
+            <a:rect l="l" t="t" r="r" b="b"/>
+            <a:pathLst>
+              <a:path w="1" h="1">
+                <a:moveTo>
+                  <a:pt x="0" y="0"/>
+                </a:moveTo>
+                <a:lnTo>
+                  <a:pt x="0" y="0"/>
+                </a:lnTo>
+              </a:path>
+            </a:pathLst>
+          </a:custGeom>
+          <a:noFill/>
+          <a:ln w="28440">
+            <a:solidFill>
+              <a:srgbClr val="4a7ebb"/>
+            </a:solidFill>
+            <a:round/>
+          </a:ln>
+        </p:spPr>
+        <p:style>
+          <a:lnRef idx="0"/>
+          <a:fillRef idx="0"/>
+          <a:effectRef idx="0"/>
+          <a:fontRef idx="minor"/>
+        </p:style>
+      </p:sp>
+      <p:sp>
+        <p:nvSpPr>
+          <p:cNvPr id="167" name="Line 11"/>
+          <p:cNvSpPr/>
+          <p:nvPr/>
+        </p:nvSpPr>
+        <p:spPr>
+          <a:xfrm>
+            <a:off x="4572000" y="4725000"/>
+            <a:ext cx="4464360" cy="0"/>
+          </a:xfrm>
+          <a:prstGeom prst="line">
+            <a:avLst/>
+          </a:prstGeom>
+          <a:ln w="28440">
+            <a:solidFill>
+              <a:srgbClr val="4a7ebb"/>
+            </a:solidFill>
+            <a:round/>
+          </a:ln>
+        </p:spPr>
+        <p:style>
+          <a:lnRef idx="1">
+            <a:schemeClr val="accent1"/>
+          </a:lnRef>
+          <a:fillRef idx="0">
+            <a:schemeClr val="accent1"/>
+          </a:fillRef>
+          <a:effectRef idx="0">
+            <a:schemeClr val="accent1"/>
+          </a:effectRef>
+          <a:fontRef idx="minor"/>
+        </p:style>
+      </p:sp>
+      <p:sp>
+        <p:nvSpPr>
+          <p:cNvPr id="168" name="CustomShape 12"/>
+          <p:cNvSpPr/>
+          <p:nvPr/>
+        </p:nvSpPr>
+        <p:spPr>
+          <a:xfrm>
+            <a:off x="3564000" y="44640"/>
+            <a:ext cx="2807640" cy="503280"/>
+          </a:xfrm>
+          <a:prstGeom prst="rect">
+            <a:avLst/>
+          </a:prstGeom>
+          <a:noFill/>
+          <a:ln>
+            <a:round/>
+          </a:ln>
+        </p:spPr>
+        <p:style>
+          <a:lnRef idx="2">
+            <a:schemeClr val="accent1">
+              <a:shade val="50000"/>
+            </a:schemeClr>
+          </a:lnRef>
+          <a:fillRef idx="1">
+            <a:schemeClr val="accent1"/>
+          </a:fillRef>
+          <a:effectRef idx="0">
+            <a:schemeClr val="accent1"/>
+          </a:effectRef>
+          <a:fontRef idx="minor"/>
+        </p:style>
+        <p:txBody>
+          <a:bodyPr lIns="90000" rIns="90000" tIns="45000" bIns="45000" anchor="ctr">
+            <a:noAutofit/>
+          </a:bodyPr>
+          <a:p>
+            <a:pPr algn="ctr">
+              <a:lnSpc>
+                <a:spcPct val="150000"/>
+              </a:lnSpc>
+            </a:pPr>
+            <a:r>
+              <a:rPr b="1" lang="en-US" sz="2000" spc="-1" strike="noStrike">
+                <a:solidFill>
+                  <a:srgbClr val="000000"/>
+                </a:solidFill>
+                <a:latin typeface="맑은 고딕"/>
+                <a:ea typeface="DejaVu Sans"/>
+              </a:rPr>
+              <a:t>암호변경 기능</a:t>
+            </a:r>
+            <a:endParaRPr b="0" lang="en-US" sz="2000" spc="-1" strike="noStrike">
+              <a:latin typeface="굴림"/>
+            </a:endParaRPr>
+          </a:p>
+        </p:txBody>
+      </p:sp>
+      <p:sp>
+        <p:nvSpPr>
+          <p:cNvPr id="169" name="CustomShape 13"/>
+          <p:cNvSpPr/>
+          <p:nvPr/>
+        </p:nvSpPr>
+        <p:spPr>
+          <a:xfrm>
+            <a:off x="4725000" y="4797000"/>
+            <a:ext cx="4410000" cy="2284200"/>
+          </a:xfrm>
+          <a:prstGeom prst="rect">
+            <a:avLst/>
+          </a:prstGeom>
+          <a:noFill/>
+          <a:ln>
+            <a:noFill/>
+          </a:ln>
+        </p:spPr>
+        <p:style>
+          <a:lnRef idx="0"/>
+          <a:fillRef idx="0"/>
+          <a:effectRef idx="0"/>
+          <a:fontRef idx="minor"/>
+        </p:style>
+        <p:txBody>
+          <a:bodyPr wrap="none" lIns="90000" rIns="90000" tIns="45000" bIns="45000">
+            <a:spAutoFit/>
+          </a:bodyPr>
+          <a:p>
+            <a:pPr>
+              <a:lnSpc>
+                <a:spcPct val="100000"/>
+              </a:lnSpc>
+            </a:pPr>
+            <a:r>
+              <a:rPr b="0" lang="en-US" sz="1800" spc="-1" strike="noStrike">
+                <a:solidFill>
+                  <a:srgbClr val="000000"/>
+                </a:solidFill>
+                <a:latin typeface="맑은 고딕"/>
+                <a:ea typeface="DejaVu Sans"/>
+              </a:rPr>
+              <a:t>웹 브라우저의 암호 변경 요청을 처리함</a:t>
+            </a:r>
+            <a:r>
+              <a:rPr b="0" lang="en-US" sz="1800" spc="-1" strike="noStrike">
+                <a:solidFill>
+                  <a:srgbClr val="000000"/>
+                </a:solidFill>
+                <a:latin typeface="맑은 고딕"/>
+                <a:ea typeface="DejaVu Sans"/>
+              </a:rPr>
+              <a:t>.</a:t>
+            </a:r>
+            <a:endParaRPr b="0" lang="en-US" sz="1800" spc="-1" strike="noStrike">
+              <a:latin typeface="굴림"/>
+            </a:endParaRPr>
+          </a:p>
+          <a:p>
+            <a:pPr>
+              <a:lnSpc>
+                <a:spcPct val="100000"/>
+              </a:lnSpc>
+            </a:pPr>
+            <a:r>
+              <a:rPr b="0" lang="en-US" sz="1800" spc="-1" strike="noStrike">
+                <a:solidFill>
+                  <a:srgbClr val="000000"/>
+                </a:solidFill>
+                <a:latin typeface="맑은 고딕"/>
+                <a:ea typeface="DejaVu Sans"/>
+              </a:rPr>
+              <a:t>GET </a:t>
+            </a:r>
+            <a:r>
+              <a:rPr b="0" lang="en-US" sz="1800" spc="-1" strike="noStrike">
+                <a:solidFill>
+                  <a:srgbClr val="000000"/>
+                </a:solidFill>
+                <a:latin typeface="맑은 고딕"/>
+                <a:ea typeface="DejaVu Sans"/>
+              </a:rPr>
+              <a:t>요청일 경우</a:t>
+            </a:r>
+            <a:r>
+              <a:rPr b="0" lang="en-US" sz="1800" spc="-1" strike="noStrike">
+                <a:solidFill>
+                  <a:srgbClr val="000000"/>
+                </a:solidFill>
+                <a:latin typeface="맑은 고딕"/>
+                <a:ea typeface="DejaVu Sans"/>
+              </a:rPr>
+              <a:t>, changePwdForm.jsp</a:t>
+            </a:r>
+            <a:r>
+              <a:rPr b="0" lang="en-US" sz="1800" spc="-1" strike="noStrike">
+                <a:solidFill>
+                  <a:srgbClr val="000000"/>
+                </a:solidFill>
+                <a:latin typeface="맑은 고딕"/>
+                <a:ea typeface="DejaVu Sans"/>
+              </a:rPr>
+              <a:t>를</a:t>
+            </a:r>
+            <a:endParaRPr b="0" lang="en-US" sz="1800" spc="-1" strike="noStrike">
+              <a:latin typeface="굴림"/>
+            </a:endParaRPr>
+          </a:p>
+          <a:p>
+            <a:pPr>
+              <a:lnSpc>
+                <a:spcPct val="100000"/>
+              </a:lnSpc>
+            </a:pPr>
+            <a:r>
+              <a:rPr b="0" lang="en-US" sz="1800" spc="-1" strike="noStrike">
+                <a:solidFill>
+                  <a:srgbClr val="000000"/>
+                </a:solidFill>
+                <a:latin typeface="맑은 고딕"/>
+                <a:ea typeface="DejaVu Sans"/>
+              </a:rPr>
+              <a:t>이용해서 폼을 보여주고 </a:t>
+            </a:r>
+            <a:r>
+              <a:rPr b="0" lang="en-US" sz="1800" spc="-1" strike="noStrike">
+                <a:solidFill>
+                  <a:srgbClr val="000000"/>
+                </a:solidFill>
+                <a:latin typeface="맑은 고딕"/>
+                <a:ea typeface="DejaVu Sans"/>
+              </a:rPr>
+              <a:t>POST </a:t>
+            </a:r>
+            <a:r>
+              <a:rPr b="0" lang="en-US" sz="1800" spc="-1" strike="noStrike">
+                <a:solidFill>
+                  <a:srgbClr val="000000"/>
+                </a:solidFill>
+                <a:latin typeface="맑은 고딕"/>
+                <a:ea typeface="DejaVu Sans"/>
+              </a:rPr>
+              <a:t>일경우</a:t>
+            </a:r>
+            <a:r>
+              <a:rPr b="0" lang="en-US" sz="1800" spc="-1" strike="noStrike">
+                <a:solidFill>
+                  <a:srgbClr val="000000"/>
+                </a:solidFill>
+                <a:latin typeface="맑은 고딕"/>
+                <a:ea typeface="DejaVu Sans"/>
+              </a:rPr>
+              <a:t>,</a:t>
+            </a:r>
+            <a:endParaRPr b="0" lang="en-US" sz="1800" spc="-1" strike="noStrike">
+              <a:latin typeface="굴림"/>
+            </a:endParaRPr>
+          </a:p>
+          <a:p>
+            <a:pPr>
+              <a:lnSpc>
+                <a:spcPct val="100000"/>
+              </a:lnSpc>
+            </a:pPr>
+            <a:r>
+              <a:rPr b="0" lang="en-US" sz="1800" spc="-1" strike="noStrike">
+                <a:solidFill>
+                  <a:srgbClr val="000000"/>
+                </a:solidFill>
+                <a:latin typeface="맑은 고딕"/>
+                <a:ea typeface="DejaVu Sans"/>
+              </a:rPr>
+              <a:t>ChangePasswordService</a:t>
+            </a:r>
+            <a:r>
+              <a:rPr b="0" lang="en-US" sz="1800" spc="-1" strike="noStrike">
+                <a:solidFill>
+                  <a:srgbClr val="000000"/>
+                </a:solidFill>
+                <a:latin typeface="맑은 고딕"/>
+                <a:ea typeface="DejaVu Sans"/>
+              </a:rPr>
+              <a:t>를 이용해서 암호</a:t>
+            </a:r>
+            <a:endParaRPr b="0" lang="en-US" sz="1800" spc="-1" strike="noStrike">
+              <a:latin typeface="굴림"/>
+            </a:endParaRPr>
+          </a:p>
+          <a:p>
+            <a:pPr>
+              <a:lnSpc>
+                <a:spcPct val="100000"/>
+              </a:lnSpc>
+            </a:pPr>
+            <a:r>
+              <a:rPr b="0" lang="en-US" sz="1800" spc="-1" strike="noStrike">
+                <a:solidFill>
+                  <a:srgbClr val="000000"/>
+                </a:solidFill>
+                <a:latin typeface="맑은 고딕"/>
+                <a:ea typeface="DejaVu Sans"/>
+              </a:rPr>
+              <a:t>변경 기능을 실행한다</a:t>
+            </a:r>
+            <a:r>
+              <a:rPr b="0" lang="en-US" sz="1800" spc="-1" strike="noStrike">
+                <a:solidFill>
+                  <a:srgbClr val="000000"/>
+                </a:solidFill>
+                <a:latin typeface="맑은 고딕"/>
+                <a:ea typeface="DejaVu Sans"/>
+              </a:rPr>
+              <a:t>. </a:t>
+            </a:r>
+            <a:r>
+              <a:rPr b="0" lang="en-US" sz="1800" spc="-1" strike="noStrike">
+                <a:solidFill>
+                  <a:srgbClr val="000000"/>
+                </a:solidFill>
+                <a:latin typeface="맑은 고딕"/>
+                <a:ea typeface="DejaVu Sans"/>
+              </a:rPr>
+              <a:t>암호변경에 성공</a:t>
+            </a:r>
+            <a:endParaRPr b="0" lang="en-US" sz="1800" spc="-1" strike="noStrike">
+              <a:latin typeface="굴림"/>
+            </a:endParaRPr>
+          </a:p>
+          <a:p>
+            <a:pPr>
+              <a:lnSpc>
+                <a:spcPct val="100000"/>
+              </a:lnSpc>
+            </a:pPr>
+            <a:r>
+              <a:rPr b="0" lang="en-US" sz="1800" spc="-1" strike="noStrike">
+                <a:solidFill>
+                  <a:srgbClr val="000000"/>
+                </a:solidFill>
+                <a:latin typeface="맑은 고딕"/>
+                <a:ea typeface="DejaVu Sans"/>
+              </a:rPr>
+              <a:t>하면 </a:t>
+            </a:r>
+            <a:r>
+              <a:rPr b="0" lang="en-US" sz="1800" spc="-1" strike="noStrike">
+                <a:solidFill>
+                  <a:srgbClr val="000000"/>
+                </a:solidFill>
+                <a:latin typeface="맑은 고딕"/>
+                <a:ea typeface="DejaVu Sans"/>
+              </a:rPr>
+              <a:t>changePwdSuccess.jsp</a:t>
+            </a:r>
+            <a:r>
+              <a:rPr b="0" lang="en-US" sz="1800" spc="-1" strike="noStrike">
+                <a:solidFill>
+                  <a:srgbClr val="000000"/>
+                </a:solidFill>
+                <a:latin typeface="맑은 고딕"/>
+                <a:ea typeface="DejaVu Sans"/>
+              </a:rPr>
+              <a:t>를 뷰로 사용</a:t>
+            </a:r>
+            <a:r>
+              <a:rPr b="0" lang="en-US" sz="1800" spc="-1" strike="noStrike">
+                <a:solidFill>
+                  <a:srgbClr val="000000"/>
+                </a:solidFill>
+                <a:latin typeface="맑은 고딕"/>
+                <a:ea typeface="DejaVu Sans"/>
+              </a:rPr>
+              <a:t>.</a:t>
+            </a:r>
+            <a:endParaRPr b="0" lang="en-US" sz="1800" spc="-1" strike="noStrike">
+              <a:latin typeface="굴림"/>
+            </a:endParaRPr>
+          </a:p>
+          <a:p>
+            <a:pPr>
+              <a:lnSpc>
+                <a:spcPct val="100000"/>
+              </a:lnSpc>
+            </a:pPr>
+            <a:endParaRPr b="0" lang="en-US" sz="1800" spc="-1" strike="noStrike">
+              <a:latin typeface="굴림"/>
+            </a:endParaRPr>
+          </a:p>
+          <a:p>
+            <a:pPr>
+              <a:lnSpc>
+                <a:spcPct val="100000"/>
+              </a:lnSpc>
+            </a:pPr>
+            <a:endParaRPr b="0" lang="en-US" sz="1800" spc="-1" strike="noStrike">
+              <a:latin typeface="굴림"/>
+            </a:endParaRPr>
+          </a:p>
+        </p:txBody>
+      </p:sp>
+      <p:sp>
+        <p:nvSpPr>
+          <p:cNvPr id="170" name="CustomShape 14"/>
+          <p:cNvSpPr/>
+          <p:nvPr/>
+        </p:nvSpPr>
+        <p:spPr>
+          <a:xfrm>
+            <a:off x="4619520" y="1331640"/>
+            <a:ext cx="2890440" cy="364320"/>
+          </a:xfrm>
+          <a:prstGeom prst="rect">
+            <a:avLst/>
+          </a:prstGeom>
+          <a:noFill/>
+          <a:ln>
+            <a:noFill/>
+          </a:ln>
+        </p:spPr>
+        <p:style>
+          <a:lnRef idx="0"/>
+          <a:fillRef idx="0"/>
+          <a:effectRef idx="0"/>
+          <a:fontRef idx="minor"/>
+        </p:style>
+        <p:txBody>
+          <a:bodyPr wrap="none" lIns="90000" rIns="90000" tIns="45000" bIns="45000">
+            <a:spAutoFit/>
+          </a:bodyPr>
+          <a:p>
+            <a:pPr>
+              <a:lnSpc>
+                <a:spcPct val="100000"/>
+              </a:lnSpc>
+            </a:pPr>
+            <a:r>
+              <a:rPr b="0" lang="en-US" sz="1800" spc="-1" strike="noStrike">
+                <a:solidFill>
+                  <a:srgbClr val="000000"/>
+                </a:solidFill>
+                <a:latin typeface="맑은 고딕"/>
+                <a:ea typeface="DejaVu Sans"/>
+              </a:rPr>
+              <a:t>Here : Result Image Insert</a:t>
+            </a:r>
+            <a:endParaRPr b="0" lang="en-US" sz="1800" spc="-1" strike="noStrike">
+              <a:latin typeface="굴림"/>
+            </a:endParaRPr>
+          </a:p>
+        </p:txBody>
+      </p:sp>
+      <p:sp>
+        <p:nvSpPr>
+          <p:cNvPr id="171" name="CustomShape 15"/>
+          <p:cNvSpPr/>
+          <p:nvPr/>
+        </p:nvSpPr>
+        <p:spPr>
+          <a:xfrm>
+            <a:off x="157680" y="1308600"/>
+            <a:ext cx="4400640" cy="364320"/>
+          </a:xfrm>
+          <a:prstGeom prst="rect">
+            <a:avLst/>
+          </a:prstGeom>
+          <a:noFill/>
+          <a:ln>
+            <a:noFill/>
+          </a:ln>
+        </p:spPr>
+        <p:style>
+          <a:lnRef idx="0"/>
+          <a:fillRef idx="0"/>
+          <a:effectRef idx="0"/>
+          <a:fontRef idx="minor"/>
+        </p:style>
+        <p:txBody>
+          <a:bodyPr wrap="none" lIns="90000" rIns="90000" tIns="45000" bIns="45000">
+            <a:spAutoFit/>
+          </a:bodyPr>
+          <a:p>
+            <a:pPr>
+              <a:lnSpc>
+                <a:spcPct val="100000"/>
+              </a:lnSpc>
+            </a:pPr>
+            <a:r>
+              <a:rPr b="0" lang="en-US" sz="1800" spc="-1" strike="noStrike">
+                <a:solidFill>
+                  <a:srgbClr val="000000"/>
+                </a:solidFill>
+                <a:latin typeface="맑은 고딕"/>
+                <a:ea typeface="DejaVu Sans"/>
+              </a:rPr>
+              <a:t>Here : Core Source(Text or Image) Insert</a:t>
+            </a:r>
+            <a:endParaRPr b="0" lang="en-US" sz="1800" spc="-1" strike="noStrike">
+              <a:latin typeface="굴림"/>
+            </a:endParaRPr>
+          </a:p>
+        </p:txBody>
+      </p:sp>
+      <p:pic>
+        <p:nvPicPr>
+          <p:cNvPr id="172" name="그림 11" descr=""/>
+          <p:cNvPicPr/>
+          <p:nvPr/>
+        </p:nvPicPr>
+        <p:blipFill>
+          <a:blip r:embed="rId1"/>
+          <a:stretch/>
+        </p:blipFill>
+        <p:spPr>
+          <a:xfrm>
+            <a:off x="4572000" y="1243440"/>
+            <a:ext cx="2052000" cy="1924560"/>
+          </a:xfrm>
+          <a:prstGeom prst="rect">
+            <a:avLst/>
+          </a:prstGeom>
+          <a:ln>
+            <a:noFill/>
+          </a:ln>
+        </p:spPr>
+      </p:pic>
+      <p:pic>
+        <p:nvPicPr>
+          <p:cNvPr id="173" name="" descr=""/>
+          <p:cNvPicPr/>
+          <p:nvPr/>
+        </p:nvPicPr>
+        <p:blipFill>
+          <a:blip r:embed="rId2"/>
+          <a:stretch/>
+        </p:blipFill>
+        <p:spPr>
+          <a:xfrm>
+            <a:off x="6624000" y="1243440"/>
+            <a:ext cx="2412360" cy="1996560"/>
+          </a:xfrm>
+          <a:prstGeom prst="rect">
+            <a:avLst/>
+          </a:prstGeom>
+          <a:ln>
+            <a:noFill/>
+          </a:ln>
+        </p:spPr>
+      </p:pic>
+      <p:pic>
+        <p:nvPicPr>
+          <p:cNvPr id="174" name="" descr=""/>
+          <p:cNvPicPr/>
+          <p:nvPr/>
+        </p:nvPicPr>
+        <p:blipFill>
+          <a:blip r:embed="rId3"/>
+          <a:stretch/>
+        </p:blipFill>
+        <p:spPr>
+          <a:xfrm>
+            <a:off x="72000" y="1243440"/>
+            <a:ext cx="4392000" cy="2428560"/>
+          </a:xfrm>
+          <a:prstGeom prst="rect">
+            <a:avLst/>
+          </a:prstGeom>
+          <a:ln>
+            <a:noFill/>
+          </a:ln>
+        </p:spPr>
+      </p:pic>
+      <p:pic>
+        <p:nvPicPr>
+          <p:cNvPr id="175" name="" descr=""/>
+          <p:cNvPicPr/>
+          <p:nvPr/>
+        </p:nvPicPr>
+        <p:blipFill>
+          <a:blip r:embed="rId4"/>
+          <a:stretch/>
+        </p:blipFill>
+        <p:spPr>
+          <a:xfrm>
+            <a:off x="72000" y="3600000"/>
+            <a:ext cx="4392000" cy="3187440"/>
           </a:xfrm>
           <a:prstGeom prst="rect">
             <a:avLst/>
